--- a/doc/network.pptx
+++ b/doc/network.pptx
@@ -2,18 +2,18 @@
 <file path=ppt/presentation.xml><?xml version="1.0" encoding="utf-8"?>
 <p:presentation xmlns:a="http://schemas.openxmlformats.org/drawingml/2006/main" xmlns:r="http://schemas.openxmlformats.org/officeDocument/2006/relationships" xmlns:p="http://schemas.openxmlformats.org/presentationml/2006/main" saveSubsetFonts="1">
   <p:sldMasterIdLst>
-    <p:sldMasterId id="2147483689" r:id="rId1"/>
+    <p:sldMasterId id="2147483701" r:id="rId1"/>
   </p:sldMasterIdLst>
   <p:sldIdLst>
     <p:sldId id="256" r:id="rId2"/>
   </p:sldIdLst>
-  <p:sldSz cx="12192000" cy="6858000"/>
+  <p:sldSz cx="9144000" cy="6858000" type="screen4x3"/>
   <p:notesSz cx="6858000" cy="9144000"/>
   <p:defaultTextStyle>
     <a:defPPr>
       <a:defRPr lang="en-US"/>
     </a:defPPr>
-    <a:lvl1pPr marL="0" algn="l" defTabSz="914400" rtl="0" eaLnBrk="1" latinLnBrk="0" hangingPunct="1">
+    <a:lvl1pPr marL="0" algn="l" defTabSz="457200" rtl="0" eaLnBrk="1" latinLnBrk="0" hangingPunct="1">
       <a:defRPr sz="1800" kern="1200">
         <a:solidFill>
           <a:schemeClr val="tx1"/>
@@ -23,7 +23,7 @@
         <a:cs typeface="+mn-cs"/>
       </a:defRPr>
     </a:lvl1pPr>
-    <a:lvl2pPr marL="457200" algn="l" defTabSz="914400" rtl="0" eaLnBrk="1" latinLnBrk="0" hangingPunct="1">
+    <a:lvl2pPr marL="457200" algn="l" defTabSz="457200" rtl="0" eaLnBrk="1" latinLnBrk="0" hangingPunct="1">
       <a:defRPr sz="1800" kern="1200">
         <a:solidFill>
           <a:schemeClr val="tx1"/>
@@ -33,7 +33,7 @@
         <a:cs typeface="+mn-cs"/>
       </a:defRPr>
     </a:lvl2pPr>
-    <a:lvl3pPr marL="914400" algn="l" defTabSz="914400" rtl="0" eaLnBrk="1" latinLnBrk="0" hangingPunct="1">
+    <a:lvl3pPr marL="914400" algn="l" defTabSz="457200" rtl="0" eaLnBrk="1" latinLnBrk="0" hangingPunct="1">
       <a:defRPr sz="1800" kern="1200">
         <a:solidFill>
           <a:schemeClr val="tx1"/>
@@ -43,7 +43,7 @@
         <a:cs typeface="+mn-cs"/>
       </a:defRPr>
     </a:lvl3pPr>
-    <a:lvl4pPr marL="1371600" algn="l" defTabSz="914400" rtl="0" eaLnBrk="1" latinLnBrk="0" hangingPunct="1">
+    <a:lvl4pPr marL="1371600" algn="l" defTabSz="457200" rtl="0" eaLnBrk="1" latinLnBrk="0" hangingPunct="1">
       <a:defRPr sz="1800" kern="1200">
         <a:solidFill>
           <a:schemeClr val="tx1"/>
@@ -53,7 +53,7 @@
         <a:cs typeface="+mn-cs"/>
       </a:defRPr>
     </a:lvl4pPr>
-    <a:lvl5pPr marL="1828800" algn="l" defTabSz="914400" rtl="0" eaLnBrk="1" latinLnBrk="0" hangingPunct="1">
+    <a:lvl5pPr marL="1828800" algn="l" defTabSz="457200" rtl="0" eaLnBrk="1" latinLnBrk="0" hangingPunct="1">
       <a:defRPr sz="1800" kern="1200">
         <a:solidFill>
           <a:schemeClr val="tx1"/>
@@ -63,7 +63,7 @@
         <a:cs typeface="+mn-cs"/>
       </a:defRPr>
     </a:lvl5pPr>
-    <a:lvl6pPr marL="2286000" algn="l" defTabSz="914400" rtl="0" eaLnBrk="1" latinLnBrk="0" hangingPunct="1">
+    <a:lvl6pPr marL="2286000" algn="l" defTabSz="457200" rtl="0" eaLnBrk="1" latinLnBrk="0" hangingPunct="1">
       <a:defRPr sz="1800" kern="1200">
         <a:solidFill>
           <a:schemeClr val="tx1"/>
@@ -73,7 +73,7 @@
         <a:cs typeface="+mn-cs"/>
       </a:defRPr>
     </a:lvl6pPr>
-    <a:lvl7pPr marL="2743200" algn="l" defTabSz="914400" rtl="0" eaLnBrk="1" latinLnBrk="0" hangingPunct="1">
+    <a:lvl7pPr marL="2743200" algn="l" defTabSz="457200" rtl="0" eaLnBrk="1" latinLnBrk="0" hangingPunct="1">
       <a:defRPr sz="1800" kern="1200">
         <a:solidFill>
           <a:schemeClr val="tx1"/>
@@ -83,7 +83,7 @@
         <a:cs typeface="+mn-cs"/>
       </a:defRPr>
     </a:lvl7pPr>
-    <a:lvl8pPr marL="3200400" algn="l" defTabSz="914400" rtl="0" eaLnBrk="1" latinLnBrk="0" hangingPunct="1">
+    <a:lvl8pPr marL="3200400" algn="l" defTabSz="457200" rtl="0" eaLnBrk="1" latinLnBrk="0" hangingPunct="1">
       <a:defRPr sz="1800" kern="1200">
         <a:solidFill>
           <a:schemeClr val="tx1"/>
@@ -93,7 +93,7 @@
         <a:cs typeface="+mn-cs"/>
       </a:defRPr>
     </a:lvl8pPr>
-    <a:lvl9pPr marL="3657600" algn="l" defTabSz="914400" rtl="0" eaLnBrk="1" latinLnBrk="0" hangingPunct="1">
+    <a:lvl9pPr marL="3657600" algn="l" defTabSz="457200" rtl="0" eaLnBrk="1" latinLnBrk="0" hangingPunct="1">
       <a:defRPr sz="1800" kern="1200">
         <a:solidFill>
           <a:schemeClr val="tx1"/>
@@ -135,13 +135,7 @@
       </p:grpSpPr>
       <p:sp>
         <p:nvSpPr>
-          <p:cNvPr id="2" name="タイトル 1">
-            <a:extLst>
-              <a:ext uri="{FF2B5EF4-FFF2-40B4-BE49-F238E27FC236}">
-                <a16:creationId xmlns:a16="http://schemas.microsoft.com/office/drawing/2014/main" id="{0336640C-C55C-459C-9D63-16353084BF22}"/>
-              </a:ext>
-            </a:extLst>
-          </p:cNvPr>
+          <p:cNvPr id="2" name="Title 1"/>
           <p:cNvSpPr>
             <a:spLocks noGrp="1"/>
           </p:cNvSpPr>
@@ -151,8 +145,8 @@
         </p:nvSpPr>
         <p:spPr>
           <a:xfrm>
-            <a:off x="1524000" y="1122363"/>
-            <a:ext cx="9144000" cy="2387600"/>
+            <a:off x="685800" y="1122363"/>
+            <a:ext cx="7772400" cy="2387600"/>
           </a:xfrm>
         </p:spPr>
         <p:txBody>
@@ -167,19 +161,13 @@
               <a:rPr lang="ja-JP" altLang="en-US"/>
               <a:t>マスター タイトルの書式設定</a:t>
             </a:r>
-            <a:endParaRPr lang="en-US"/>
-          </a:p>
-        </p:txBody>
-      </p:sp>
-      <p:sp>
-        <p:nvSpPr>
-          <p:cNvPr id="3" name="サブタイトル 2">
-            <a:extLst>
-              <a:ext uri="{FF2B5EF4-FFF2-40B4-BE49-F238E27FC236}">
-                <a16:creationId xmlns:a16="http://schemas.microsoft.com/office/drawing/2014/main" id="{BD7C5C86-537F-4C67-BBC1-96F8226100D9}"/>
-              </a:ext>
-            </a:extLst>
-          </p:cNvPr>
+            <a:endParaRPr lang="en-US" dirty="0"/>
+          </a:p>
+        </p:txBody>
+      </p:sp>
+      <p:sp>
+        <p:nvSpPr>
+          <p:cNvPr id="3" name="Subtitle 2"/>
           <p:cNvSpPr>
             <a:spLocks noGrp="1"/>
           </p:cNvSpPr>
@@ -189,8 +177,8 @@
         </p:nvSpPr>
         <p:spPr>
           <a:xfrm>
-            <a:off x="1524000" y="3602038"/>
-            <a:ext cx="9144000" cy="1655762"/>
+            <a:off x="1143000" y="3602038"/>
+            <a:ext cx="6858000" cy="1655762"/>
           </a:xfrm>
         </p:spPr>
         <p:txBody>
@@ -238,19 +226,13 @@
               <a:rPr lang="ja-JP" altLang="en-US"/>
               <a:t>マスター サブタイトルの書式設定</a:t>
             </a:r>
-            <a:endParaRPr lang="en-US"/>
-          </a:p>
-        </p:txBody>
-      </p:sp>
-      <p:sp>
-        <p:nvSpPr>
-          <p:cNvPr id="4" name="日付プレースホルダー 3">
-            <a:extLst>
-              <a:ext uri="{FF2B5EF4-FFF2-40B4-BE49-F238E27FC236}">
-                <a16:creationId xmlns:a16="http://schemas.microsoft.com/office/drawing/2014/main" id="{871500D3-AD8C-435F-8907-C907DC184763}"/>
-              </a:ext>
-            </a:extLst>
-          </p:cNvPr>
+            <a:endParaRPr lang="en-US" dirty="0"/>
+          </a:p>
+        </p:txBody>
+      </p:sp>
+      <p:sp>
+        <p:nvSpPr>
+          <p:cNvPr id="4" name="Date Placeholder 3"/>
           <p:cNvSpPr>
             <a:spLocks noGrp="1"/>
           </p:cNvSpPr>
@@ -265,7 +247,7 @@
           <a:p>
             <a:fld id="{0588DB89-F6CE-4EE7-AE23-362350B0A563}" type="datetimeFigureOut">
               <a:rPr lang="en-US" smtClean="0"/>
-              <a:t>7/3/2017</a:t>
+              <a:t>7/9/2017</a:t>
             </a:fld>
             <a:endParaRPr lang="en-US"/>
           </a:p>
@@ -273,13 +255,7 @@
       </p:sp>
       <p:sp>
         <p:nvSpPr>
-          <p:cNvPr id="5" name="フッター プレースホルダー 4">
-            <a:extLst>
-              <a:ext uri="{FF2B5EF4-FFF2-40B4-BE49-F238E27FC236}">
-                <a16:creationId xmlns:a16="http://schemas.microsoft.com/office/drawing/2014/main" id="{FCCBA38C-0B1D-48B2-B911-FF4934F78416}"/>
-              </a:ext>
-            </a:extLst>
-          </p:cNvPr>
+          <p:cNvPr id="5" name="Footer Placeholder 4"/>
           <p:cNvSpPr>
             <a:spLocks noGrp="1"/>
           </p:cNvSpPr>
@@ -298,13 +274,7 @@
       </p:sp>
       <p:sp>
         <p:nvSpPr>
-          <p:cNvPr id="6" name="スライド番号プレースホルダー 5">
-            <a:extLst>
-              <a:ext uri="{FF2B5EF4-FFF2-40B4-BE49-F238E27FC236}">
-                <a16:creationId xmlns:a16="http://schemas.microsoft.com/office/drawing/2014/main" id="{CFE2F528-F2D7-4E4A-B637-5A9DA2D4086F}"/>
-              </a:ext>
-            </a:extLst>
-          </p:cNvPr>
+          <p:cNvPr id="6" name="Slide Number Placeholder 5"/>
           <p:cNvSpPr>
             <a:spLocks noGrp="1"/>
           </p:cNvSpPr>
@@ -328,7 +298,7 @@
     </p:spTree>
     <p:extLst>
       <p:ext uri="{BB962C8B-B14F-4D97-AF65-F5344CB8AC3E}">
-        <p14:creationId xmlns:p14="http://schemas.microsoft.com/office/powerpoint/2010/main" val="2516360256"/>
+        <p14:creationId xmlns:p14="http://schemas.microsoft.com/office/powerpoint/2010/main" val="4280491344"/>
       </p:ext>
     </p:extLst>
   </p:cSld>
@@ -357,13 +327,7 @@
       </p:grpSpPr>
       <p:sp>
         <p:nvSpPr>
-          <p:cNvPr id="2" name="タイトル 1">
-            <a:extLst>
-              <a:ext uri="{FF2B5EF4-FFF2-40B4-BE49-F238E27FC236}">
-                <a16:creationId xmlns:a16="http://schemas.microsoft.com/office/drawing/2014/main" id="{2DF9B5BA-5869-473D-985A-ACA3BAD116B6}"/>
-              </a:ext>
-            </a:extLst>
-          </p:cNvPr>
+          <p:cNvPr id="2" name="Title 1"/>
           <p:cNvSpPr>
             <a:spLocks noGrp="1"/>
           </p:cNvSpPr>
@@ -380,19 +344,13 @@
               <a:rPr lang="ja-JP" altLang="en-US"/>
               <a:t>マスター タイトルの書式設定</a:t>
             </a:r>
-            <a:endParaRPr lang="en-US"/>
-          </a:p>
-        </p:txBody>
-      </p:sp>
-      <p:sp>
-        <p:nvSpPr>
-          <p:cNvPr id="3" name="縦書きテキスト プレースホルダー 2">
-            <a:extLst>
-              <a:ext uri="{FF2B5EF4-FFF2-40B4-BE49-F238E27FC236}">
-                <a16:creationId xmlns:a16="http://schemas.microsoft.com/office/drawing/2014/main" id="{75B02512-EBCE-40C8-8CA4-B86A148A7846}"/>
-              </a:ext>
-            </a:extLst>
-          </p:cNvPr>
+            <a:endParaRPr lang="en-US" dirty="0"/>
+          </a:p>
+        </p:txBody>
+      </p:sp>
+      <p:sp>
+        <p:nvSpPr>
+          <p:cNvPr id="3" name="Vertical Text Placeholder 2"/>
           <p:cNvSpPr>
             <a:spLocks noGrp="1"/>
           </p:cNvSpPr>
@@ -470,19 +428,13 @@
               <a:rPr lang="ja-JP" altLang="en-US"/>
               <a:t>レベル</a:t>
             </a:r>
-            <a:endParaRPr lang="en-US"/>
-          </a:p>
-        </p:txBody>
-      </p:sp>
-      <p:sp>
-        <p:nvSpPr>
-          <p:cNvPr id="4" name="日付プレースホルダー 3">
-            <a:extLst>
-              <a:ext uri="{FF2B5EF4-FFF2-40B4-BE49-F238E27FC236}">
-                <a16:creationId xmlns:a16="http://schemas.microsoft.com/office/drawing/2014/main" id="{4680416B-8B42-4B39-BE82-A5273701ECD6}"/>
-              </a:ext>
-            </a:extLst>
-          </p:cNvPr>
+            <a:endParaRPr lang="en-US" dirty="0"/>
+          </a:p>
+        </p:txBody>
+      </p:sp>
+      <p:sp>
+        <p:nvSpPr>
+          <p:cNvPr id="4" name="Date Placeholder 3"/>
           <p:cNvSpPr>
             <a:spLocks noGrp="1"/>
           </p:cNvSpPr>
@@ -497,7 +449,7 @@
           <a:p>
             <a:fld id="{0588DB89-F6CE-4EE7-AE23-362350B0A563}" type="datetimeFigureOut">
               <a:rPr lang="en-US" smtClean="0"/>
-              <a:t>7/3/2017</a:t>
+              <a:t>7/9/2017</a:t>
             </a:fld>
             <a:endParaRPr lang="en-US"/>
           </a:p>
@@ -505,13 +457,7 @@
       </p:sp>
       <p:sp>
         <p:nvSpPr>
-          <p:cNvPr id="5" name="フッター プレースホルダー 4">
-            <a:extLst>
-              <a:ext uri="{FF2B5EF4-FFF2-40B4-BE49-F238E27FC236}">
-                <a16:creationId xmlns:a16="http://schemas.microsoft.com/office/drawing/2014/main" id="{0A401203-E91D-4F74-919E-4B34942E93CA}"/>
-              </a:ext>
-            </a:extLst>
-          </p:cNvPr>
+          <p:cNvPr id="5" name="Footer Placeholder 4"/>
           <p:cNvSpPr>
             <a:spLocks noGrp="1"/>
           </p:cNvSpPr>
@@ -530,13 +476,7 @@
       </p:sp>
       <p:sp>
         <p:nvSpPr>
-          <p:cNvPr id="6" name="スライド番号プレースホルダー 5">
-            <a:extLst>
-              <a:ext uri="{FF2B5EF4-FFF2-40B4-BE49-F238E27FC236}">
-                <a16:creationId xmlns:a16="http://schemas.microsoft.com/office/drawing/2014/main" id="{DE1AFA82-2632-4F60-910B-7EED84F63C58}"/>
-              </a:ext>
-            </a:extLst>
-          </p:cNvPr>
+          <p:cNvPr id="6" name="Slide Number Placeholder 5"/>
           <p:cNvSpPr>
             <a:spLocks noGrp="1"/>
           </p:cNvSpPr>
@@ -560,7 +500,7 @@
     </p:spTree>
     <p:extLst>
       <p:ext uri="{BB962C8B-B14F-4D97-AF65-F5344CB8AC3E}">
-        <p14:creationId xmlns:p14="http://schemas.microsoft.com/office/powerpoint/2010/main" val="1444078921"/>
+        <p14:creationId xmlns:p14="http://schemas.microsoft.com/office/powerpoint/2010/main" val="2453714760"/>
       </p:ext>
     </p:extLst>
   </p:cSld>
@@ -572,7 +512,7 @@
 
 <file path=ppt/slideLayouts/slideLayout11.xml><?xml version="1.0" encoding="utf-8"?>
 <p:sldLayout xmlns:a="http://schemas.openxmlformats.org/drawingml/2006/main" xmlns:r="http://schemas.openxmlformats.org/officeDocument/2006/relationships" xmlns:p="http://schemas.openxmlformats.org/presentationml/2006/main" type="vertTitleAndTx" preserve="1">
-  <p:cSld name="縦書きタイトルと縦書きテキスト">
+  <p:cSld name="縦書きタイトルと&#10;縦書きテキスト">
     <p:spTree>
       <p:nvGrpSpPr>
         <p:cNvPr id="1" name=""/>
@@ -589,13 +529,7 @@
       </p:grpSpPr>
       <p:sp>
         <p:nvSpPr>
-          <p:cNvPr id="2" name="縦書きタイトル 1">
-            <a:extLst>
-              <a:ext uri="{FF2B5EF4-FFF2-40B4-BE49-F238E27FC236}">
-                <a16:creationId xmlns:a16="http://schemas.microsoft.com/office/drawing/2014/main" id="{7A655BDE-E109-4BDA-9E65-3A0455E47A82}"/>
-              </a:ext>
-            </a:extLst>
-          </p:cNvPr>
+          <p:cNvPr id="2" name="Vertical Title 1"/>
           <p:cNvSpPr>
             <a:spLocks noGrp="1"/>
           </p:cNvSpPr>
@@ -605,8 +539,8 @@
         </p:nvSpPr>
         <p:spPr>
           <a:xfrm>
-            <a:off x="8724900" y="365125"/>
-            <a:ext cx="2628900" cy="5811838"/>
+            <a:off x="6543675" y="365125"/>
+            <a:ext cx="1971675" cy="5811838"/>
           </a:xfrm>
         </p:spPr>
         <p:txBody>
@@ -617,19 +551,13 @@
               <a:rPr lang="ja-JP" altLang="en-US"/>
               <a:t>マスター タイトルの書式設定</a:t>
             </a:r>
-            <a:endParaRPr lang="en-US"/>
-          </a:p>
-        </p:txBody>
-      </p:sp>
-      <p:sp>
-        <p:nvSpPr>
-          <p:cNvPr id="3" name="縦書きテキスト プレースホルダー 2">
-            <a:extLst>
-              <a:ext uri="{FF2B5EF4-FFF2-40B4-BE49-F238E27FC236}">
-                <a16:creationId xmlns:a16="http://schemas.microsoft.com/office/drawing/2014/main" id="{B1C41C15-D96A-47EA-9725-662496E2B92B}"/>
-              </a:ext>
-            </a:extLst>
-          </p:cNvPr>
+            <a:endParaRPr lang="en-US" dirty="0"/>
+          </a:p>
+        </p:txBody>
+      </p:sp>
+      <p:sp>
+        <p:nvSpPr>
+          <p:cNvPr id="3" name="Vertical Text Placeholder 2"/>
           <p:cNvSpPr>
             <a:spLocks noGrp="1"/>
           </p:cNvSpPr>
@@ -639,8 +567,8 @@
         </p:nvSpPr>
         <p:spPr>
           <a:xfrm>
-            <a:off x="838200" y="365125"/>
-            <a:ext cx="7734300" cy="5811838"/>
+            <a:off x="628650" y="365125"/>
+            <a:ext cx="5800725" cy="5811838"/>
           </a:xfrm>
         </p:spPr>
         <p:txBody>
@@ -712,19 +640,13 @@
               <a:rPr lang="ja-JP" altLang="en-US"/>
               <a:t>レベル</a:t>
             </a:r>
-            <a:endParaRPr lang="en-US"/>
-          </a:p>
-        </p:txBody>
-      </p:sp>
-      <p:sp>
-        <p:nvSpPr>
-          <p:cNvPr id="4" name="日付プレースホルダー 3">
-            <a:extLst>
-              <a:ext uri="{FF2B5EF4-FFF2-40B4-BE49-F238E27FC236}">
-                <a16:creationId xmlns:a16="http://schemas.microsoft.com/office/drawing/2014/main" id="{BEAC9FDE-B7B7-437E-85D4-D0374D0C27BC}"/>
-              </a:ext>
-            </a:extLst>
-          </p:cNvPr>
+            <a:endParaRPr lang="en-US" dirty="0"/>
+          </a:p>
+        </p:txBody>
+      </p:sp>
+      <p:sp>
+        <p:nvSpPr>
+          <p:cNvPr id="4" name="Date Placeholder 3"/>
           <p:cNvSpPr>
             <a:spLocks noGrp="1"/>
           </p:cNvSpPr>
@@ -739,7 +661,7 @@
           <a:p>
             <a:fld id="{0588DB89-F6CE-4EE7-AE23-362350B0A563}" type="datetimeFigureOut">
               <a:rPr lang="en-US" smtClean="0"/>
-              <a:t>7/3/2017</a:t>
+              <a:t>7/9/2017</a:t>
             </a:fld>
             <a:endParaRPr lang="en-US"/>
           </a:p>
@@ -747,13 +669,7 @@
       </p:sp>
       <p:sp>
         <p:nvSpPr>
-          <p:cNvPr id="5" name="フッター プレースホルダー 4">
-            <a:extLst>
-              <a:ext uri="{FF2B5EF4-FFF2-40B4-BE49-F238E27FC236}">
-                <a16:creationId xmlns:a16="http://schemas.microsoft.com/office/drawing/2014/main" id="{67D08BDA-D414-4519-A4C9-7D781AEEFAAD}"/>
-              </a:ext>
-            </a:extLst>
-          </p:cNvPr>
+          <p:cNvPr id="5" name="Footer Placeholder 4"/>
           <p:cNvSpPr>
             <a:spLocks noGrp="1"/>
           </p:cNvSpPr>
@@ -772,13 +688,7 @@
       </p:sp>
       <p:sp>
         <p:nvSpPr>
-          <p:cNvPr id="6" name="スライド番号プレースホルダー 5">
-            <a:extLst>
-              <a:ext uri="{FF2B5EF4-FFF2-40B4-BE49-F238E27FC236}">
-                <a16:creationId xmlns:a16="http://schemas.microsoft.com/office/drawing/2014/main" id="{9BC9A4F1-31BF-4C43-9A54-6A44FCEE0217}"/>
-              </a:ext>
-            </a:extLst>
-          </p:cNvPr>
+          <p:cNvPr id="6" name="Slide Number Placeholder 5"/>
           <p:cNvSpPr>
             <a:spLocks noGrp="1"/>
           </p:cNvSpPr>
@@ -802,7 +712,7 @@
     </p:spTree>
     <p:extLst>
       <p:ext uri="{BB962C8B-B14F-4D97-AF65-F5344CB8AC3E}">
-        <p14:creationId xmlns:p14="http://schemas.microsoft.com/office/powerpoint/2010/main" val="481250044"/>
+        <p14:creationId xmlns:p14="http://schemas.microsoft.com/office/powerpoint/2010/main" val="651707107"/>
       </p:ext>
     </p:extLst>
   </p:cSld>
@@ -831,13 +741,7 @@
       </p:grpSpPr>
       <p:sp>
         <p:nvSpPr>
-          <p:cNvPr id="2" name="タイトル 1">
-            <a:extLst>
-              <a:ext uri="{FF2B5EF4-FFF2-40B4-BE49-F238E27FC236}">
-                <a16:creationId xmlns:a16="http://schemas.microsoft.com/office/drawing/2014/main" id="{A5493AC2-F818-4B8D-B259-809BAF444806}"/>
-              </a:ext>
-            </a:extLst>
-          </p:cNvPr>
+          <p:cNvPr id="2" name="Title 1"/>
           <p:cNvSpPr>
             <a:spLocks noGrp="1"/>
           </p:cNvSpPr>
@@ -854,19 +758,13 @@
               <a:rPr lang="ja-JP" altLang="en-US"/>
               <a:t>マスター タイトルの書式設定</a:t>
             </a:r>
-            <a:endParaRPr lang="en-US"/>
-          </a:p>
-        </p:txBody>
-      </p:sp>
-      <p:sp>
-        <p:nvSpPr>
-          <p:cNvPr id="3" name="コンテンツ プレースホルダー 2">
-            <a:extLst>
-              <a:ext uri="{FF2B5EF4-FFF2-40B4-BE49-F238E27FC236}">
-                <a16:creationId xmlns:a16="http://schemas.microsoft.com/office/drawing/2014/main" id="{9868F604-4137-4A31-ADA9-51054E446F92}"/>
-              </a:ext>
-            </a:extLst>
-          </p:cNvPr>
+            <a:endParaRPr lang="en-US" dirty="0"/>
+          </a:p>
+        </p:txBody>
+      </p:sp>
+      <p:sp>
+        <p:nvSpPr>
+          <p:cNvPr id="3" name="Content Placeholder 2"/>
           <p:cNvSpPr>
             <a:spLocks noGrp="1"/>
           </p:cNvSpPr>
@@ -944,19 +842,13 @@
               <a:rPr lang="ja-JP" altLang="en-US"/>
               <a:t>レベル</a:t>
             </a:r>
-            <a:endParaRPr lang="en-US"/>
-          </a:p>
-        </p:txBody>
-      </p:sp>
-      <p:sp>
-        <p:nvSpPr>
-          <p:cNvPr id="4" name="日付プレースホルダー 3">
-            <a:extLst>
-              <a:ext uri="{FF2B5EF4-FFF2-40B4-BE49-F238E27FC236}">
-                <a16:creationId xmlns:a16="http://schemas.microsoft.com/office/drawing/2014/main" id="{7710D531-EB53-4A5B-9279-685ED83558C8}"/>
-              </a:ext>
-            </a:extLst>
-          </p:cNvPr>
+            <a:endParaRPr lang="en-US" dirty="0"/>
+          </a:p>
+        </p:txBody>
+      </p:sp>
+      <p:sp>
+        <p:nvSpPr>
+          <p:cNvPr id="4" name="Date Placeholder 3"/>
           <p:cNvSpPr>
             <a:spLocks noGrp="1"/>
           </p:cNvSpPr>
@@ -971,7 +863,7 @@
           <a:p>
             <a:fld id="{0588DB89-F6CE-4EE7-AE23-362350B0A563}" type="datetimeFigureOut">
               <a:rPr lang="en-US" smtClean="0"/>
-              <a:t>7/3/2017</a:t>
+              <a:t>7/9/2017</a:t>
             </a:fld>
             <a:endParaRPr lang="en-US"/>
           </a:p>
@@ -979,13 +871,7 @@
       </p:sp>
       <p:sp>
         <p:nvSpPr>
-          <p:cNvPr id="5" name="フッター プレースホルダー 4">
-            <a:extLst>
-              <a:ext uri="{FF2B5EF4-FFF2-40B4-BE49-F238E27FC236}">
-                <a16:creationId xmlns:a16="http://schemas.microsoft.com/office/drawing/2014/main" id="{E2B366FA-C239-4A2A-901D-774889F892E9}"/>
-              </a:ext>
-            </a:extLst>
-          </p:cNvPr>
+          <p:cNvPr id="5" name="Footer Placeholder 4"/>
           <p:cNvSpPr>
             <a:spLocks noGrp="1"/>
           </p:cNvSpPr>
@@ -1004,13 +890,7 @@
       </p:sp>
       <p:sp>
         <p:nvSpPr>
-          <p:cNvPr id="6" name="スライド番号プレースホルダー 5">
-            <a:extLst>
-              <a:ext uri="{FF2B5EF4-FFF2-40B4-BE49-F238E27FC236}">
-                <a16:creationId xmlns:a16="http://schemas.microsoft.com/office/drawing/2014/main" id="{9E829D57-AA12-49EC-BADF-91F94CBB5FE1}"/>
-              </a:ext>
-            </a:extLst>
-          </p:cNvPr>
+          <p:cNvPr id="6" name="Slide Number Placeholder 5"/>
           <p:cNvSpPr>
             <a:spLocks noGrp="1"/>
           </p:cNvSpPr>
@@ -1034,7 +914,7 @@
     </p:spTree>
     <p:extLst>
       <p:ext uri="{BB962C8B-B14F-4D97-AF65-F5344CB8AC3E}">
-        <p14:creationId xmlns:p14="http://schemas.microsoft.com/office/powerpoint/2010/main" val="2114351039"/>
+        <p14:creationId xmlns:p14="http://schemas.microsoft.com/office/powerpoint/2010/main" val="3399531363"/>
       </p:ext>
     </p:extLst>
   </p:cSld>
@@ -1063,13 +943,7 @@
       </p:grpSpPr>
       <p:sp>
         <p:nvSpPr>
-          <p:cNvPr id="2" name="タイトル 1">
-            <a:extLst>
-              <a:ext uri="{FF2B5EF4-FFF2-40B4-BE49-F238E27FC236}">
-                <a16:creationId xmlns:a16="http://schemas.microsoft.com/office/drawing/2014/main" id="{866D938E-FE39-4D3C-88D0-B520ED7E4E3E}"/>
-              </a:ext>
-            </a:extLst>
-          </p:cNvPr>
+          <p:cNvPr id="2" name="Title 1"/>
           <p:cNvSpPr>
             <a:spLocks noGrp="1"/>
           </p:cNvSpPr>
@@ -1079,8 +953,8 @@
         </p:nvSpPr>
         <p:spPr>
           <a:xfrm>
-            <a:off x="831850" y="1709738"/>
-            <a:ext cx="10515600" cy="2852737"/>
+            <a:off x="623888" y="1709739"/>
+            <a:ext cx="7886700" cy="2852737"/>
           </a:xfrm>
         </p:spPr>
         <p:txBody>
@@ -1095,19 +969,13 @@
               <a:rPr lang="ja-JP" altLang="en-US"/>
               <a:t>マスター タイトルの書式設定</a:t>
             </a:r>
-            <a:endParaRPr lang="en-US"/>
-          </a:p>
-        </p:txBody>
-      </p:sp>
-      <p:sp>
-        <p:nvSpPr>
-          <p:cNvPr id="3" name="テキスト プレースホルダー 2">
-            <a:extLst>
-              <a:ext uri="{FF2B5EF4-FFF2-40B4-BE49-F238E27FC236}">
-                <a16:creationId xmlns:a16="http://schemas.microsoft.com/office/drawing/2014/main" id="{7663A2B9-792C-47F9-AE09-09B22E2000A2}"/>
-              </a:ext>
-            </a:extLst>
-          </p:cNvPr>
+            <a:endParaRPr lang="en-US" dirty="0"/>
+          </a:p>
+        </p:txBody>
+      </p:sp>
+      <p:sp>
+        <p:nvSpPr>
+          <p:cNvPr id="3" name="Text Placeholder 2"/>
           <p:cNvSpPr>
             <a:spLocks noGrp="1"/>
           </p:cNvSpPr>
@@ -1117,8 +985,8 @@
         </p:nvSpPr>
         <p:spPr>
           <a:xfrm>
-            <a:off x="831850" y="4589463"/>
-            <a:ext cx="10515600" cy="1500187"/>
+            <a:off x="623888" y="4589464"/>
+            <a:ext cx="7886700" cy="1500187"/>
           </a:xfrm>
         </p:spPr>
         <p:txBody>
@@ -1128,9 +996,7 @@
               <a:buNone/>
               <a:defRPr sz="2400">
                 <a:solidFill>
-                  <a:schemeClr val="tx1">
-                    <a:tint val="75000"/>
-                  </a:schemeClr>
+                  <a:schemeClr val="tx1"/>
                 </a:solidFill>
               </a:defRPr>
             </a:lvl1pPr>
@@ -1226,13 +1092,7 @@
       </p:sp>
       <p:sp>
         <p:nvSpPr>
-          <p:cNvPr id="4" name="日付プレースホルダー 3">
-            <a:extLst>
-              <a:ext uri="{FF2B5EF4-FFF2-40B4-BE49-F238E27FC236}">
-                <a16:creationId xmlns:a16="http://schemas.microsoft.com/office/drawing/2014/main" id="{32E4C5A7-6B47-44F9-86EF-152DE43632C3}"/>
-              </a:ext>
-            </a:extLst>
-          </p:cNvPr>
+          <p:cNvPr id="4" name="Date Placeholder 3"/>
           <p:cNvSpPr>
             <a:spLocks noGrp="1"/>
           </p:cNvSpPr>
@@ -1247,7 +1107,7 @@
           <a:p>
             <a:fld id="{0588DB89-F6CE-4EE7-AE23-362350B0A563}" type="datetimeFigureOut">
               <a:rPr lang="en-US" smtClean="0"/>
-              <a:t>7/3/2017</a:t>
+              <a:t>7/9/2017</a:t>
             </a:fld>
             <a:endParaRPr lang="en-US"/>
           </a:p>
@@ -1255,13 +1115,7 @@
       </p:sp>
       <p:sp>
         <p:nvSpPr>
-          <p:cNvPr id="5" name="フッター プレースホルダー 4">
-            <a:extLst>
-              <a:ext uri="{FF2B5EF4-FFF2-40B4-BE49-F238E27FC236}">
-                <a16:creationId xmlns:a16="http://schemas.microsoft.com/office/drawing/2014/main" id="{4DE36798-68F9-43B2-B8F5-2366AB13533F}"/>
-              </a:ext>
-            </a:extLst>
-          </p:cNvPr>
+          <p:cNvPr id="5" name="Footer Placeholder 4"/>
           <p:cNvSpPr>
             <a:spLocks noGrp="1"/>
           </p:cNvSpPr>
@@ -1280,13 +1134,7 @@
       </p:sp>
       <p:sp>
         <p:nvSpPr>
-          <p:cNvPr id="6" name="スライド番号プレースホルダー 5">
-            <a:extLst>
-              <a:ext uri="{FF2B5EF4-FFF2-40B4-BE49-F238E27FC236}">
-                <a16:creationId xmlns:a16="http://schemas.microsoft.com/office/drawing/2014/main" id="{7FDDC9DF-D732-416A-BF3F-B855672F4EDF}"/>
-              </a:ext>
-            </a:extLst>
-          </p:cNvPr>
+          <p:cNvPr id="6" name="Slide Number Placeholder 5"/>
           <p:cNvSpPr>
             <a:spLocks noGrp="1"/>
           </p:cNvSpPr>
@@ -1310,7 +1158,7 @@
     </p:spTree>
     <p:extLst>
       <p:ext uri="{BB962C8B-B14F-4D97-AF65-F5344CB8AC3E}">
-        <p14:creationId xmlns:p14="http://schemas.microsoft.com/office/powerpoint/2010/main" val="1430986219"/>
+        <p14:creationId xmlns:p14="http://schemas.microsoft.com/office/powerpoint/2010/main" val="1648218935"/>
       </p:ext>
     </p:extLst>
   </p:cSld>
@@ -1339,13 +1187,7 @@
       </p:grpSpPr>
       <p:sp>
         <p:nvSpPr>
-          <p:cNvPr id="2" name="タイトル 1">
-            <a:extLst>
-              <a:ext uri="{FF2B5EF4-FFF2-40B4-BE49-F238E27FC236}">
-                <a16:creationId xmlns:a16="http://schemas.microsoft.com/office/drawing/2014/main" id="{ED2F4A8B-5150-47F3-9F6C-3B22A7A377AF}"/>
-              </a:ext>
-            </a:extLst>
-          </p:cNvPr>
+          <p:cNvPr id="2" name="Title 1"/>
           <p:cNvSpPr>
             <a:spLocks noGrp="1"/>
           </p:cNvSpPr>
@@ -1362,19 +1204,13 @@
               <a:rPr lang="ja-JP" altLang="en-US"/>
               <a:t>マスター タイトルの書式設定</a:t>
             </a:r>
-            <a:endParaRPr lang="en-US"/>
-          </a:p>
-        </p:txBody>
-      </p:sp>
-      <p:sp>
-        <p:nvSpPr>
-          <p:cNvPr id="3" name="コンテンツ プレースホルダー 2">
-            <a:extLst>
-              <a:ext uri="{FF2B5EF4-FFF2-40B4-BE49-F238E27FC236}">
-                <a16:creationId xmlns:a16="http://schemas.microsoft.com/office/drawing/2014/main" id="{3494F4F5-E3D4-4261-877D-FAE74491EC11}"/>
-              </a:ext>
-            </a:extLst>
-          </p:cNvPr>
+            <a:endParaRPr lang="en-US" dirty="0"/>
+          </a:p>
+        </p:txBody>
+      </p:sp>
+      <p:sp>
+        <p:nvSpPr>
+          <p:cNvPr id="3" name="Content Placeholder 2"/>
           <p:cNvSpPr>
             <a:spLocks noGrp="1"/>
           </p:cNvSpPr>
@@ -1384,8 +1220,8 @@
         </p:nvSpPr>
         <p:spPr>
           <a:xfrm>
-            <a:off x="838200" y="1825625"/>
-            <a:ext cx="5181600" cy="4351338"/>
+            <a:off x="628650" y="1825625"/>
+            <a:ext cx="3886200" cy="4351338"/>
           </a:xfrm>
         </p:spPr>
         <p:txBody>
@@ -1457,19 +1293,13 @@
               <a:rPr lang="ja-JP" altLang="en-US"/>
               <a:t>レベル</a:t>
             </a:r>
-            <a:endParaRPr lang="en-US"/>
-          </a:p>
-        </p:txBody>
-      </p:sp>
-      <p:sp>
-        <p:nvSpPr>
-          <p:cNvPr id="4" name="コンテンツ プレースホルダー 3">
-            <a:extLst>
-              <a:ext uri="{FF2B5EF4-FFF2-40B4-BE49-F238E27FC236}">
-                <a16:creationId xmlns:a16="http://schemas.microsoft.com/office/drawing/2014/main" id="{D38DF229-69BE-400B-B0F2-A2330B5316AA}"/>
-              </a:ext>
-            </a:extLst>
-          </p:cNvPr>
+            <a:endParaRPr lang="en-US" dirty="0"/>
+          </a:p>
+        </p:txBody>
+      </p:sp>
+      <p:sp>
+        <p:nvSpPr>
+          <p:cNvPr id="4" name="Content Placeholder 3"/>
           <p:cNvSpPr>
             <a:spLocks noGrp="1"/>
           </p:cNvSpPr>
@@ -1479,8 +1309,8 @@
         </p:nvSpPr>
         <p:spPr>
           <a:xfrm>
-            <a:off x="6172200" y="1825625"/>
-            <a:ext cx="5181600" cy="4351338"/>
+            <a:off x="4629150" y="1825625"/>
+            <a:ext cx="3886200" cy="4351338"/>
           </a:xfrm>
         </p:spPr>
         <p:txBody>
@@ -1552,19 +1382,13 @@
               <a:rPr lang="ja-JP" altLang="en-US"/>
               <a:t>レベル</a:t>
             </a:r>
-            <a:endParaRPr lang="en-US"/>
-          </a:p>
-        </p:txBody>
-      </p:sp>
-      <p:sp>
-        <p:nvSpPr>
-          <p:cNvPr id="5" name="日付プレースホルダー 4">
-            <a:extLst>
-              <a:ext uri="{FF2B5EF4-FFF2-40B4-BE49-F238E27FC236}">
-                <a16:creationId xmlns:a16="http://schemas.microsoft.com/office/drawing/2014/main" id="{1701AD46-573F-47B9-984C-ED71E2AFD508}"/>
-              </a:ext>
-            </a:extLst>
-          </p:cNvPr>
+            <a:endParaRPr lang="en-US" dirty="0"/>
+          </a:p>
+        </p:txBody>
+      </p:sp>
+      <p:sp>
+        <p:nvSpPr>
+          <p:cNvPr id="5" name="Date Placeholder 4"/>
           <p:cNvSpPr>
             <a:spLocks noGrp="1"/>
           </p:cNvSpPr>
@@ -1579,7 +1403,7 @@
           <a:p>
             <a:fld id="{0588DB89-F6CE-4EE7-AE23-362350B0A563}" type="datetimeFigureOut">
               <a:rPr lang="en-US" smtClean="0"/>
-              <a:t>7/3/2017</a:t>
+              <a:t>7/9/2017</a:t>
             </a:fld>
             <a:endParaRPr lang="en-US"/>
           </a:p>
@@ -1587,13 +1411,7 @@
       </p:sp>
       <p:sp>
         <p:nvSpPr>
-          <p:cNvPr id="6" name="フッター プレースホルダー 5">
-            <a:extLst>
-              <a:ext uri="{FF2B5EF4-FFF2-40B4-BE49-F238E27FC236}">
-                <a16:creationId xmlns:a16="http://schemas.microsoft.com/office/drawing/2014/main" id="{A91A5BAA-3486-4489-807C-7355218B347F}"/>
-              </a:ext>
-            </a:extLst>
-          </p:cNvPr>
+          <p:cNvPr id="6" name="Footer Placeholder 5"/>
           <p:cNvSpPr>
             <a:spLocks noGrp="1"/>
           </p:cNvSpPr>
@@ -1612,13 +1430,7 @@
       </p:sp>
       <p:sp>
         <p:nvSpPr>
-          <p:cNvPr id="7" name="スライド番号プレースホルダー 6">
-            <a:extLst>
-              <a:ext uri="{FF2B5EF4-FFF2-40B4-BE49-F238E27FC236}">
-                <a16:creationId xmlns:a16="http://schemas.microsoft.com/office/drawing/2014/main" id="{D0632C4C-832B-4D5F-AC7C-16E150DB7874}"/>
-              </a:ext>
-            </a:extLst>
-          </p:cNvPr>
+          <p:cNvPr id="7" name="Slide Number Placeholder 6"/>
           <p:cNvSpPr>
             <a:spLocks noGrp="1"/>
           </p:cNvSpPr>
@@ -1642,7 +1454,7 @@
     </p:spTree>
     <p:extLst>
       <p:ext uri="{BB962C8B-B14F-4D97-AF65-F5344CB8AC3E}">
-        <p14:creationId xmlns:p14="http://schemas.microsoft.com/office/powerpoint/2010/main" val="151770233"/>
+        <p14:creationId xmlns:p14="http://schemas.microsoft.com/office/powerpoint/2010/main" val="4211015405"/>
       </p:ext>
     </p:extLst>
   </p:cSld>
@@ -1671,13 +1483,7 @@
       </p:grpSpPr>
       <p:sp>
         <p:nvSpPr>
-          <p:cNvPr id="2" name="タイトル 1">
-            <a:extLst>
-              <a:ext uri="{FF2B5EF4-FFF2-40B4-BE49-F238E27FC236}">
-                <a16:creationId xmlns:a16="http://schemas.microsoft.com/office/drawing/2014/main" id="{C42CA1E3-8923-4A5A-AC27-6CEC4CEAFAD5}"/>
-              </a:ext>
-            </a:extLst>
-          </p:cNvPr>
+          <p:cNvPr id="2" name="Title 1"/>
           <p:cNvSpPr>
             <a:spLocks noGrp="1"/>
           </p:cNvSpPr>
@@ -1687,8 +1493,8 @@
         </p:nvSpPr>
         <p:spPr>
           <a:xfrm>
-            <a:off x="839788" y="365125"/>
-            <a:ext cx="10515600" cy="1325563"/>
+            <a:off x="629841" y="365126"/>
+            <a:ext cx="7886700" cy="1325563"/>
           </a:xfrm>
         </p:spPr>
         <p:txBody>
@@ -1699,19 +1505,13 @@
               <a:rPr lang="ja-JP" altLang="en-US"/>
               <a:t>マスター タイトルの書式設定</a:t>
             </a:r>
-            <a:endParaRPr lang="en-US"/>
-          </a:p>
-        </p:txBody>
-      </p:sp>
-      <p:sp>
-        <p:nvSpPr>
-          <p:cNvPr id="3" name="テキスト プレースホルダー 2">
-            <a:extLst>
-              <a:ext uri="{FF2B5EF4-FFF2-40B4-BE49-F238E27FC236}">
-                <a16:creationId xmlns:a16="http://schemas.microsoft.com/office/drawing/2014/main" id="{10E8B80C-DCBA-44D3-8FFD-6B8DF48CAF8C}"/>
-              </a:ext>
-            </a:extLst>
-          </p:cNvPr>
+            <a:endParaRPr lang="en-US" dirty="0"/>
+          </a:p>
+        </p:txBody>
+      </p:sp>
+      <p:sp>
+        <p:nvSpPr>
+          <p:cNvPr id="3" name="Text Placeholder 2"/>
           <p:cNvSpPr>
             <a:spLocks noGrp="1"/>
           </p:cNvSpPr>
@@ -1721,8 +1521,8 @@
         </p:nvSpPr>
         <p:spPr>
           <a:xfrm>
-            <a:off x="839788" y="1681163"/>
-            <a:ext cx="5157787" cy="823912"/>
+            <a:off x="629842" y="1681163"/>
+            <a:ext cx="3868340" cy="823912"/>
           </a:xfrm>
         </p:spPr>
         <p:txBody>
@@ -1776,13 +1576,7 @@
       </p:sp>
       <p:sp>
         <p:nvSpPr>
-          <p:cNvPr id="4" name="コンテンツ プレースホルダー 3">
-            <a:extLst>
-              <a:ext uri="{FF2B5EF4-FFF2-40B4-BE49-F238E27FC236}">
-                <a16:creationId xmlns:a16="http://schemas.microsoft.com/office/drawing/2014/main" id="{FA1BB79B-A112-4069-B233-BDAC4FB03C28}"/>
-              </a:ext>
-            </a:extLst>
-          </p:cNvPr>
+          <p:cNvPr id="4" name="Content Placeholder 3"/>
           <p:cNvSpPr>
             <a:spLocks noGrp="1"/>
           </p:cNvSpPr>
@@ -1792,8 +1586,8 @@
         </p:nvSpPr>
         <p:spPr>
           <a:xfrm>
-            <a:off x="839788" y="2505075"/>
-            <a:ext cx="5157787" cy="3684588"/>
+            <a:off x="629842" y="2505075"/>
+            <a:ext cx="3868340" cy="3684588"/>
           </a:xfrm>
         </p:spPr>
         <p:txBody>
@@ -1865,19 +1659,13 @@
               <a:rPr lang="ja-JP" altLang="en-US"/>
               <a:t>レベル</a:t>
             </a:r>
-            <a:endParaRPr lang="en-US"/>
-          </a:p>
-        </p:txBody>
-      </p:sp>
-      <p:sp>
-        <p:nvSpPr>
-          <p:cNvPr id="5" name="テキスト プレースホルダー 4">
-            <a:extLst>
-              <a:ext uri="{FF2B5EF4-FFF2-40B4-BE49-F238E27FC236}">
-                <a16:creationId xmlns:a16="http://schemas.microsoft.com/office/drawing/2014/main" id="{6944D88B-59A8-4174-98C6-0F342E2EFF7F}"/>
-              </a:ext>
-            </a:extLst>
-          </p:cNvPr>
+            <a:endParaRPr lang="en-US" dirty="0"/>
+          </a:p>
+        </p:txBody>
+      </p:sp>
+      <p:sp>
+        <p:nvSpPr>
+          <p:cNvPr id="5" name="Text Placeholder 4"/>
           <p:cNvSpPr>
             <a:spLocks noGrp="1"/>
           </p:cNvSpPr>
@@ -1887,8 +1675,8 @@
         </p:nvSpPr>
         <p:spPr>
           <a:xfrm>
-            <a:off x="6172200" y="1681163"/>
-            <a:ext cx="5183188" cy="823912"/>
+            <a:off x="4629150" y="1681163"/>
+            <a:ext cx="3887391" cy="823912"/>
           </a:xfrm>
         </p:spPr>
         <p:txBody>
@@ -1942,13 +1730,7 @@
       </p:sp>
       <p:sp>
         <p:nvSpPr>
-          <p:cNvPr id="6" name="コンテンツ プレースホルダー 5">
-            <a:extLst>
-              <a:ext uri="{FF2B5EF4-FFF2-40B4-BE49-F238E27FC236}">
-                <a16:creationId xmlns:a16="http://schemas.microsoft.com/office/drawing/2014/main" id="{8DB3CA30-0567-486D-BF65-E54640F15A7E}"/>
-              </a:ext>
-            </a:extLst>
-          </p:cNvPr>
+          <p:cNvPr id="6" name="Content Placeholder 5"/>
           <p:cNvSpPr>
             <a:spLocks noGrp="1"/>
           </p:cNvSpPr>
@@ -1958,8 +1740,8 @@
         </p:nvSpPr>
         <p:spPr>
           <a:xfrm>
-            <a:off x="6172200" y="2505075"/>
-            <a:ext cx="5183188" cy="3684588"/>
+            <a:off x="4629150" y="2505075"/>
+            <a:ext cx="3887391" cy="3684588"/>
           </a:xfrm>
         </p:spPr>
         <p:txBody>
@@ -2031,19 +1813,13 @@
               <a:rPr lang="ja-JP" altLang="en-US"/>
               <a:t>レベル</a:t>
             </a:r>
-            <a:endParaRPr lang="en-US"/>
-          </a:p>
-        </p:txBody>
-      </p:sp>
-      <p:sp>
-        <p:nvSpPr>
-          <p:cNvPr id="7" name="日付プレースホルダー 6">
-            <a:extLst>
-              <a:ext uri="{FF2B5EF4-FFF2-40B4-BE49-F238E27FC236}">
-                <a16:creationId xmlns:a16="http://schemas.microsoft.com/office/drawing/2014/main" id="{54A0FD16-AE6E-4687-AB4A-EB8A2FEF29BB}"/>
-              </a:ext>
-            </a:extLst>
-          </p:cNvPr>
+            <a:endParaRPr lang="en-US" dirty="0"/>
+          </a:p>
+        </p:txBody>
+      </p:sp>
+      <p:sp>
+        <p:nvSpPr>
+          <p:cNvPr id="7" name="Date Placeholder 6"/>
           <p:cNvSpPr>
             <a:spLocks noGrp="1"/>
           </p:cNvSpPr>
@@ -2058,7 +1834,7 @@
           <a:p>
             <a:fld id="{0588DB89-F6CE-4EE7-AE23-362350B0A563}" type="datetimeFigureOut">
               <a:rPr lang="en-US" smtClean="0"/>
-              <a:t>7/3/2017</a:t>
+              <a:t>7/9/2017</a:t>
             </a:fld>
             <a:endParaRPr lang="en-US"/>
           </a:p>
@@ -2066,13 +1842,7 @@
       </p:sp>
       <p:sp>
         <p:nvSpPr>
-          <p:cNvPr id="8" name="フッター プレースホルダー 7">
-            <a:extLst>
-              <a:ext uri="{FF2B5EF4-FFF2-40B4-BE49-F238E27FC236}">
-                <a16:creationId xmlns:a16="http://schemas.microsoft.com/office/drawing/2014/main" id="{83D1EB3B-376D-4AF3-8BCC-EEA81F7A4D5F}"/>
-              </a:ext>
-            </a:extLst>
-          </p:cNvPr>
+          <p:cNvPr id="8" name="Footer Placeholder 7"/>
           <p:cNvSpPr>
             <a:spLocks noGrp="1"/>
           </p:cNvSpPr>
@@ -2091,13 +1861,7 @@
       </p:sp>
       <p:sp>
         <p:nvSpPr>
-          <p:cNvPr id="9" name="スライド番号プレースホルダー 8">
-            <a:extLst>
-              <a:ext uri="{FF2B5EF4-FFF2-40B4-BE49-F238E27FC236}">
-                <a16:creationId xmlns:a16="http://schemas.microsoft.com/office/drawing/2014/main" id="{B9951709-C0AE-4C5E-9BF9-C04236D13F05}"/>
-              </a:ext>
-            </a:extLst>
-          </p:cNvPr>
+          <p:cNvPr id="9" name="Slide Number Placeholder 8"/>
           <p:cNvSpPr>
             <a:spLocks noGrp="1"/>
           </p:cNvSpPr>
@@ -2121,7 +1885,7 @@
     </p:spTree>
     <p:extLst>
       <p:ext uri="{BB962C8B-B14F-4D97-AF65-F5344CB8AC3E}">
-        <p14:creationId xmlns:p14="http://schemas.microsoft.com/office/powerpoint/2010/main" val="2768315355"/>
+        <p14:creationId xmlns:p14="http://schemas.microsoft.com/office/powerpoint/2010/main" val="1201237959"/>
       </p:ext>
     </p:extLst>
   </p:cSld>
@@ -2150,13 +1914,7 @@
       </p:grpSpPr>
       <p:sp>
         <p:nvSpPr>
-          <p:cNvPr id="2" name="タイトル 1">
-            <a:extLst>
-              <a:ext uri="{FF2B5EF4-FFF2-40B4-BE49-F238E27FC236}">
-                <a16:creationId xmlns:a16="http://schemas.microsoft.com/office/drawing/2014/main" id="{6026D1BD-86C3-466A-9FED-459107BDD506}"/>
-              </a:ext>
-            </a:extLst>
-          </p:cNvPr>
+          <p:cNvPr id="2" name="Title 1"/>
           <p:cNvSpPr>
             <a:spLocks noGrp="1"/>
           </p:cNvSpPr>
@@ -2173,19 +1931,13 @@
               <a:rPr lang="ja-JP" altLang="en-US"/>
               <a:t>マスター タイトルの書式設定</a:t>
             </a:r>
-            <a:endParaRPr lang="en-US"/>
-          </a:p>
-        </p:txBody>
-      </p:sp>
-      <p:sp>
-        <p:nvSpPr>
-          <p:cNvPr id="3" name="日付プレースホルダー 2">
-            <a:extLst>
-              <a:ext uri="{FF2B5EF4-FFF2-40B4-BE49-F238E27FC236}">
-                <a16:creationId xmlns:a16="http://schemas.microsoft.com/office/drawing/2014/main" id="{7DBA1955-8F7A-4AD6-BE66-E51867FED8C3}"/>
-              </a:ext>
-            </a:extLst>
-          </p:cNvPr>
+            <a:endParaRPr lang="en-US" dirty="0"/>
+          </a:p>
+        </p:txBody>
+      </p:sp>
+      <p:sp>
+        <p:nvSpPr>
+          <p:cNvPr id="3" name="Date Placeholder 2"/>
           <p:cNvSpPr>
             <a:spLocks noGrp="1"/>
           </p:cNvSpPr>
@@ -2200,7 +1952,7 @@
           <a:p>
             <a:fld id="{0588DB89-F6CE-4EE7-AE23-362350B0A563}" type="datetimeFigureOut">
               <a:rPr lang="en-US" smtClean="0"/>
-              <a:t>7/3/2017</a:t>
+              <a:t>7/9/2017</a:t>
             </a:fld>
             <a:endParaRPr lang="en-US"/>
           </a:p>
@@ -2208,13 +1960,7 @@
       </p:sp>
       <p:sp>
         <p:nvSpPr>
-          <p:cNvPr id="4" name="フッター プレースホルダー 3">
-            <a:extLst>
-              <a:ext uri="{FF2B5EF4-FFF2-40B4-BE49-F238E27FC236}">
-                <a16:creationId xmlns:a16="http://schemas.microsoft.com/office/drawing/2014/main" id="{D805B2AD-71C7-4DBA-A43F-9091F7FA929D}"/>
-              </a:ext>
-            </a:extLst>
-          </p:cNvPr>
+          <p:cNvPr id="4" name="Footer Placeholder 3"/>
           <p:cNvSpPr>
             <a:spLocks noGrp="1"/>
           </p:cNvSpPr>
@@ -2233,13 +1979,7 @@
       </p:sp>
       <p:sp>
         <p:nvSpPr>
-          <p:cNvPr id="5" name="スライド番号プレースホルダー 4">
-            <a:extLst>
-              <a:ext uri="{FF2B5EF4-FFF2-40B4-BE49-F238E27FC236}">
-                <a16:creationId xmlns:a16="http://schemas.microsoft.com/office/drawing/2014/main" id="{68BFF37A-A4EC-4E10-AA71-A9169C15E87C}"/>
-              </a:ext>
-            </a:extLst>
-          </p:cNvPr>
+          <p:cNvPr id="5" name="Slide Number Placeholder 4"/>
           <p:cNvSpPr>
             <a:spLocks noGrp="1"/>
           </p:cNvSpPr>
@@ -2263,7 +2003,7 @@
     </p:spTree>
     <p:extLst>
       <p:ext uri="{BB962C8B-B14F-4D97-AF65-F5344CB8AC3E}">
-        <p14:creationId xmlns:p14="http://schemas.microsoft.com/office/powerpoint/2010/main" val="1841805917"/>
+        <p14:creationId xmlns:p14="http://schemas.microsoft.com/office/powerpoint/2010/main" val="1940657442"/>
       </p:ext>
     </p:extLst>
   </p:cSld>
@@ -2292,13 +2032,7 @@
       </p:grpSpPr>
       <p:sp>
         <p:nvSpPr>
-          <p:cNvPr id="2" name="日付プレースホルダー 1">
-            <a:extLst>
-              <a:ext uri="{FF2B5EF4-FFF2-40B4-BE49-F238E27FC236}">
-                <a16:creationId xmlns:a16="http://schemas.microsoft.com/office/drawing/2014/main" id="{AF0B7281-CD6C-4B7F-9560-0A4BB9351B20}"/>
-              </a:ext>
-            </a:extLst>
-          </p:cNvPr>
+          <p:cNvPr id="2" name="Date Placeholder 1"/>
           <p:cNvSpPr>
             <a:spLocks noGrp="1"/>
           </p:cNvSpPr>
@@ -2313,7 +2047,7 @@
           <a:p>
             <a:fld id="{0588DB89-F6CE-4EE7-AE23-362350B0A563}" type="datetimeFigureOut">
               <a:rPr lang="en-US" smtClean="0"/>
-              <a:t>7/3/2017</a:t>
+              <a:t>7/9/2017</a:t>
             </a:fld>
             <a:endParaRPr lang="en-US"/>
           </a:p>
@@ -2321,13 +2055,7 @@
       </p:sp>
       <p:sp>
         <p:nvSpPr>
-          <p:cNvPr id="3" name="フッター プレースホルダー 2">
-            <a:extLst>
-              <a:ext uri="{FF2B5EF4-FFF2-40B4-BE49-F238E27FC236}">
-                <a16:creationId xmlns:a16="http://schemas.microsoft.com/office/drawing/2014/main" id="{AC38E37B-4636-4C55-B9C6-3009FCD0273C}"/>
-              </a:ext>
-            </a:extLst>
-          </p:cNvPr>
+          <p:cNvPr id="3" name="Footer Placeholder 2"/>
           <p:cNvSpPr>
             <a:spLocks noGrp="1"/>
           </p:cNvSpPr>
@@ -2346,13 +2074,7 @@
       </p:sp>
       <p:sp>
         <p:nvSpPr>
-          <p:cNvPr id="4" name="スライド番号プレースホルダー 3">
-            <a:extLst>
-              <a:ext uri="{FF2B5EF4-FFF2-40B4-BE49-F238E27FC236}">
-                <a16:creationId xmlns:a16="http://schemas.microsoft.com/office/drawing/2014/main" id="{7472A4D9-3C8C-46B5-87A2-124EA1AC0378}"/>
-              </a:ext>
-            </a:extLst>
-          </p:cNvPr>
+          <p:cNvPr id="4" name="Slide Number Placeholder 3"/>
           <p:cNvSpPr>
             <a:spLocks noGrp="1"/>
           </p:cNvSpPr>
@@ -2376,7 +2098,7 @@
     </p:spTree>
     <p:extLst>
       <p:ext uri="{BB962C8B-B14F-4D97-AF65-F5344CB8AC3E}">
-        <p14:creationId xmlns:p14="http://schemas.microsoft.com/office/powerpoint/2010/main" val="860503719"/>
+        <p14:creationId xmlns:p14="http://schemas.microsoft.com/office/powerpoint/2010/main" val="1226373526"/>
       </p:ext>
     </p:extLst>
   </p:cSld>
@@ -2405,13 +2127,7 @@
       </p:grpSpPr>
       <p:sp>
         <p:nvSpPr>
-          <p:cNvPr id="2" name="タイトル 1">
-            <a:extLst>
-              <a:ext uri="{FF2B5EF4-FFF2-40B4-BE49-F238E27FC236}">
-                <a16:creationId xmlns:a16="http://schemas.microsoft.com/office/drawing/2014/main" id="{80D4BE06-5DD5-4F15-8467-A0C767A2257F}"/>
-              </a:ext>
-            </a:extLst>
-          </p:cNvPr>
+          <p:cNvPr id="2" name="Title 1"/>
           <p:cNvSpPr>
             <a:spLocks noGrp="1"/>
           </p:cNvSpPr>
@@ -2421,8 +2137,8 @@
         </p:nvSpPr>
         <p:spPr>
           <a:xfrm>
-            <a:off x="839788" y="457200"/>
-            <a:ext cx="3932237" cy="1600200"/>
+            <a:off x="629841" y="457200"/>
+            <a:ext cx="2949178" cy="1600200"/>
           </a:xfrm>
         </p:spPr>
         <p:txBody>
@@ -2437,19 +2153,13 @@
               <a:rPr lang="ja-JP" altLang="en-US"/>
               <a:t>マスター タイトルの書式設定</a:t>
             </a:r>
-            <a:endParaRPr lang="en-US"/>
-          </a:p>
-        </p:txBody>
-      </p:sp>
-      <p:sp>
-        <p:nvSpPr>
-          <p:cNvPr id="3" name="コンテンツ プレースホルダー 2">
-            <a:extLst>
-              <a:ext uri="{FF2B5EF4-FFF2-40B4-BE49-F238E27FC236}">
-                <a16:creationId xmlns:a16="http://schemas.microsoft.com/office/drawing/2014/main" id="{879AF44F-5562-4303-B97D-133AAF31E04C}"/>
-              </a:ext>
-            </a:extLst>
-          </p:cNvPr>
+            <a:endParaRPr lang="en-US" dirty="0"/>
+          </a:p>
+        </p:txBody>
+      </p:sp>
+      <p:sp>
+        <p:nvSpPr>
+          <p:cNvPr id="3" name="Content Placeholder 2"/>
           <p:cNvSpPr>
             <a:spLocks noGrp="1"/>
           </p:cNvSpPr>
@@ -2459,8 +2169,8 @@
         </p:nvSpPr>
         <p:spPr>
           <a:xfrm>
-            <a:off x="5183188" y="987425"/>
-            <a:ext cx="6172200" cy="4873625"/>
+            <a:off x="3887391" y="987426"/>
+            <a:ext cx="4629150" cy="4873625"/>
           </a:xfrm>
         </p:spPr>
         <p:txBody>
@@ -2560,19 +2270,13 @@
               <a:rPr lang="ja-JP" altLang="en-US"/>
               <a:t>レベル</a:t>
             </a:r>
-            <a:endParaRPr lang="en-US"/>
-          </a:p>
-        </p:txBody>
-      </p:sp>
-      <p:sp>
-        <p:nvSpPr>
-          <p:cNvPr id="4" name="テキスト プレースホルダー 3">
-            <a:extLst>
-              <a:ext uri="{FF2B5EF4-FFF2-40B4-BE49-F238E27FC236}">
-                <a16:creationId xmlns:a16="http://schemas.microsoft.com/office/drawing/2014/main" id="{DA1860E6-7D2F-4208-82C1-8E6CE04B1863}"/>
-              </a:ext>
-            </a:extLst>
-          </p:cNvPr>
+            <a:endParaRPr lang="en-US" dirty="0"/>
+          </a:p>
+        </p:txBody>
+      </p:sp>
+      <p:sp>
+        <p:nvSpPr>
+          <p:cNvPr id="4" name="Text Placeholder 3"/>
           <p:cNvSpPr>
             <a:spLocks noGrp="1"/>
           </p:cNvSpPr>
@@ -2582,8 +2286,8 @@
         </p:nvSpPr>
         <p:spPr>
           <a:xfrm>
-            <a:off x="839788" y="2057400"/>
-            <a:ext cx="3932237" cy="3811588"/>
+            <a:off x="629841" y="2057400"/>
+            <a:ext cx="2949178" cy="3811588"/>
           </a:xfrm>
         </p:spPr>
         <p:txBody>
@@ -2637,13 +2341,7 @@
       </p:sp>
       <p:sp>
         <p:nvSpPr>
-          <p:cNvPr id="5" name="日付プレースホルダー 4">
-            <a:extLst>
-              <a:ext uri="{FF2B5EF4-FFF2-40B4-BE49-F238E27FC236}">
-                <a16:creationId xmlns:a16="http://schemas.microsoft.com/office/drawing/2014/main" id="{CA34EA6E-1163-4FF5-B6A8-41C80F4EC794}"/>
-              </a:ext>
-            </a:extLst>
-          </p:cNvPr>
+          <p:cNvPr id="5" name="Date Placeholder 4"/>
           <p:cNvSpPr>
             <a:spLocks noGrp="1"/>
           </p:cNvSpPr>
@@ -2658,7 +2356,7 @@
           <a:p>
             <a:fld id="{0588DB89-F6CE-4EE7-AE23-362350B0A563}" type="datetimeFigureOut">
               <a:rPr lang="en-US" smtClean="0"/>
-              <a:t>7/3/2017</a:t>
+              <a:t>7/9/2017</a:t>
             </a:fld>
             <a:endParaRPr lang="en-US"/>
           </a:p>
@@ -2666,13 +2364,7 @@
       </p:sp>
       <p:sp>
         <p:nvSpPr>
-          <p:cNvPr id="6" name="フッター プレースホルダー 5">
-            <a:extLst>
-              <a:ext uri="{FF2B5EF4-FFF2-40B4-BE49-F238E27FC236}">
-                <a16:creationId xmlns:a16="http://schemas.microsoft.com/office/drawing/2014/main" id="{18823CDE-2960-4A48-A291-8B2232E5135E}"/>
-              </a:ext>
-            </a:extLst>
-          </p:cNvPr>
+          <p:cNvPr id="6" name="Footer Placeholder 5"/>
           <p:cNvSpPr>
             <a:spLocks noGrp="1"/>
           </p:cNvSpPr>
@@ -2691,13 +2383,7 @@
       </p:sp>
       <p:sp>
         <p:nvSpPr>
-          <p:cNvPr id="7" name="スライド番号プレースホルダー 6">
-            <a:extLst>
-              <a:ext uri="{FF2B5EF4-FFF2-40B4-BE49-F238E27FC236}">
-                <a16:creationId xmlns:a16="http://schemas.microsoft.com/office/drawing/2014/main" id="{969015A5-843A-46F3-B289-35D5A0826637}"/>
-              </a:ext>
-            </a:extLst>
-          </p:cNvPr>
+          <p:cNvPr id="7" name="Slide Number Placeholder 6"/>
           <p:cNvSpPr>
             <a:spLocks noGrp="1"/>
           </p:cNvSpPr>
@@ -2721,7 +2407,7 @@
     </p:spTree>
     <p:extLst>
       <p:ext uri="{BB962C8B-B14F-4D97-AF65-F5344CB8AC3E}">
-        <p14:creationId xmlns:p14="http://schemas.microsoft.com/office/powerpoint/2010/main" val="4196493965"/>
+        <p14:creationId xmlns:p14="http://schemas.microsoft.com/office/powerpoint/2010/main" val="2351862041"/>
       </p:ext>
     </p:extLst>
   </p:cSld>
@@ -2750,13 +2436,7 @@
       </p:grpSpPr>
       <p:sp>
         <p:nvSpPr>
-          <p:cNvPr id="2" name="タイトル 1">
-            <a:extLst>
-              <a:ext uri="{FF2B5EF4-FFF2-40B4-BE49-F238E27FC236}">
-                <a16:creationId xmlns:a16="http://schemas.microsoft.com/office/drawing/2014/main" id="{2B1BF9F5-4FCA-4930-A9EC-FA84EAA10B83}"/>
-              </a:ext>
-            </a:extLst>
-          </p:cNvPr>
+          <p:cNvPr id="2" name="Title 1"/>
           <p:cNvSpPr>
             <a:spLocks noGrp="1"/>
           </p:cNvSpPr>
@@ -2766,8 +2446,8 @@
         </p:nvSpPr>
         <p:spPr>
           <a:xfrm>
-            <a:off x="839788" y="457200"/>
-            <a:ext cx="3932237" cy="1600200"/>
+            <a:off x="629841" y="457200"/>
+            <a:ext cx="2949178" cy="1600200"/>
           </a:xfrm>
         </p:spPr>
         <p:txBody>
@@ -2782,21 +2462,15 @@
               <a:rPr lang="ja-JP" altLang="en-US"/>
               <a:t>マスター タイトルの書式設定</a:t>
             </a:r>
-            <a:endParaRPr lang="en-US"/>
-          </a:p>
-        </p:txBody>
-      </p:sp>
-      <p:sp>
-        <p:nvSpPr>
-          <p:cNvPr id="3" name="図プレースホルダー 2">
-            <a:extLst>
-              <a:ext uri="{FF2B5EF4-FFF2-40B4-BE49-F238E27FC236}">
-                <a16:creationId xmlns:a16="http://schemas.microsoft.com/office/drawing/2014/main" id="{227BA3EA-4980-4990-9D34-4E4284183AD7}"/>
-              </a:ext>
-            </a:extLst>
-          </p:cNvPr>
-          <p:cNvSpPr>
-            <a:spLocks noGrp="1"/>
+            <a:endParaRPr lang="en-US" dirty="0"/>
+          </a:p>
+        </p:txBody>
+      </p:sp>
+      <p:sp>
+        <p:nvSpPr>
+          <p:cNvPr id="3" name="Picture Placeholder 2"/>
+          <p:cNvSpPr>
+            <a:spLocks noGrp="1" noChangeAspect="1"/>
           </p:cNvSpPr>
           <p:nvPr>
             <p:ph type="pic" idx="1"/>
@@ -2804,8 +2478,73 @@
         </p:nvSpPr>
         <p:spPr>
           <a:xfrm>
-            <a:off x="5183188" y="987425"/>
-            <a:ext cx="6172200" cy="4873625"/>
+            <a:off x="3887391" y="987426"/>
+            <a:ext cx="4629150" cy="4873625"/>
+          </a:xfrm>
+        </p:spPr>
+        <p:txBody>
+          <a:bodyPr anchor="t"/>
+          <a:lstStyle>
+            <a:lvl1pPr marL="0" indent="0">
+              <a:buNone/>
+              <a:defRPr sz="3200"/>
+            </a:lvl1pPr>
+            <a:lvl2pPr marL="457200" indent="0">
+              <a:buNone/>
+              <a:defRPr sz="2800"/>
+            </a:lvl2pPr>
+            <a:lvl3pPr marL="914400" indent="0">
+              <a:buNone/>
+              <a:defRPr sz="2400"/>
+            </a:lvl3pPr>
+            <a:lvl4pPr marL="1371600" indent="0">
+              <a:buNone/>
+              <a:defRPr sz="2000"/>
+            </a:lvl4pPr>
+            <a:lvl5pPr marL="1828800" indent="0">
+              <a:buNone/>
+              <a:defRPr sz="2000"/>
+            </a:lvl5pPr>
+            <a:lvl6pPr marL="2286000" indent="0">
+              <a:buNone/>
+              <a:defRPr sz="2000"/>
+            </a:lvl6pPr>
+            <a:lvl7pPr marL="2743200" indent="0">
+              <a:buNone/>
+              <a:defRPr sz="2000"/>
+            </a:lvl7pPr>
+            <a:lvl8pPr marL="3200400" indent="0">
+              <a:buNone/>
+              <a:defRPr sz="2000"/>
+            </a:lvl8pPr>
+            <a:lvl9pPr marL="3657600" indent="0">
+              <a:buNone/>
+              <a:defRPr sz="2000"/>
+            </a:lvl9pPr>
+          </a:lstStyle>
+          <a:p>
+            <a:r>
+              <a:rPr lang="ja-JP" altLang="en-US"/>
+              <a:t>図を追加</a:t>
+            </a:r>
+            <a:endParaRPr lang="en-US" dirty="0"/>
+          </a:p>
+        </p:txBody>
+      </p:sp>
+      <p:sp>
+        <p:nvSpPr>
+          <p:cNvPr id="4" name="Text Placeholder 3"/>
+          <p:cNvSpPr>
+            <a:spLocks noGrp="1"/>
+          </p:cNvSpPr>
+          <p:nvPr>
+            <p:ph type="body" sz="half" idx="2"/>
+          </p:nvPr>
+        </p:nvSpPr>
+        <p:spPr>
+          <a:xfrm>
+            <a:off x="629841" y="2057400"/>
+            <a:ext cx="2949178" cy="3811588"/>
           </a:xfrm>
         </p:spPr>
         <p:txBody>
@@ -2813,73 +2552,6 @@
           <a:lstStyle>
             <a:lvl1pPr marL="0" indent="0">
               <a:buNone/>
-              <a:defRPr sz="3200"/>
-            </a:lvl1pPr>
-            <a:lvl2pPr marL="457200" indent="0">
-              <a:buNone/>
-              <a:defRPr sz="2800"/>
-            </a:lvl2pPr>
-            <a:lvl3pPr marL="914400" indent="0">
-              <a:buNone/>
-              <a:defRPr sz="2400"/>
-            </a:lvl3pPr>
-            <a:lvl4pPr marL="1371600" indent="0">
-              <a:buNone/>
-              <a:defRPr sz="2000"/>
-            </a:lvl4pPr>
-            <a:lvl5pPr marL="1828800" indent="0">
-              <a:buNone/>
-              <a:defRPr sz="2000"/>
-            </a:lvl5pPr>
-            <a:lvl6pPr marL="2286000" indent="0">
-              <a:buNone/>
-              <a:defRPr sz="2000"/>
-            </a:lvl6pPr>
-            <a:lvl7pPr marL="2743200" indent="0">
-              <a:buNone/>
-              <a:defRPr sz="2000"/>
-            </a:lvl7pPr>
-            <a:lvl8pPr marL="3200400" indent="0">
-              <a:buNone/>
-              <a:defRPr sz="2000"/>
-            </a:lvl8pPr>
-            <a:lvl9pPr marL="3657600" indent="0">
-              <a:buNone/>
-              <a:defRPr sz="2000"/>
-            </a:lvl9pPr>
-          </a:lstStyle>
-          <a:p>
-            <a:endParaRPr lang="en-US"/>
-          </a:p>
-        </p:txBody>
-      </p:sp>
-      <p:sp>
-        <p:nvSpPr>
-          <p:cNvPr id="4" name="テキスト プレースホルダー 3">
-            <a:extLst>
-              <a:ext uri="{FF2B5EF4-FFF2-40B4-BE49-F238E27FC236}">
-                <a16:creationId xmlns:a16="http://schemas.microsoft.com/office/drawing/2014/main" id="{7FB96FAE-83A3-443C-B635-4DBB2D1EE224}"/>
-              </a:ext>
-            </a:extLst>
-          </p:cNvPr>
-          <p:cNvSpPr>
-            <a:spLocks noGrp="1"/>
-          </p:cNvSpPr>
-          <p:nvPr>
-            <p:ph type="body" sz="half" idx="2"/>
-          </p:nvPr>
-        </p:nvSpPr>
-        <p:spPr>
-          <a:xfrm>
-            <a:off x="839788" y="2057400"/>
-            <a:ext cx="3932237" cy="3811588"/>
-          </a:xfrm>
-        </p:spPr>
-        <p:txBody>
-          <a:bodyPr/>
-          <a:lstStyle>
-            <a:lvl1pPr marL="0" indent="0">
-              <a:buNone/>
               <a:defRPr sz="1600"/>
             </a:lvl1pPr>
             <a:lvl2pPr marL="457200" indent="0">
@@ -2926,13 +2598,7 @@
       </p:sp>
       <p:sp>
         <p:nvSpPr>
-          <p:cNvPr id="5" name="日付プレースホルダー 4">
-            <a:extLst>
-              <a:ext uri="{FF2B5EF4-FFF2-40B4-BE49-F238E27FC236}">
-                <a16:creationId xmlns:a16="http://schemas.microsoft.com/office/drawing/2014/main" id="{D3D24B8D-56DD-47E6-A005-5144F1CBAA26}"/>
-              </a:ext>
-            </a:extLst>
-          </p:cNvPr>
+          <p:cNvPr id="5" name="Date Placeholder 4"/>
           <p:cNvSpPr>
             <a:spLocks noGrp="1"/>
           </p:cNvSpPr>
@@ -2947,7 +2613,7 @@
           <a:p>
             <a:fld id="{0588DB89-F6CE-4EE7-AE23-362350B0A563}" type="datetimeFigureOut">
               <a:rPr lang="en-US" smtClean="0"/>
-              <a:t>7/3/2017</a:t>
+              <a:t>7/9/2017</a:t>
             </a:fld>
             <a:endParaRPr lang="en-US"/>
           </a:p>
@@ -2955,13 +2621,7 @@
       </p:sp>
       <p:sp>
         <p:nvSpPr>
-          <p:cNvPr id="6" name="フッター プレースホルダー 5">
-            <a:extLst>
-              <a:ext uri="{FF2B5EF4-FFF2-40B4-BE49-F238E27FC236}">
-                <a16:creationId xmlns:a16="http://schemas.microsoft.com/office/drawing/2014/main" id="{30A31C0F-9E2E-4F43-A18E-0058B553557F}"/>
-              </a:ext>
-            </a:extLst>
-          </p:cNvPr>
+          <p:cNvPr id="6" name="Footer Placeholder 5"/>
           <p:cNvSpPr>
             <a:spLocks noGrp="1"/>
           </p:cNvSpPr>
@@ -2980,13 +2640,7 @@
       </p:sp>
       <p:sp>
         <p:nvSpPr>
-          <p:cNvPr id="7" name="スライド番号プレースホルダー 6">
-            <a:extLst>
-              <a:ext uri="{FF2B5EF4-FFF2-40B4-BE49-F238E27FC236}">
-                <a16:creationId xmlns:a16="http://schemas.microsoft.com/office/drawing/2014/main" id="{CE2FC51F-5FA1-44DD-B368-E15C407A483F}"/>
-              </a:ext>
-            </a:extLst>
-          </p:cNvPr>
+          <p:cNvPr id="7" name="Slide Number Placeholder 6"/>
           <p:cNvSpPr>
             <a:spLocks noGrp="1"/>
           </p:cNvSpPr>
@@ -3010,7 +2664,7 @@
     </p:spTree>
     <p:extLst>
       <p:ext uri="{BB962C8B-B14F-4D97-AF65-F5344CB8AC3E}">
-        <p14:creationId xmlns:p14="http://schemas.microsoft.com/office/powerpoint/2010/main" val="3503024689"/>
+        <p14:creationId xmlns:p14="http://schemas.microsoft.com/office/powerpoint/2010/main" val="646940784"/>
       </p:ext>
     </p:extLst>
   </p:cSld>
@@ -3044,13 +2698,7 @@
       </p:grpSpPr>
       <p:sp>
         <p:nvSpPr>
-          <p:cNvPr id="2" name="タイトル プレースホルダー 1">
-            <a:extLst>
-              <a:ext uri="{FF2B5EF4-FFF2-40B4-BE49-F238E27FC236}">
-                <a16:creationId xmlns:a16="http://schemas.microsoft.com/office/drawing/2014/main" id="{DD63AE93-DEC5-47AB-BAB6-F2451DD51F0D}"/>
-              </a:ext>
-            </a:extLst>
-          </p:cNvPr>
+          <p:cNvPr id="2" name="Title Placeholder 1"/>
           <p:cNvSpPr>
             <a:spLocks noGrp="1"/>
           </p:cNvSpPr>
@@ -3060,8 +2708,8 @@
         </p:nvSpPr>
         <p:spPr>
           <a:xfrm>
-            <a:off x="838200" y="365125"/>
-            <a:ext cx="10515600" cy="1325563"/>
+            <a:off x="628650" y="365126"/>
+            <a:ext cx="7886700" cy="1325563"/>
           </a:xfrm>
           <a:prstGeom prst="rect">
             <a:avLst/>
@@ -3077,19 +2725,13 @@
               <a:rPr lang="ja-JP" altLang="en-US"/>
               <a:t>マスター タイトルの書式設定</a:t>
             </a:r>
-            <a:endParaRPr lang="en-US"/>
-          </a:p>
-        </p:txBody>
-      </p:sp>
-      <p:sp>
-        <p:nvSpPr>
-          <p:cNvPr id="3" name="テキスト プレースホルダー 2">
-            <a:extLst>
-              <a:ext uri="{FF2B5EF4-FFF2-40B4-BE49-F238E27FC236}">
-                <a16:creationId xmlns:a16="http://schemas.microsoft.com/office/drawing/2014/main" id="{64ACCA05-E8D7-4D38-B9FC-0E65A80A3C23}"/>
-              </a:ext>
-            </a:extLst>
-          </p:cNvPr>
+            <a:endParaRPr lang="en-US" dirty="0"/>
+          </a:p>
+        </p:txBody>
+      </p:sp>
+      <p:sp>
+        <p:nvSpPr>
+          <p:cNvPr id="3" name="Text Placeholder 2"/>
           <p:cNvSpPr>
             <a:spLocks noGrp="1"/>
           </p:cNvSpPr>
@@ -3099,8 +2741,8 @@
         </p:nvSpPr>
         <p:spPr>
           <a:xfrm>
-            <a:off x="838200" y="1825625"/>
-            <a:ext cx="10515600" cy="4351338"/>
+            <a:off x="628650" y="1825625"/>
+            <a:ext cx="7886700" cy="4351338"/>
           </a:xfrm>
           <a:prstGeom prst="rect">
             <a:avLst/>
@@ -3177,19 +2819,13 @@
               <a:rPr lang="ja-JP" altLang="en-US"/>
               <a:t>レベル</a:t>
             </a:r>
-            <a:endParaRPr lang="en-US"/>
-          </a:p>
-        </p:txBody>
-      </p:sp>
-      <p:sp>
-        <p:nvSpPr>
-          <p:cNvPr id="4" name="日付プレースホルダー 3">
-            <a:extLst>
-              <a:ext uri="{FF2B5EF4-FFF2-40B4-BE49-F238E27FC236}">
-                <a16:creationId xmlns:a16="http://schemas.microsoft.com/office/drawing/2014/main" id="{6B0556BC-4B05-4E94-B60E-D0BDB6F039F7}"/>
-              </a:ext>
-            </a:extLst>
-          </p:cNvPr>
+            <a:endParaRPr lang="en-US" dirty="0"/>
+          </a:p>
+        </p:txBody>
+      </p:sp>
+      <p:sp>
+        <p:nvSpPr>
+          <p:cNvPr id="4" name="Date Placeholder 3"/>
           <p:cNvSpPr>
             <a:spLocks noGrp="1"/>
           </p:cNvSpPr>
@@ -3199,8 +2835,8 @@
         </p:nvSpPr>
         <p:spPr>
           <a:xfrm>
-            <a:off x="838200" y="6356350"/>
-            <a:ext cx="2743200" cy="365125"/>
+            <a:off x="628650" y="6356351"/>
+            <a:ext cx="2057400" cy="365125"/>
           </a:xfrm>
           <a:prstGeom prst="rect">
             <a:avLst/>
@@ -3222,7 +2858,7 @@
           <a:p>
             <a:fld id="{0588DB89-F6CE-4EE7-AE23-362350B0A563}" type="datetimeFigureOut">
               <a:rPr lang="en-US" smtClean="0"/>
-              <a:t>7/3/2017</a:t>
+              <a:t>7/9/2017</a:t>
             </a:fld>
             <a:endParaRPr lang="en-US"/>
           </a:p>
@@ -3230,13 +2866,7 @@
       </p:sp>
       <p:sp>
         <p:nvSpPr>
-          <p:cNvPr id="5" name="フッター プレースホルダー 4">
-            <a:extLst>
-              <a:ext uri="{FF2B5EF4-FFF2-40B4-BE49-F238E27FC236}">
-                <a16:creationId xmlns:a16="http://schemas.microsoft.com/office/drawing/2014/main" id="{44B5EABD-F176-466B-B574-5E4B02117783}"/>
-              </a:ext>
-            </a:extLst>
-          </p:cNvPr>
+          <p:cNvPr id="5" name="Footer Placeholder 4"/>
           <p:cNvSpPr>
             <a:spLocks noGrp="1"/>
           </p:cNvSpPr>
@@ -3246,8 +2876,8 @@
         </p:nvSpPr>
         <p:spPr>
           <a:xfrm>
-            <a:off x="4038600" y="6356350"/>
-            <a:ext cx="4114800" cy="365125"/>
+            <a:off x="3028950" y="6356351"/>
+            <a:ext cx="3086100" cy="365125"/>
           </a:xfrm>
           <a:prstGeom prst="rect">
             <a:avLst/>
@@ -3273,13 +2903,7 @@
       </p:sp>
       <p:sp>
         <p:nvSpPr>
-          <p:cNvPr id="6" name="スライド番号プレースホルダー 5">
-            <a:extLst>
-              <a:ext uri="{FF2B5EF4-FFF2-40B4-BE49-F238E27FC236}">
-                <a16:creationId xmlns:a16="http://schemas.microsoft.com/office/drawing/2014/main" id="{57510C1B-E773-4445-90E5-2832CDB96633}"/>
-              </a:ext>
-            </a:extLst>
-          </p:cNvPr>
+          <p:cNvPr id="6" name="Slide Number Placeholder 5"/>
           <p:cNvSpPr>
             <a:spLocks noGrp="1"/>
           </p:cNvSpPr>
@@ -3289,8 +2913,8 @@
         </p:nvSpPr>
         <p:spPr>
           <a:xfrm>
-            <a:off x="8610600" y="6356350"/>
-            <a:ext cx="2743200" cy="365125"/>
+            <a:off x="6457950" y="6356351"/>
+            <a:ext cx="2057400" cy="365125"/>
           </a:xfrm>
           <a:prstGeom prst="rect">
             <a:avLst/>
@@ -3321,23 +2945,23 @@
     </p:spTree>
     <p:extLst>
       <p:ext uri="{BB962C8B-B14F-4D97-AF65-F5344CB8AC3E}">
-        <p14:creationId xmlns:p14="http://schemas.microsoft.com/office/powerpoint/2010/main" val="1481841447"/>
+        <p14:creationId xmlns:p14="http://schemas.microsoft.com/office/powerpoint/2010/main" val="1818675323"/>
       </p:ext>
     </p:extLst>
   </p:cSld>
   <p:clrMap bg1="lt1" tx1="dk1" bg2="lt2" tx2="dk2" accent1="accent1" accent2="accent2" accent3="accent3" accent4="accent4" accent5="accent5" accent6="accent6" hlink="hlink" folHlink="folHlink"/>
   <p:sldLayoutIdLst>
-    <p:sldLayoutId id="2147483690" r:id="rId1"/>
-    <p:sldLayoutId id="2147483691" r:id="rId2"/>
-    <p:sldLayoutId id="2147483692" r:id="rId3"/>
-    <p:sldLayoutId id="2147483693" r:id="rId4"/>
-    <p:sldLayoutId id="2147483694" r:id="rId5"/>
-    <p:sldLayoutId id="2147483695" r:id="rId6"/>
-    <p:sldLayoutId id="2147483696" r:id="rId7"/>
-    <p:sldLayoutId id="2147483697" r:id="rId8"/>
-    <p:sldLayoutId id="2147483698" r:id="rId9"/>
-    <p:sldLayoutId id="2147483699" r:id="rId10"/>
-    <p:sldLayoutId id="2147483700" r:id="rId11"/>
+    <p:sldLayoutId id="2147483702" r:id="rId1"/>
+    <p:sldLayoutId id="2147483703" r:id="rId2"/>
+    <p:sldLayoutId id="2147483704" r:id="rId3"/>
+    <p:sldLayoutId id="2147483705" r:id="rId4"/>
+    <p:sldLayoutId id="2147483706" r:id="rId5"/>
+    <p:sldLayoutId id="2147483707" r:id="rId6"/>
+    <p:sldLayoutId id="2147483708" r:id="rId7"/>
+    <p:sldLayoutId id="2147483709" r:id="rId8"/>
+    <p:sldLayoutId id="2147483710" r:id="rId9"/>
+    <p:sldLayoutId id="2147483711" r:id="rId10"/>
+    <p:sldLayoutId id="2147483712" r:id="rId11"/>
   </p:sldLayoutIdLst>
   <p:txStyles>
     <p:titleStyle>
@@ -3677,82 +3301,14 @@
         </p:blipFill>
         <p:spPr>
           <a:xfrm>
-            <a:off x="1349433" y="129751"/>
-            <a:ext cx="9387840" cy="6614160"/>
+            <a:off x="91560" y="534967"/>
+            <a:ext cx="8930048" cy="6291625"/>
           </a:xfrm>
           <a:prstGeom prst="rect">
             <a:avLst/>
           </a:prstGeom>
         </p:spPr>
       </p:pic>
-      <p:sp>
-        <p:nvSpPr>
-          <p:cNvPr id="41" name="正方形/長方形 40">
-            <a:extLst>
-              <a:ext uri="{FF2B5EF4-FFF2-40B4-BE49-F238E27FC236}">
-                <a16:creationId xmlns:a16="http://schemas.microsoft.com/office/drawing/2014/main" id="{8839D560-C9BB-48D8-8617-35F83F307701}"/>
-              </a:ext>
-            </a:extLst>
-          </p:cNvPr>
-          <p:cNvSpPr/>
-          <p:nvPr/>
-        </p:nvSpPr>
-        <p:spPr>
-          <a:xfrm>
-            <a:off x="3783631" y="2216168"/>
-            <a:ext cx="663382" cy="840631"/>
-          </a:xfrm>
-          <a:prstGeom prst="rect">
-            <a:avLst/>
-          </a:prstGeom>
-          <a:solidFill>
-            <a:schemeClr val="accent5">
-              <a:lumMod val="75000"/>
-            </a:schemeClr>
-          </a:solidFill>
-          <a:scene3d>
-            <a:camera prst="orthographicFront"/>
-            <a:lightRig rig="threePt" dir="t"/>
-          </a:scene3d>
-          <a:sp3d>
-            <a:bevelT/>
-          </a:sp3d>
-        </p:spPr>
-        <p:style>
-          <a:lnRef idx="2">
-            <a:schemeClr val="accent1">
-              <a:shade val="50000"/>
-            </a:schemeClr>
-          </a:lnRef>
-          <a:fillRef idx="1">
-            <a:schemeClr val="accent1"/>
-          </a:fillRef>
-          <a:effectRef idx="0">
-            <a:schemeClr val="accent1"/>
-          </a:effectRef>
-          <a:fontRef idx="minor">
-            <a:schemeClr val="lt1"/>
-          </a:fontRef>
-        </p:style>
-        <p:txBody>
-          <a:bodyPr rtlCol="0" anchor="ctr"/>
-          <a:lstStyle/>
-          <a:p>
-            <a:pPr algn="ctr"/>
-            <a:r>
-              <a:rPr lang="en-US" sz="1100" dirty="0"/>
-              <a:t>Android</a:t>
-            </a:r>
-          </a:p>
-          <a:p>
-            <a:pPr algn="ctr"/>
-            <a:r>
-              <a:rPr lang="en-US" sz="1100" dirty="0"/>
-              <a:t>Smart phone</a:t>
-            </a:r>
-          </a:p>
-        </p:txBody>
-      </p:sp>
       <p:sp>
         <p:nvSpPr>
           <p:cNvPr id="42" name="正方形/長方形 41">
@@ -3767,7 +3323,7 @@
         </p:nvSpPr>
         <p:spPr>
           <a:xfrm>
-            <a:off x="4728522" y="2190212"/>
+            <a:off x="2724229" y="2498887"/>
             <a:ext cx="933450" cy="448723"/>
           </a:xfrm>
           <a:prstGeom prst="rect">
@@ -3821,67 +3377,6 @@
       </p:sp>
       <p:sp>
         <p:nvSpPr>
-          <p:cNvPr id="43" name="正方形/長方形 42">
-            <a:extLst>
-              <a:ext uri="{FF2B5EF4-FFF2-40B4-BE49-F238E27FC236}">
-                <a16:creationId xmlns:a16="http://schemas.microsoft.com/office/drawing/2014/main" id="{11AE1E71-1515-41FA-A101-1C33FF9EC226}"/>
-              </a:ext>
-            </a:extLst>
-          </p:cNvPr>
-          <p:cNvSpPr/>
-          <p:nvPr/>
-        </p:nvSpPr>
-        <p:spPr>
-          <a:xfrm>
-            <a:off x="2756153" y="3169664"/>
-            <a:ext cx="933450" cy="448723"/>
-          </a:xfrm>
-          <a:prstGeom prst="rect">
-            <a:avLst/>
-          </a:prstGeom>
-          <a:solidFill>
-            <a:schemeClr val="bg1"/>
-          </a:solidFill>
-          <a:ln>
-            <a:prstDash val="dash"/>
-          </a:ln>
-        </p:spPr>
-        <p:style>
-          <a:lnRef idx="2">
-            <a:schemeClr val="accent1">
-              <a:shade val="50000"/>
-            </a:schemeClr>
-          </a:lnRef>
-          <a:fillRef idx="1">
-            <a:schemeClr val="accent1"/>
-          </a:fillRef>
-          <a:effectRef idx="0">
-            <a:schemeClr val="accent1"/>
-          </a:effectRef>
-          <a:fontRef idx="minor">
-            <a:schemeClr val="lt1"/>
-          </a:fontRef>
-        </p:style>
-        <p:txBody>
-          <a:bodyPr rtlCol="0" anchor="ctr"/>
-          <a:lstStyle/>
-          <a:p>
-            <a:pPr algn="ctr"/>
-            <a:r>
-              <a:rPr lang="en-US" dirty="0">
-                <a:solidFill>
-                  <a:schemeClr val="bg1">
-                    <a:lumMod val="65000"/>
-                  </a:schemeClr>
-                </a:solidFill>
-              </a:rPr>
-              <a:t>GPS</a:t>
-            </a:r>
-          </a:p>
-        </p:txBody>
-      </p:sp>
-      <p:sp>
-        <p:nvSpPr>
           <p:cNvPr id="44" name="正方形/長方形 43">
             <a:extLst>
               <a:ext uri="{FF2B5EF4-FFF2-40B4-BE49-F238E27FC236}">
@@ -3894,7 +3389,7 @@
         </p:nvSpPr>
         <p:spPr>
           <a:xfrm>
-            <a:off x="4876470" y="2844821"/>
+            <a:off x="2726541" y="2954891"/>
             <a:ext cx="933450" cy="448723"/>
           </a:xfrm>
           <a:prstGeom prst="rect">
@@ -3960,7 +3455,7 @@
         </p:nvSpPr>
         <p:spPr>
           <a:xfrm>
-            <a:off x="5319368" y="3614053"/>
+            <a:off x="4266419" y="3457031"/>
             <a:ext cx="933450" cy="448723"/>
           </a:xfrm>
           <a:prstGeom prst="rect">
@@ -4019,7 +3514,7 @@
         </p:nvSpPr>
         <p:spPr>
           <a:xfrm>
-            <a:off x="8742357" y="4284048"/>
+            <a:off x="7218358" y="4504059"/>
             <a:ext cx="637413" cy="448723"/>
           </a:xfrm>
           <a:prstGeom prst="rect">
@@ -4087,7 +3582,7 @@
         </p:nvSpPr>
         <p:spPr>
           <a:xfrm>
-            <a:off x="7425842" y="895029"/>
+            <a:off x="6267460" y="3250047"/>
             <a:ext cx="933450" cy="448723"/>
           </a:xfrm>
           <a:prstGeom prst="rect">
@@ -4141,100 +3636,6 @@
       </p:sp>
       <p:cxnSp>
         <p:nvCxnSpPr>
-          <p:cNvPr id="48" name="コネクタ: 曲線 47">
-            <a:extLst>
-              <a:ext uri="{FF2B5EF4-FFF2-40B4-BE49-F238E27FC236}">
-                <a16:creationId xmlns:a16="http://schemas.microsoft.com/office/drawing/2014/main" id="{08A6AD83-86B9-4132-9B8E-D6DFC21DC2D8}"/>
-              </a:ext>
-            </a:extLst>
-          </p:cNvPr>
-          <p:cNvCxnSpPr>
-            <a:cxnSpLocks/>
-            <a:stCxn id="44" idx="0"/>
-            <a:endCxn id="42" idx="2"/>
-          </p:cNvCxnSpPr>
-          <p:nvPr/>
-        </p:nvCxnSpPr>
-        <p:spPr>
-          <a:xfrm rot="16200000" flipV="1">
-            <a:off x="5166278" y="2667904"/>
-            <a:ext cx="205886" cy="147948"/>
-          </a:xfrm>
-          <a:prstGeom prst="curvedConnector3">
-            <a:avLst>
-              <a:gd name="adj1" fmla="val 50000"/>
-            </a:avLst>
-          </a:prstGeom>
-          <a:ln w="28575">
-            <a:solidFill>
-              <a:srgbClr val="00B0F0"/>
-            </a:solidFill>
-          </a:ln>
-        </p:spPr>
-        <p:style>
-          <a:lnRef idx="1">
-            <a:schemeClr val="accent1"/>
-          </a:lnRef>
-          <a:fillRef idx="0">
-            <a:schemeClr val="accent1"/>
-          </a:fillRef>
-          <a:effectRef idx="0">
-            <a:schemeClr val="accent1"/>
-          </a:effectRef>
-          <a:fontRef idx="minor">
-            <a:schemeClr val="tx1"/>
-          </a:fontRef>
-        </p:style>
-      </p:cxnSp>
-      <p:cxnSp>
-        <p:nvCxnSpPr>
-          <p:cNvPr id="49" name="コネクタ: 曲線 48">
-            <a:extLst>
-              <a:ext uri="{FF2B5EF4-FFF2-40B4-BE49-F238E27FC236}">
-                <a16:creationId xmlns:a16="http://schemas.microsoft.com/office/drawing/2014/main" id="{6429369B-D806-4490-9929-911C197A2EE2}"/>
-              </a:ext>
-            </a:extLst>
-          </p:cNvPr>
-          <p:cNvCxnSpPr>
-            <a:cxnSpLocks/>
-            <a:stCxn id="45" idx="0"/>
-            <a:endCxn id="44" idx="2"/>
-          </p:cNvCxnSpPr>
-          <p:nvPr/>
-        </p:nvCxnSpPr>
-        <p:spPr>
-          <a:xfrm rot="16200000" flipV="1">
-            <a:off x="5404390" y="3232350"/>
-            <a:ext cx="320509" cy="442898"/>
-          </a:xfrm>
-          <a:prstGeom prst="curvedConnector3">
-            <a:avLst>
-              <a:gd name="adj1" fmla="val 50000"/>
-            </a:avLst>
-          </a:prstGeom>
-          <a:ln w="28575">
-            <a:solidFill>
-              <a:srgbClr val="00B0F0"/>
-            </a:solidFill>
-          </a:ln>
-        </p:spPr>
-        <p:style>
-          <a:lnRef idx="1">
-            <a:schemeClr val="accent1"/>
-          </a:lnRef>
-          <a:fillRef idx="0">
-            <a:schemeClr val="accent1"/>
-          </a:fillRef>
-          <a:effectRef idx="0">
-            <a:schemeClr val="accent1"/>
-          </a:effectRef>
-          <a:fontRef idx="minor">
-            <a:schemeClr val="tx1"/>
-          </a:fontRef>
-        </p:style>
-      </p:cxnSp>
-      <p:cxnSp>
-        <p:nvCxnSpPr>
           <p:cNvPr id="50" name="コネクタ: 曲線 49">
             <a:extLst>
               <a:ext uri="{FF2B5EF4-FFF2-40B4-BE49-F238E27FC236}">
@@ -4245,23 +3646,21 @@
           <p:cNvCxnSpPr>
             <a:cxnSpLocks/>
             <a:stCxn id="46" idx="0"/>
-            <a:endCxn id="51" idx="2"/>
+            <a:endCxn id="51" idx="3"/>
           </p:cNvCxnSpPr>
           <p:nvPr/>
         </p:nvCxnSpPr>
         <p:spPr>
           <a:xfrm rot="16200000" flipV="1">
-            <a:off x="8144076" y="3367060"/>
-            <a:ext cx="1025524" cy="808452"/>
-          </a:xfrm>
-          <a:prstGeom prst="curvedConnector3">
-            <a:avLst>
-              <a:gd name="adj1" fmla="val 50000"/>
-            </a:avLst>
+            <a:off x="7078769" y="4045762"/>
+            <a:ext cx="580446" cy="336147"/>
+          </a:xfrm>
+          <a:prstGeom prst="curvedConnector2">
+            <a:avLst/>
           </a:prstGeom>
           <a:ln w="28575">
             <a:solidFill>
-              <a:srgbClr val="00B050"/>
+              <a:srgbClr val="FFC000"/>
             </a:solidFill>
           </a:ln>
         </p:spPr>
@@ -4294,7 +3693,7 @@
         </p:nvSpPr>
         <p:spPr>
           <a:xfrm>
-            <a:off x="7785887" y="2809801"/>
+            <a:off x="6267468" y="3699251"/>
             <a:ext cx="933450" cy="448723"/>
           </a:xfrm>
           <a:prstGeom prst="rect">
@@ -4353,7 +3752,7 @@
         </p:nvSpPr>
         <p:spPr>
           <a:xfrm>
-            <a:off x="11942757" y="366892"/>
+            <a:off x="10418758" y="366893"/>
             <a:ext cx="48005" cy="48005"/>
           </a:xfrm>
           <a:prstGeom prst="arc">
@@ -4383,106 +3782,88 @@
           </a:p>
         </p:txBody>
       </p:sp>
-      <p:cxnSp>
-        <p:nvCxnSpPr>
-          <p:cNvPr id="53" name="コネクタ: 曲線 52">
+      <p:sp>
+        <p:nvSpPr>
+          <p:cNvPr id="65" name="テキスト ボックス 64">
             <a:extLst>
               <a:ext uri="{FF2B5EF4-FFF2-40B4-BE49-F238E27FC236}">
-                <a16:creationId xmlns:a16="http://schemas.microsoft.com/office/drawing/2014/main" id="{D90D08CA-5194-4BA0-BA03-6AB7F5C06C61}"/>
+                <a16:creationId xmlns:a16="http://schemas.microsoft.com/office/drawing/2014/main" id="{E433EBBC-5A5E-4AE7-A4C5-9187739A5446}"/>
               </a:ext>
             </a:extLst>
           </p:cNvPr>
-          <p:cNvCxnSpPr>
-            <a:cxnSpLocks/>
-            <a:stCxn id="51" idx="1"/>
-            <a:endCxn id="45" idx="3"/>
-          </p:cNvCxnSpPr>
+          <p:cNvSpPr txBox="1"/>
           <p:nvPr/>
-        </p:nvCxnSpPr>
-        <p:spPr>
-          <a:xfrm rot="10800000" flipV="1">
-            <a:off x="6252819" y="3034163"/>
-            <a:ext cx="1533069" cy="804252"/>
-          </a:xfrm>
-          <a:prstGeom prst="curvedConnector3">
-            <a:avLst>
-              <a:gd name="adj1" fmla="val 50000"/>
-            </a:avLst>
+        </p:nvSpPr>
+        <p:spPr>
+          <a:xfrm>
+            <a:off x="6505245" y="4144898"/>
+            <a:ext cx="1404944" cy="369332"/>
+          </a:xfrm>
+          <a:prstGeom prst="rect">
+            <a:avLst/>
           </a:prstGeom>
-          <a:ln w="28575">
-            <a:solidFill>
-              <a:srgbClr val="00B0F0"/>
-            </a:solidFill>
-          </a:ln>
-        </p:spPr>
-        <p:style>
-          <a:lnRef idx="1">
-            <a:schemeClr val="accent1"/>
-          </a:lnRef>
-          <a:fillRef idx="0">
-            <a:schemeClr val="accent1"/>
-          </a:fillRef>
-          <a:effectRef idx="0">
-            <a:schemeClr val="accent1"/>
-          </a:effectRef>
-          <a:fontRef idx="minor">
-            <a:schemeClr val="tx1"/>
-          </a:fontRef>
-        </p:style>
-      </p:cxnSp>
-      <p:cxnSp>
-        <p:nvCxnSpPr>
-          <p:cNvPr id="54" name="コネクタ: 曲線 53">
+          <a:noFill/>
+        </p:spPr>
+        <p:txBody>
+          <a:bodyPr wrap="square" rtlCol="0">
+            <a:spAutoFit/>
+          </a:bodyPr>
+          <a:lstStyle/>
+          <a:p>
+            <a:r>
+              <a:rPr lang="en-US" dirty="0"/>
+              <a:t>Analog In</a:t>
+            </a:r>
+          </a:p>
+        </p:txBody>
+      </p:sp>
+      <p:sp>
+        <p:nvSpPr>
+          <p:cNvPr id="27" name="テキスト ボックス 26">
             <a:extLst>
               <a:ext uri="{FF2B5EF4-FFF2-40B4-BE49-F238E27FC236}">
-                <a16:creationId xmlns:a16="http://schemas.microsoft.com/office/drawing/2014/main" id="{9EFE968E-81FC-4A4A-AD59-13404C68FF53}"/>
+                <a16:creationId xmlns:a16="http://schemas.microsoft.com/office/drawing/2014/main" id="{EF00561B-4BDF-43A3-9536-7B9468F82B06}"/>
               </a:ext>
             </a:extLst>
           </p:cNvPr>
-          <p:cNvCxnSpPr>
-            <a:cxnSpLocks/>
-            <a:stCxn id="47" idx="2"/>
-            <a:endCxn id="51" idx="0"/>
-          </p:cNvCxnSpPr>
+          <p:cNvSpPr txBox="1"/>
           <p:nvPr/>
-        </p:nvCxnSpPr>
-        <p:spPr>
-          <a:xfrm rot="16200000" flipH="1">
-            <a:off x="7339565" y="1896753"/>
-            <a:ext cx="1466049" cy="360045"/>
-          </a:xfrm>
-          <a:prstGeom prst="curvedConnector3">
-            <a:avLst>
-              <a:gd name="adj1" fmla="val 50000"/>
-            </a:avLst>
+        </p:nvSpPr>
+        <p:spPr>
+          <a:xfrm>
+            <a:off x="24164" y="61303"/>
+            <a:ext cx="4159988" cy="461665"/>
+          </a:xfrm>
+          <a:prstGeom prst="rect">
+            <a:avLst/>
           </a:prstGeom>
-          <a:ln w="28575">
-            <a:solidFill>
-              <a:srgbClr val="00B0F0"/>
-            </a:solidFill>
-          </a:ln>
-        </p:spPr>
-        <p:style>
-          <a:lnRef idx="1">
-            <a:schemeClr val="accent1"/>
-          </a:lnRef>
-          <a:fillRef idx="0">
-            <a:schemeClr val="accent1"/>
-          </a:fillRef>
-          <a:effectRef idx="0">
-            <a:schemeClr val="accent1"/>
-          </a:effectRef>
-          <a:fontRef idx="minor">
-            <a:schemeClr val="tx1"/>
-          </a:fontRef>
-        </p:style>
-      </p:cxnSp>
-      <p:sp>
-        <p:nvSpPr>
-          <p:cNvPr id="55" name="正方形/長方形 54">
+          <a:noFill/>
+        </p:spPr>
+        <p:txBody>
+          <a:bodyPr wrap="square" rtlCol="0">
+            <a:spAutoFit/>
+          </a:bodyPr>
+          <a:lstStyle/>
+          <a:p>
+            <a:r>
+              <a:rPr lang="en-US" sz="2400" dirty="0">
+                <a:solidFill>
+                  <a:schemeClr val="bg1">
+                    <a:lumMod val="65000"/>
+                  </a:schemeClr>
+                </a:solidFill>
+              </a:rPr>
+              <a:t>Kawasaki City, Kanagawa, Japan</a:t>
+            </a:r>
+          </a:p>
+        </p:txBody>
+      </p:sp>
+      <p:sp>
+        <p:nvSpPr>
+          <p:cNvPr id="29" name="正方形/長方形 28">
             <a:extLst>
               <a:ext uri="{FF2B5EF4-FFF2-40B4-BE49-F238E27FC236}">
-                <a16:creationId xmlns:a16="http://schemas.microsoft.com/office/drawing/2014/main" id="{902A94BE-010C-40C6-9C33-BBA107D4010E}"/>
+                <a16:creationId xmlns:a16="http://schemas.microsoft.com/office/drawing/2014/main" id="{50A542D5-5CE0-4D55-AF12-6EC96A0E22D1}"/>
               </a:ext>
             </a:extLst>
           </p:cNvPr>
@@ -4491,15 +3872,74 @@
         </p:nvSpPr>
         <p:spPr>
           <a:xfrm>
-            <a:off x="4186384" y="3465946"/>
-            <a:ext cx="637413" cy="448723"/>
+            <a:off x="6640288" y="2473332"/>
+            <a:ext cx="933450" cy="448723"/>
           </a:xfrm>
           <a:prstGeom prst="rect">
             <a:avLst/>
           </a:prstGeom>
           <a:solidFill>
-            <a:schemeClr val="bg1">
-              <a:lumMod val="50000"/>
+            <a:srgbClr val="00B050"/>
+          </a:solidFill>
+          <a:scene3d>
+            <a:camera prst="orthographicFront"/>
+            <a:lightRig rig="threePt" dir="t"/>
+          </a:scene3d>
+          <a:sp3d>
+            <a:bevelT/>
+          </a:sp3d>
+        </p:spPr>
+        <p:style>
+          <a:lnRef idx="2">
+            <a:schemeClr val="accent1">
+              <a:shade val="50000"/>
+            </a:schemeClr>
+          </a:lnRef>
+          <a:fillRef idx="1">
+            <a:schemeClr val="accent1"/>
+          </a:fillRef>
+          <a:effectRef idx="0">
+            <a:schemeClr val="accent1"/>
+          </a:effectRef>
+          <a:fontRef idx="minor">
+            <a:schemeClr val="lt1"/>
+          </a:fontRef>
+        </p:style>
+        <p:txBody>
+          <a:bodyPr rtlCol="0" anchor="ctr"/>
+          <a:lstStyle/>
+          <a:p>
+            <a:pPr algn="ctr"/>
+            <a:r>
+              <a:rPr lang="en-US" sz="1600" dirty="0"/>
+              <a:t>GPS</a:t>
+            </a:r>
+          </a:p>
+        </p:txBody>
+      </p:sp>
+      <p:sp>
+        <p:nvSpPr>
+          <p:cNvPr id="56" name="正方形/長方形 55">
+            <a:extLst>
+              <a:ext uri="{FF2B5EF4-FFF2-40B4-BE49-F238E27FC236}">
+                <a16:creationId xmlns:a16="http://schemas.microsoft.com/office/drawing/2014/main" id="{68A03222-7014-4BF5-81D1-391586E236BE}"/>
+              </a:ext>
+            </a:extLst>
+          </p:cNvPr>
+          <p:cNvSpPr/>
+          <p:nvPr/>
+        </p:nvSpPr>
+        <p:spPr>
+          <a:xfrm>
+            <a:off x="5994543" y="1369979"/>
+            <a:ext cx="637413" cy="448723"/>
+          </a:xfrm>
+          <a:prstGeom prst="rect">
+            <a:avLst/>
+          </a:prstGeom>
+          <a:solidFill>
+            <a:schemeClr val="accent1">
+              <a:lumMod val="75000"/>
             </a:schemeClr>
           </a:solidFill>
           <a:scene3d>
@@ -4532,52 +3972,280 @@
           <a:p>
             <a:pPr algn="ctr"/>
             <a:r>
-              <a:rPr lang="en-US" sz="1400" dirty="0"/>
-              <a:t>USB</a:t>
-            </a:r>
-          </a:p>
-          <a:p>
-            <a:pPr algn="ctr"/>
-            <a:r>
-              <a:rPr lang="en-US" sz="1400" dirty="0"/>
-              <a:t>hub</a:t>
-            </a:r>
-          </a:p>
-        </p:txBody>
-      </p:sp>
-      <p:cxnSp>
-        <p:nvCxnSpPr>
-          <p:cNvPr id="56" name="コネクタ: 曲線 55">
+              <a:rPr lang="en-US" sz="1200" dirty="0"/>
+              <a:t>LCD</a:t>
+            </a:r>
+          </a:p>
+        </p:txBody>
+      </p:sp>
+      <p:sp>
+        <p:nvSpPr>
+          <p:cNvPr id="58" name="正方形/長方形 57">
             <a:extLst>
               <a:ext uri="{FF2B5EF4-FFF2-40B4-BE49-F238E27FC236}">
-                <a16:creationId xmlns:a16="http://schemas.microsoft.com/office/drawing/2014/main" id="{39EFE4BC-E90C-409D-8DB9-7D4AE5029F39}"/>
+                <a16:creationId xmlns:a16="http://schemas.microsoft.com/office/drawing/2014/main" id="{D654580A-A945-468E-A65F-1DC4E25DA9FA}"/>
               </a:ext>
             </a:extLst>
           </p:cNvPr>
-          <p:cNvCxnSpPr>
-            <a:cxnSpLocks/>
-            <a:stCxn id="55" idx="3"/>
-            <a:endCxn id="45" idx="1"/>
-          </p:cNvCxnSpPr>
+          <p:cNvSpPr/>
+          <p:nvPr/>
+        </p:nvSpPr>
+        <p:spPr>
+          <a:xfrm>
+            <a:off x="3083596" y="3964341"/>
+            <a:ext cx="933450" cy="448723"/>
+          </a:xfrm>
+          <a:prstGeom prst="rect">
+            <a:avLst/>
+          </a:prstGeom>
+          <a:solidFill>
+            <a:schemeClr val="accent2">
+              <a:lumMod val="75000"/>
+            </a:schemeClr>
+          </a:solidFill>
+          <a:ln>
+            <a:solidFill>
+              <a:schemeClr val="accent1"/>
+            </a:solidFill>
+          </a:ln>
+          <a:scene3d>
+            <a:camera prst="orthographicFront"/>
+            <a:lightRig rig="threePt" dir="t"/>
+          </a:scene3d>
+          <a:sp3d>
+            <a:bevelT/>
+          </a:sp3d>
+        </p:spPr>
+        <p:style>
+          <a:lnRef idx="2">
+            <a:schemeClr val="accent1">
+              <a:shade val="50000"/>
+            </a:schemeClr>
+          </a:lnRef>
+          <a:fillRef idx="1">
+            <a:schemeClr val="accent1"/>
+          </a:fillRef>
+          <a:effectRef idx="0">
+            <a:schemeClr val="accent1"/>
+          </a:effectRef>
+          <a:fontRef idx="minor">
+            <a:schemeClr val="lt1"/>
+          </a:fontRef>
+        </p:style>
+        <p:txBody>
+          <a:bodyPr rtlCol="0" anchor="ctr"/>
+          <a:lstStyle/>
+          <a:p>
+            <a:pPr algn="ctr"/>
+            <a:r>
+              <a:rPr lang="en-US" sz="900" dirty="0"/>
+              <a:t>ESP-WROOM-02</a:t>
+            </a:r>
+          </a:p>
+        </p:txBody>
+      </p:sp>
+      <p:sp>
+        <p:nvSpPr>
+          <p:cNvPr id="59" name="正方形/長方形 58">
+            <a:extLst>
+              <a:ext uri="{FF2B5EF4-FFF2-40B4-BE49-F238E27FC236}">
+                <a16:creationId xmlns:a16="http://schemas.microsoft.com/office/drawing/2014/main" id="{FE6543B0-401C-4915-B037-E511FB0CA10E}"/>
+              </a:ext>
+            </a:extLst>
+          </p:cNvPr>
+          <p:cNvSpPr/>
+          <p:nvPr/>
+        </p:nvSpPr>
+        <p:spPr>
+          <a:xfrm>
+            <a:off x="2801892" y="3479432"/>
+            <a:ext cx="933450" cy="448723"/>
+          </a:xfrm>
+          <a:prstGeom prst="rect">
+            <a:avLst/>
+          </a:prstGeom>
+          <a:solidFill>
+            <a:schemeClr val="accent4">
+              <a:lumMod val="75000"/>
+            </a:schemeClr>
+          </a:solidFill>
+          <a:ln>
+            <a:solidFill>
+              <a:schemeClr val="accent1"/>
+            </a:solidFill>
+          </a:ln>
+          <a:scene3d>
+            <a:camera prst="orthographicFront"/>
+            <a:lightRig rig="threePt" dir="t"/>
+          </a:scene3d>
+          <a:sp3d>
+            <a:bevelT/>
+          </a:sp3d>
+        </p:spPr>
+        <p:style>
+          <a:lnRef idx="2">
+            <a:schemeClr val="accent1">
+              <a:shade val="50000"/>
+            </a:schemeClr>
+          </a:lnRef>
+          <a:fillRef idx="1">
+            <a:schemeClr val="accent1"/>
+          </a:fillRef>
+          <a:effectRef idx="0">
+            <a:schemeClr val="accent1"/>
+          </a:effectRef>
+          <a:fontRef idx="minor">
+            <a:schemeClr val="lt1"/>
+          </a:fontRef>
+        </p:style>
+        <p:txBody>
+          <a:bodyPr rtlCol="0" anchor="ctr"/>
+          <a:lstStyle/>
+          <a:p>
+            <a:pPr algn="ctr"/>
+            <a:r>
+              <a:rPr lang="en-US" sz="1100" dirty="0"/>
+              <a:t>Battery</a:t>
+            </a:r>
+          </a:p>
+        </p:txBody>
+      </p:sp>
+      <p:cxnSp>
+        <p:nvCxnSpPr>
+          <p:cNvPr id="57" name="直線コネクタ 56">
+            <a:extLst>
+              <a:ext uri="{FF2B5EF4-FFF2-40B4-BE49-F238E27FC236}">
+                <a16:creationId xmlns:a16="http://schemas.microsoft.com/office/drawing/2014/main" id="{EE87F5A6-675B-4D32-840C-EC0B8BBA6335}"/>
+              </a:ext>
+            </a:extLst>
+          </p:cNvPr>
+          <p:cNvCxnSpPr/>
           <p:nvPr/>
         </p:nvCxnSpPr>
         <p:spPr>
           <a:xfrm>
-            <a:off x="4823797" y="3690308"/>
-            <a:ext cx="495571" cy="148107"/>
-          </a:xfrm>
-          <a:prstGeom prst="curvedConnector3">
-            <a:avLst>
-              <a:gd name="adj1" fmla="val 50000"/>
-            </a:avLst>
+            <a:off x="3814620" y="2595418"/>
+            <a:ext cx="0" cy="708852"/>
+          </a:xfrm>
+          <a:prstGeom prst="line">
+            <a:avLst/>
           </a:prstGeom>
-          <a:ln w="28575">
+          <a:ln w="57150"/>
+        </p:spPr>
+        <p:style>
+          <a:lnRef idx="1">
+            <a:schemeClr val="accent1"/>
+          </a:lnRef>
+          <a:fillRef idx="0">
+            <a:schemeClr val="accent1"/>
+          </a:fillRef>
+          <a:effectRef idx="0">
+            <a:schemeClr val="accent1"/>
+          </a:effectRef>
+          <a:fontRef idx="minor">
+            <a:schemeClr val="tx1"/>
+          </a:fontRef>
+        </p:style>
+      </p:cxnSp>
+      <p:sp>
+        <p:nvSpPr>
+          <p:cNvPr id="62" name="正方形/長方形 61">
+            <a:extLst>
+              <a:ext uri="{FF2B5EF4-FFF2-40B4-BE49-F238E27FC236}">
+                <a16:creationId xmlns:a16="http://schemas.microsoft.com/office/drawing/2014/main" id="{B648D1FD-ED5E-4913-8191-F943F815491A}"/>
+              </a:ext>
+            </a:extLst>
+          </p:cNvPr>
+          <p:cNvSpPr/>
+          <p:nvPr/>
+        </p:nvSpPr>
+        <p:spPr>
+          <a:xfrm>
+            <a:off x="4279699" y="2943724"/>
+            <a:ext cx="933450" cy="448723"/>
+          </a:xfrm>
+          <a:prstGeom prst="rect">
+            <a:avLst/>
+          </a:prstGeom>
+          <a:solidFill>
+            <a:srgbClr val="00B0F0"/>
+          </a:solidFill>
+          <a:ln>
             <a:solidFill>
-              <a:schemeClr val="accent2">
-                <a:lumMod val="75000"/>
-              </a:schemeClr>
+              <a:schemeClr val="accent1"/>
             </a:solidFill>
           </a:ln>
+          <a:scene3d>
+            <a:camera prst="orthographicFront"/>
+            <a:lightRig rig="threePt" dir="t"/>
+          </a:scene3d>
+          <a:sp3d>
+            <a:bevelT/>
+          </a:sp3d>
+        </p:spPr>
+        <p:style>
+          <a:lnRef idx="2">
+            <a:schemeClr val="accent1">
+              <a:shade val="50000"/>
+            </a:schemeClr>
+          </a:lnRef>
+          <a:fillRef idx="1">
+            <a:schemeClr val="accent1"/>
+          </a:fillRef>
+          <a:effectRef idx="0">
+            <a:schemeClr val="accent1"/>
+          </a:effectRef>
+          <a:fontRef idx="minor">
+            <a:schemeClr val="lt1"/>
+          </a:fontRef>
+        </p:style>
+        <p:txBody>
+          <a:bodyPr rtlCol="0" anchor="ctr"/>
+          <a:lstStyle/>
+          <a:p>
+            <a:pPr algn="ctr"/>
+            <a:r>
+              <a:rPr lang="en-US" sz="900" dirty="0"/>
+              <a:t>EEPROM</a:t>
+            </a:r>
+          </a:p>
+          <a:p>
+            <a:pPr algn="ctr"/>
+            <a:r>
+              <a:rPr lang="en-US" sz="900" dirty="0"/>
+              <a:t>128KB</a:t>
+            </a:r>
+          </a:p>
+          <a:p>
+            <a:pPr algn="ctr"/>
+            <a:r>
+              <a:rPr lang="en-US" sz="900" dirty="0"/>
+              <a:t>(I2C)</a:t>
+            </a:r>
+          </a:p>
+        </p:txBody>
+      </p:sp>
+      <p:cxnSp>
+        <p:nvCxnSpPr>
+          <p:cNvPr id="64" name="直線コネクタ 63">
+            <a:extLst>
+              <a:ext uri="{FF2B5EF4-FFF2-40B4-BE49-F238E27FC236}">
+                <a16:creationId xmlns:a16="http://schemas.microsoft.com/office/drawing/2014/main" id="{B7304011-9B87-4113-8A35-A7D936BBEF6F}"/>
+              </a:ext>
+            </a:extLst>
+          </p:cNvPr>
+          <p:cNvCxnSpPr/>
+          <p:nvPr/>
+        </p:nvCxnSpPr>
+        <p:spPr>
+          <a:xfrm>
+            <a:off x="6117466" y="3331978"/>
+            <a:ext cx="0" cy="708852"/>
+          </a:xfrm>
+          <a:prstGeom prst="line">
+            <a:avLst/>
+          </a:prstGeom>
+          <a:ln w="57150"/>
         </p:spPr>
         <p:style>
           <a:lnRef idx="1">
@@ -4596,38 +4264,224 @@
       </p:cxnSp>
       <p:cxnSp>
         <p:nvCxnSpPr>
-          <p:cNvPr id="57" name="コネクタ: 曲線 56">
+          <p:cNvPr id="66" name="直線コネクタ 65">
             <a:extLst>
               <a:ext uri="{FF2B5EF4-FFF2-40B4-BE49-F238E27FC236}">
-                <a16:creationId xmlns:a16="http://schemas.microsoft.com/office/drawing/2014/main" id="{EF1817A8-71C8-4174-9965-28F36DFA805B}"/>
+                <a16:creationId xmlns:a16="http://schemas.microsoft.com/office/drawing/2014/main" id="{C11C988D-BC58-4752-953A-A7D090B593DD}"/>
+              </a:ext>
+            </a:extLst>
+          </p:cNvPr>
+          <p:cNvCxnSpPr/>
+          <p:nvPr/>
+        </p:nvCxnSpPr>
+        <p:spPr>
+          <a:xfrm>
+            <a:off x="4173209" y="3050275"/>
+            <a:ext cx="0" cy="708852"/>
+          </a:xfrm>
+          <a:prstGeom prst="line">
+            <a:avLst/>
+          </a:prstGeom>
+          <a:ln w="57150">
+            <a:solidFill>
+              <a:srgbClr val="92D050"/>
+            </a:solidFill>
+          </a:ln>
+        </p:spPr>
+        <p:style>
+          <a:lnRef idx="1">
+            <a:schemeClr val="accent1"/>
+          </a:lnRef>
+          <a:fillRef idx="0">
+            <a:schemeClr val="accent1"/>
+          </a:fillRef>
+          <a:effectRef idx="0">
+            <a:schemeClr val="accent1"/>
+          </a:effectRef>
+          <a:fontRef idx="minor">
+            <a:schemeClr val="tx1"/>
+          </a:fontRef>
+        </p:style>
+      </p:cxnSp>
+      <p:sp>
+        <p:nvSpPr>
+          <p:cNvPr id="68" name="フリーフォーム: 図形 67">
+            <a:extLst>
+              <a:ext uri="{FF2B5EF4-FFF2-40B4-BE49-F238E27FC236}">
+                <a16:creationId xmlns:a16="http://schemas.microsoft.com/office/drawing/2014/main" id="{C2CCA2B0-70D8-4C55-BBB2-854C7CEFA7F6}"/>
+              </a:ext>
+            </a:extLst>
+          </p:cNvPr>
+          <p:cNvSpPr/>
+          <p:nvPr/>
+        </p:nvSpPr>
+        <p:spPr>
+          <a:xfrm>
+            <a:off x="3937515" y="2835564"/>
+            <a:ext cx="3257612" cy="1482151"/>
+          </a:xfrm>
+          <a:custGeom>
+            <a:avLst/>
+            <a:gdLst>
+              <a:gd name="connsiteX0" fmla="*/ 24885 w 3257612"/>
+              <a:gd name="connsiteY0" fmla="*/ 0 h 1482151"/>
+              <a:gd name="connsiteX1" fmla="*/ 24885 w 3257612"/>
+              <a:gd name="connsiteY1" fmla="*/ 600363 h 1482151"/>
+              <a:gd name="connsiteX2" fmla="*/ 283503 w 3257612"/>
+              <a:gd name="connsiteY2" fmla="*/ 1339272 h 1482151"/>
+              <a:gd name="connsiteX3" fmla="*/ 477467 w 3257612"/>
+              <a:gd name="connsiteY3" fmla="*/ 1477818 h 1482151"/>
+              <a:gd name="connsiteX4" fmla="*/ 791503 w 3257612"/>
+              <a:gd name="connsiteY4" fmla="*/ 1394691 h 1482151"/>
+              <a:gd name="connsiteX5" fmla="*/ 1742849 w 3257612"/>
+              <a:gd name="connsiteY5" fmla="*/ 905163 h 1482151"/>
+              <a:gd name="connsiteX6" fmla="*/ 1982994 w 3257612"/>
+              <a:gd name="connsiteY6" fmla="*/ 563418 h 1482151"/>
+              <a:gd name="connsiteX7" fmla="*/ 2509467 w 3257612"/>
+              <a:gd name="connsiteY7" fmla="*/ 304800 h 1482151"/>
+              <a:gd name="connsiteX8" fmla="*/ 3063649 w 3257612"/>
+              <a:gd name="connsiteY8" fmla="*/ 249381 h 1482151"/>
+              <a:gd name="connsiteX9" fmla="*/ 3257612 w 3257612"/>
+              <a:gd name="connsiteY9" fmla="*/ 249381 h 1482151"/>
+            </a:gdLst>
+            <a:ahLst/>
+            <a:cxnLst>
+              <a:cxn ang="0">
+                <a:pos x="connsiteX0" y="connsiteY0"/>
+              </a:cxn>
+              <a:cxn ang="0">
+                <a:pos x="connsiteX1" y="connsiteY1"/>
+              </a:cxn>
+              <a:cxn ang="0">
+                <a:pos x="connsiteX2" y="connsiteY2"/>
+              </a:cxn>
+              <a:cxn ang="0">
+                <a:pos x="connsiteX3" y="connsiteY3"/>
+              </a:cxn>
+              <a:cxn ang="0">
+                <a:pos x="connsiteX4" y="connsiteY4"/>
+              </a:cxn>
+              <a:cxn ang="0">
+                <a:pos x="connsiteX5" y="connsiteY5"/>
+              </a:cxn>
+              <a:cxn ang="0">
+                <a:pos x="connsiteX6" y="connsiteY6"/>
+              </a:cxn>
+              <a:cxn ang="0">
+                <a:pos x="connsiteX7" y="connsiteY7"/>
+              </a:cxn>
+              <a:cxn ang="0">
+                <a:pos x="connsiteX8" y="connsiteY8"/>
+              </a:cxn>
+              <a:cxn ang="0">
+                <a:pos x="connsiteX9" y="connsiteY9"/>
+              </a:cxn>
+            </a:cxnLst>
+            <a:rect l="l" t="t" r="r" b="b"/>
+            <a:pathLst>
+              <a:path w="3257612" h="1482151">
+                <a:moveTo>
+                  <a:pt x="24885" y="0"/>
+                </a:moveTo>
+                <a:cubicBezTo>
+                  <a:pt x="3333" y="188575"/>
+                  <a:pt x="-18218" y="377151"/>
+                  <a:pt x="24885" y="600363"/>
+                </a:cubicBezTo>
+                <a:cubicBezTo>
+                  <a:pt x="67988" y="823575"/>
+                  <a:pt x="208073" y="1193030"/>
+                  <a:pt x="283503" y="1339272"/>
+                </a:cubicBezTo>
+                <a:cubicBezTo>
+                  <a:pt x="358933" y="1485514"/>
+                  <a:pt x="392800" y="1468582"/>
+                  <a:pt x="477467" y="1477818"/>
+                </a:cubicBezTo>
+                <a:cubicBezTo>
+                  <a:pt x="562134" y="1487054"/>
+                  <a:pt x="580606" y="1490134"/>
+                  <a:pt x="791503" y="1394691"/>
+                </a:cubicBezTo>
+                <a:cubicBezTo>
+                  <a:pt x="1002400" y="1299249"/>
+                  <a:pt x="1544267" y="1043708"/>
+                  <a:pt x="1742849" y="905163"/>
+                </a:cubicBezTo>
+                <a:cubicBezTo>
+                  <a:pt x="1941431" y="766618"/>
+                  <a:pt x="1855224" y="663478"/>
+                  <a:pt x="1982994" y="563418"/>
+                </a:cubicBezTo>
+                <a:cubicBezTo>
+                  <a:pt x="2110764" y="463358"/>
+                  <a:pt x="2329358" y="357139"/>
+                  <a:pt x="2509467" y="304800"/>
+                </a:cubicBezTo>
+                <a:cubicBezTo>
+                  <a:pt x="2689576" y="252461"/>
+                  <a:pt x="2938958" y="258618"/>
+                  <a:pt x="3063649" y="249381"/>
+                </a:cubicBezTo>
+                <a:cubicBezTo>
+                  <a:pt x="3188340" y="240144"/>
+                  <a:pt x="3222976" y="244762"/>
+                  <a:pt x="3257612" y="249381"/>
+                </a:cubicBezTo>
+              </a:path>
+            </a:pathLst>
+          </a:custGeom>
+          <a:noFill/>
+          <a:ln w="57150"/>
+        </p:spPr>
+        <p:style>
+          <a:lnRef idx="2">
+            <a:schemeClr val="accent1">
+              <a:shade val="50000"/>
+            </a:schemeClr>
+          </a:lnRef>
+          <a:fillRef idx="1">
+            <a:schemeClr val="accent1"/>
+          </a:fillRef>
+          <a:effectRef idx="0">
+            <a:schemeClr val="accent1"/>
+          </a:effectRef>
+          <a:fontRef idx="minor">
+            <a:schemeClr val="lt1"/>
+          </a:fontRef>
+        </p:style>
+        <p:txBody>
+          <a:bodyPr rtlCol="0" anchor="ctr"/>
+          <a:lstStyle/>
+          <a:p>
+            <a:pPr algn="ctr"/>
+            <a:endParaRPr lang="en-US"/>
+          </a:p>
+        </p:txBody>
+      </p:sp>
+      <p:cxnSp>
+        <p:nvCxnSpPr>
+          <p:cNvPr id="70" name="直線コネクタ 69">
+            <a:extLst>
+              <a:ext uri="{FF2B5EF4-FFF2-40B4-BE49-F238E27FC236}">
+                <a16:creationId xmlns:a16="http://schemas.microsoft.com/office/drawing/2014/main" id="{A30BC63C-D34F-44B2-8F98-20B7D5354E0D}"/>
               </a:ext>
             </a:extLst>
           </p:cNvPr>
           <p:cNvCxnSpPr>
             <a:cxnSpLocks/>
-            <a:stCxn id="43" idx="3"/>
-            <a:endCxn id="55" idx="1"/>
           </p:cNvCxnSpPr>
           <p:nvPr/>
         </p:nvCxnSpPr>
         <p:spPr>
           <a:xfrm>
-            <a:off x="3689603" y="3394026"/>
-            <a:ext cx="496781" cy="296282"/>
-          </a:xfrm>
-          <a:prstGeom prst="curvedConnector3">
-            <a:avLst>
-              <a:gd name="adj1" fmla="val 50000"/>
-            </a:avLst>
+            <a:off x="3805859" y="2943724"/>
+            <a:ext cx="131656" cy="11168"/>
+          </a:xfrm>
+          <a:prstGeom prst="line">
+            <a:avLst/>
           </a:prstGeom>
-          <a:ln w="28575">
-            <a:solidFill>
-              <a:schemeClr val="bg1">
-                <a:lumMod val="65000"/>
-              </a:schemeClr>
-            </a:solidFill>
-            <a:prstDash val="dash"/>
-          </a:ln>
+          <a:ln w="57150"/>
         </p:spPr>
         <p:style>
           <a:lnRef idx="1">
@@ -4646,24 +4500,385 @@
       </p:cxnSp>
       <p:cxnSp>
         <p:nvCxnSpPr>
-          <p:cNvPr id="59" name="コネクタ: 曲線 58">
+          <p:cNvPr id="74" name="直線コネクタ 73">
             <a:extLst>
               <a:ext uri="{FF2B5EF4-FFF2-40B4-BE49-F238E27FC236}">
-                <a16:creationId xmlns:a16="http://schemas.microsoft.com/office/drawing/2014/main" id="{C53BB1E8-F8EC-42E4-A478-A85C41E82BD1}"/>
+                <a16:creationId xmlns:a16="http://schemas.microsoft.com/office/drawing/2014/main" id="{1E3DF6D5-4CB3-4E80-B074-8979F777AFF2}"/>
               </a:ext>
             </a:extLst>
           </p:cNvPr>
           <p:cNvCxnSpPr>
             <a:cxnSpLocks/>
-            <a:stCxn id="41" idx="2"/>
-            <a:endCxn id="55" idx="0"/>
+            <a:stCxn id="62" idx="1"/>
           </p:cNvCxnSpPr>
           <p:nvPr/>
         </p:nvCxnSpPr>
         <p:spPr>
+          <a:xfrm flipH="1">
+            <a:off x="4173209" y="3168086"/>
+            <a:ext cx="106490" cy="21503"/>
+          </a:xfrm>
+          <a:prstGeom prst="line">
+            <a:avLst/>
+          </a:prstGeom>
+          <a:ln w="57150">
+            <a:solidFill>
+              <a:srgbClr val="92D050"/>
+            </a:solidFill>
+          </a:ln>
+        </p:spPr>
+        <p:style>
+          <a:lnRef idx="1">
+            <a:schemeClr val="accent1"/>
+          </a:lnRef>
+          <a:fillRef idx="0">
+            <a:schemeClr val="accent1"/>
+          </a:fillRef>
+          <a:effectRef idx="0">
+            <a:schemeClr val="accent1"/>
+          </a:effectRef>
+          <a:fontRef idx="minor">
+            <a:schemeClr val="tx1"/>
+          </a:fontRef>
+        </p:style>
+      </p:cxnSp>
+      <p:cxnSp>
+        <p:nvCxnSpPr>
+          <p:cNvPr id="77" name="直線コネクタ 76">
+            <a:extLst>
+              <a:ext uri="{FF2B5EF4-FFF2-40B4-BE49-F238E27FC236}">
+                <a16:creationId xmlns:a16="http://schemas.microsoft.com/office/drawing/2014/main" id="{5CF7FEC3-3C5A-426D-9A2C-1D57E682B9E3}"/>
+              </a:ext>
+            </a:extLst>
+          </p:cNvPr>
+          <p:cNvCxnSpPr>
+            <a:cxnSpLocks/>
+          </p:cNvCxnSpPr>
+          <p:nvPr/>
+        </p:nvCxnSpPr>
+        <p:spPr>
+          <a:xfrm flipH="1">
+            <a:off x="4159357" y="3606808"/>
+            <a:ext cx="106490" cy="21503"/>
+          </a:xfrm>
+          <a:prstGeom prst="line">
+            <a:avLst/>
+          </a:prstGeom>
+          <a:ln w="57150">
+            <a:solidFill>
+              <a:srgbClr val="92D050"/>
+            </a:solidFill>
+          </a:ln>
+        </p:spPr>
+        <p:style>
+          <a:lnRef idx="1">
+            <a:schemeClr val="accent1"/>
+          </a:lnRef>
+          <a:fillRef idx="0">
+            <a:schemeClr val="accent1"/>
+          </a:fillRef>
+          <a:effectRef idx="0">
+            <a:schemeClr val="accent1"/>
+          </a:effectRef>
+          <a:fontRef idx="minor">
+            <a:schemeClr val="tx1"/>
+          </a:fontRef>
+        </p:style>
+      </p:cxnSp>
+      <p:cxnSp>
+        <p:nvCxnSpPr>
+          <p:cNvPr id="78" name="直線コネクタ 77">
+            <a:extLst>
+              <a:ext uri="{FF2B5EF4-FFF2-40B4-BE49-F238E27FC236}">
+                <a16:creationId xmlns:a16="http://schemas.microsoft.com/office/drawing/2014/main" id="{33CA93CA-A919-4FED-9956-D1617BD227B4}"/>
+              </a:ext>
+            </a:extLst>
+          </p:cNvPr>
+          <p:cNvCxnSpPr>
+            <a:cxnSpLocks/>
+            <a:stCxn id="45" idx="3"/>
+          </p:cNvCxnSpPr>
+          <p:nvPr/>
+        </p:nvCxnSpPr>
+        <p:spPr>
+          <a:xfrm>
+            <a:off x="5199869" y="3681393"/>
+            <a:ext cx="291700" cy="168004"/>
+          </a:xfrm>
+          <a:prstGeom prst="line">
+            <a:avLst/>
+          </a:prstGeom>
+          <a:ln w="57150"/>
+        </p:spPr>
+        <p:style>
+          <a:lnRef idx="1">
+            <a:schemeClr val="accent1"/>
+          </a:lnRef>
+          <a:fillRef idx="0">
+            <a:schemeClr val="accent1"/>
+          </a:fillRef>
+          <a:effectRef idx="0">
+            <a:schemeClr val="accent1"/>
+          </a:effectRef>
+          <a:fontRef idx="minor">
+            <a:schemeClr val="tx1"/>
+          </a:fontRef>
+        </p:style>
+      </p:cxnSp>
+      <p:cxnSp>
+        <p:nvCxnSpPr>
+          <p:cNvPr id="80" name="直線コネクタ 79">
+            <a:extLst>
+              <a:ext uri="{FF2B5EF4-FFF2-40B4-BE49-F238E27FC236}">
+                <a16:creationId xmlns:a16="http://schemas.microsoft.com/office/drawing/2014/main" id="{5EAF7D64-E0B9-466F-98B6-78AC5748C84D}"/>
+              </a:ext>
+            </a:extLst>
+          </p:cNvPr>
+          <p:cNvCxnSpPr>
+            <a:cxnSpLocks/>
+          </p:cNvCxnSpPr>
+          <p:nvPr/>
+        </p:nvCxnSpPr>
+        <p:spPr>
+          <a:xfrm>
+            <a:off x="5836891" y="3568630"/>
+            <a:ext cx="267295" cy="0"/>
+          </a:xfrm>
+          <a:prstGeom prst="line">
+            <a:avLst/>
+          </a:prstGeom>
+          <a:ln w="57150"/>
+        </p:spPr>
+        <p:style>
+          <a:lnRef idx="1">
+            <a:schemeClr val="accent1"/>
+          </a:lnRef>
+          <a:fillRef idx="0">
+            <a:schemeClr val="accent1"/>
+          </a:fillRef>
+          <a:effectRef idx="0">
+            <a:schemeClr val="accent1"/>
+          </a:effectRef>
+          <a:fontRef idx="minor">
+            <a:schemeClr val="tx1"/>
+          </a:fontRef>
+        </p:style>
+      </p:cxnSp>
+      <p:cxnSp>
+        <p:nvCxnSpPr>
+          <p:cNvPr id="82" name="直線コネクタ 81">
+            <a:extLst>
+              <a:ext uri="{FF2B5EF4-FFF2-40B4-BE49-F238E27FC236}">
+                <a16:creationId xmlns:a16="http://schemas.microsoft.com/office/drawing/2014/main" id="{75F525B7-296E-4F7A-BECB-EB201F22E902}"/>
+              </a:ext>
+            </a:extLst>
+          </p:cNvPr>
+          <p:cNvCxnSpPr>
+            <a:cxnSpLocks/>
+          </p:cNvCxnSpPr>
+          <p:nvPr/>
+        </p:nvCxnSpPr>
+        <p:spPr>
+          <a:xfrm>
+            <a:off x="7107013" y="2894347"/>
+            <a:ext cx="0" cy="186462"/>
+          </a:xfrm>
+          <a:prstGeom prst="line">
+            <a:avLst/>
+          </a:prstGeom>
+          <a:ln w="57150"/>
+        </p:spPr>
+        <p:style>
+          <a:lnRef idx="1">
+            <a:schemeClr val="accent1"/>
+          </a:lnRef>
+          <a:fillRef idx="0">
+            <a:schemeClr val="accent1"/>
+          </a:fillRef>
+          <a:effectRef idx="0">
+            <a:schemeClr val="accent1"/>
+          </a:effectRef>
+          <a:fontRef idx="minor">
+            <a:schemeClr val="tx1"/>
+          </a:fontRef>
+        </p:style>
+      </p:cxnSp>
+      <p:cxnSp>
+        <p:nvCxnSpPr>
+          <p:cNvPr id="85" name="直線コネクタ 84">
+            <a:extLst>
+              <a:ext uri="{FF2B5EF4-FFF2-40B4-BE49-F238E27FC236}">
+                <a16:creationId xmlns:a16="http://schemas.microsoft.com/office/drawing/2014/main" id="{452EC882-F7B3-407A-96E7-66A5ED3AB534}"/>
+              </a:ext>
+            </a:extLst>
+          </p:cNvPr>
+          <p:cNvCxnSpPr>
+            <a:cxnSpLocks/>
+          </p:cNvCxnSpPr>
+          <p:nvPr/>
+        </p:nvCxnSpPr>
+        <p:spPr>
+          <a:xfrm>
+            <a:off x="6117466" y="3490123"/>
+            <a:ext cx="139120" cy="0"/>
+          </a:xfrm>
+          <a:prstGeom prst="line">
+            <a:avLst/>
+          </a:prstGeom>
+          <a:ln w="57150"/>
+        </p:spPr>
+        <p:style>
+          <a:lnRef idx="1">
+            <a:schemeClr val="accent1"/>
+          </a:lnRef>
+          <a:fillRef idx="0">
+            <a:schemeClr val="accent1"/>
+          </a:fillRef>
+          <a:effectRef idx="0">
+            <a:schemeClr val="accent1"/>
+          </a:effectRef>
+          <a:fontRef idx="minor">
+            <a:schemeClr val="tx1"/>
+          </a:fontRef>
+        </p:style>
+      </p:cxnSp>
+      <p:cxnSp>
+        <p:nvCxnSpPr>
+          <p:cNvPr id="87" name="直線コネクタ 86">
+            <a:extLst>
+              <a:ext uri="{FF2B5EF4-FFF2-40B4-BE49-F238E27FC236}">
+                <a16:creationId xmlns:a16="http://schemas.microsoft.com/office/drawing/2014/main" id="{7E5623D7-2562-4C23-8F19-5A06E3EA23FC}"/>
+              </a:ext>
+            </a:extLst>
+          </p:cNvPr>
+          <p:cNvCxnSpPr>
+            <a:cxnSpLocks/>
+          </p:cNvCxnSpPr>
+          <p:nvPr/>
+        </p:nvCxnSpPr>
+        <p:spPr>
+          <a:xfrm>
+            <a:off x="6131322" y="3928850"/>
+            <a:ext cx="139120" cy="0"/>
+          </a:xfrm>
+          <a:prstGeom prst="line">
+            <a:avLst/>
+          </a:prstGeom>
+          <a:ln w="57150"/>
+        </p:spPr>
+        <p:style>
+          <a:lnRef idx="1">
+            <a:schemeClr val="accent1"/>
+          </a:lnRef>
+          <a:fillRef idx="0">
+            <a:schemeClr val="accent1"/>
+          </a:fillRef>
+          <a:effectRef idx="0">
+            <a:schemeClr val="accent1"/>
+          </a:effectRef>
+          <a:fontRef idx="minor">
+            <a:schemeClr val="tx1"/>
+          </a:fontRef>
+        </p:style>
+      </p:cxnSp>
+      <p:cxnSp>
+        <p:nvCxnSpPr>
+          <p:cNvPr id="88" name="直線コネクタ 87">
+            <a:extLst>
+              <a:ext uri="{FF2B5EF4-FFF2-40B4-BE49-F238E27FC236}">
+                <a16:creationId xmlns:a16="http://schemas.microsoft.com/office/drawing/2014/main" id="{D6770F3B-091A-4499-B720-CD33ED4C7DF1}"/>
+              </a:ext>
+            </a:extLst>
+          </p:cNvPr>
+          <p:cNvCxnSpPr>
+            <a:cxnSpLocks/>
+          </p:cNvCxnSpPr>
+          <p:nvPr/>
+        </p:nvCxnSpPr>
+        <p:spPr>
+          <a:xfrm>
+            <a:off x="3646734" y="2737364"/>
+            <a:ext cx="139120" cy="0"/>
+          </a:xfrm>
+          <a:prstGeom prst="line">
+            <a:avLst/>
+          </a:prstGeom>
+          <a:ln w="57150"/>
+        </p:spPr>
+        <p:style>
+          <a:lnRef idx="1">
+            <a:schemeClr val="accent1"/>
+          </a:lnRef>
+          <a:fillRef idx="0">
+            <a:schemeClr val="accent1"/>
+          </a:fillRef>
+          <a:effectRef idx="0">
+            <a:schemeClr val="accent1"/>
+          </a:effectRef>
+          <a:fontRef idx="minor">
+            <a:schemeClr val="tx1"/>
+          </a:fontRef>
+        </p:style>
+      </p:cxnSp>
+      <p:cxnSp>
+        <p:nvCxnSpPr>
+          <p:cNvPr id="89" name="直線コネクタ 88">
+            <a:extLst>
+              <a:ext uri="{FF2B5EF4-FFF2-40B4-BE49-F238E27FC236}">
+                <a16:creationId xmlns:a16="http://schemas.microsoft.com/office/drawing/2014/main" id="{3208DE7F-87C6-4D93-BF91-5850FA29F291}"/>
+              </a:ext>
+            </a:extLst>
+          </p:cNvPr>
+          <p:cNvCxnSpPr>
+            <a:cxnSpLocks/>
+          </p:cNvCxnSpPr>
+          <p:nvPr/>
+        </p:nvCxnSpPr>
+        <p:spPr>
+          <a:xfrm>
+            <a:off x="3651356" y="3120672"/>
+            <a:ext cx="139120" cy="0"/>
+          </a:xfrm>
+          <a:prstGeom prst="line">
+            <a:avLst/>
+          </a:prstGeom>
+          <a:ln w="57150"/>
+        </p:spPr>
+        <p:style>
+          <a:lnRef idx="1">
+            <a:schemeClr val="accent1"/>
+          </a:lnRef>
+          <a:fillRef idx="0">
+            <a:schemeClr val="accent1"/>
+          </a:fillRef>
+          <a:effectRef idx="0">
+            <a:schemeClr val="accent1"/>
+          </a:effectRef>
+          <a:fontRef idx="minor">
+            <a:schemeClr val="tx1"/>
+          </a:fontRef>
+        </p:style>
+      </p:cxnSp>
+      <p:cxnSp>
+        <p:nvCxnSpPr>
+          <p:cNvPr id="92" name="コネクタ: 曲線 91">
+            <a:extLst>
+              <a:ext uri="{FF2B5EF4-FFF2-40B4-BE49-F238E27FC236}">
+                <a16:creationId xmlns:a16="http://schemas.microsoft.com/office/drawing/2014/main" id="{516C2F8D-DA19-40B5-8AE1-0EDA36FC2558}"/>
+              </a:ext>
+            </a:extLst>
+          </p:cNvPr>
+          <p:cNvCxnSpPr>
+            <a:cxnSpLocks/>
+            <a:stCxn id="56" idx="2"/>
+            <a:endCxn id="47" idx="0"/>
+          </p:cNvCxnSpPr>
+          <p:nvPr/>
+        </p:nvCxnSpPr>
+        <p:spPr>
           <a:xfrm rot="16200000" flipH="1">
-            <a:off x="4105633" y="3066488"/>
-            <a:ext cx="409147" cy="389768"/>
+            <a:off x="5808045" y="2323906"/>
+            <a:ext cx="1431345" cy="420935"/>
           </a:xfrm>
           <a:prstGeom prst="curvedConnector3">
             <a:avLst>
@@ -4672,9 +4887,7 @@
           </a:prstGeom>
           <a:ln w="28575">
             <a:solidFill>
-              <a:schemeClr val="accent2">
-                <a:lumMod val="75000"/>
-              </a:schemeClr>
+              <a:srgbClr val="92D050"/>
             </a:solidFill>
           </a:ln>
         </p:spPr>
@@ -4693,12 +4906,146 @@
           </a:fontRef>
         </p:style>
       </p:cxnSp>
-      <p:sp>
-        <p:nvSpPr>
-          <p:cNvPr id="60" name="テキスト ボックス 59">
+      <p:cxnSp>
+        <p:nvCxnSpPr>
+          <p:cNvPr id="99" name="コネクタ: 曲線 98">
             <a:extLst>
               <a:ext uri="{FF2B5EF4-FFF2-40B4-BE49-F238E27FC236}">
-                <a16:creationId xmlns:a16="http://schemas.microsoft.com/office/drawing/2014/main" id="{1E8851C8-307B-4302-A800-FDEDAFCA59C4}"/>
+                <a16:creationId xmlns:a16="http://schemas.microsoft.com/office/drawing/2014/main" id="{56F410F5-623B-4537-B7A6-3D4D12BEA7FE}"/>
+              </a:ext>
+            </a:extLst>
+          </p:cNvPr>
+          <p:cNvCxnSpPr>
+            <a:cxnSpLocks/>
+          </p:cNvCxnSpPr>
+          <p:nvPr/>
+        </p:nvCxnSpPr>
+        <p:spPr>
+          <a:xfrm rot="5400000">
+            <a:off x="4233621" y="3689180"/>
+            <a:ext cx="282949" cy="716098"/>
+          </a:xfrm>
+          <a:prstGeom prst="curvedConnector2">
+            <a:avLst/>
+          </a:prstGeom>
+          <a:ln w="28575">
+            <a:solidFill>
+              <a:srgbClr val="00B0F0"/>
+            </a:solidFill>
+          </a:ln>
+        </p:spPr>
+        <p:style>
+          <a:lnRef idx="1">
+            <a:schemeClr val="accent1"/>
+          </a:lnRef>
+          <a:fillRef idx="0">
+            <a:schemeClr val="accent1"/>
+          </a:fillRef>
+          <a:effectRef idx="0">
+            <a:schemeClr val="accent1"/>
+          </a:effectRef>
+          <a:fontRef idx="minor">
+            <a:schemeClr val="tx1"/>
+          </a:fontRef>
+        </p:style>
+      </p:cxnSp>
+      <p:cxnSp>
+        <p:nvCxnSpPr>
+          <p:cNvPr id="108" name="コネクタ: 曲線 107">
+            <a:extLst>
+              <a:ext uri="{FF2B5EF4-FFF2-40B4-BE49-F238E27FC236}">
+                <a16:creationId xmlns:a16="http://schemas.microsoft.com/office/drawing/2014/main" id="{D8DD7BF7-CDA0-4861-BB30-13267ED9A0EA}"/>
+              </a:ext>
+            </a:extLst>
+          </p:cNvPr>
+          <p:cNvCxnSpPr>
+            <a:cxnSpLocks/>
+            <a:endCxn id="59" idx="3"/>
+          </p:cNvCxnSpPr>
+          <p:nvPr/>
+        </p:nvCxnSpPr>
+        <p:spPr>
+          <a:xfrm rot="10800000">
+            <a:off x="3735343" y="3703794"/>
+            <a:ext cx="569499" cy="140352"/>
+          </a:xfrm>
+          <a:prstGeom prst="curvedConnector3">
+            <a:avLst>
+              <a:gd name="adj1" fmla="val 50000"/>
+            </a:avLst>
+          </a:prstGeom>
+          <a:ln w="28575">
+            <a:solidFill>
+              <a:srgbClr val="FF0000"/>
+            </a:solidFill>
+          </a:ln>
+        </p:spPr>
+        <p:style>
+          <a:lnRef idx="1">
+            <a:schemeClr val="accent1"/>
+          </a:lnRef>
+          <a:fillRef idx="0">
+            <a:schemeClr val="accent1"/>
+          </a:fillRef>
+          <a:effectRef idx="0">
+            <a:schemeClr val="accent1"/>
+          </a:effectRef>
+          <a:fontRef idx="minor">
+            <a:schemeClr val="tx1"/>
+          </a:fontRef>
+        </p:style>
+      </p:cxnSp>
+      <p:cxnSp>
+        <p:nvCxnSpPr>
+          <p:cNvPr id="111" name="コネクタ: 曲線 110">
+            <a:extLst>
+              <a:ext uri="{FF2B5EF4-FFF2-40B4-BE49-F238E27FC236}">
+                <a16:creationId xmlns:a16="http://schemas.microsoft.com/office/drawing/2014/main" id="{F4DC4260-2E83-488A-958A-1127D7F42D1C}"/>
+              </a:ext>
+            </a:extLst>
+          </p:cNvPr>
+          <p:cNvCxnSpPr>
+            <a:cxnSpLocks/>
+          </p:cNvCxnSpPr>
+          <p:nvPr/>
+        </p:nvCxnSpPr>
+        <p:spPr>
+          <a:xfrm rot="10800000" flipV="1">
+            <a:off x="4022827" y="3869053"/>
+            <a:ext cx="276674" cy="195713"/>
+          </a:xfrm>
+          <a:prstGeom prst="curvedConnector3">
+            <a:avLst>
+              <a:gd name="adj1" fmla="val 50000"/>
+            </a:avLst>
+          </a:prstGeom>
+          <a:ln w="28575">
+            <a:solidFill>
+              <a:srgbClr val="FF0000"/>
+            </a:solidFill>
+          </a:ln>
+        </p:spPr>
+        <p:style>
+          <a:lnRef idx="1">
+            <a:schemeClr val="accent1"/>
+          </a:lnRef>
+          <a:fillRef idx="0">
+            <a:schemeClr val="accent1"/>
+          </a:fillRef>
+          <a:effectRef idx="0">
+            <a:schemeClr val="accent1"/>
+          </a:effectRef>
+          <a:fontRef idx="minor">
+            <a:schemeClr val="tx1"/>
+          </a:fontRef>
+        </p:style>
+      </p:cxnSp>
+      <p:sp>
+        <p:nvSpPr>
+          <p:cNvPr id="119" name="テキスト ボックス 118">
+            <a:extLst>
+              <a:ext uri="{FF2B5EF4-FFF2-40B4-BE49-F238E27FC236}">
+                <a16:creationId xmlns:a16="http://schemas.microsoft.com/office/drawing/2014/main" id="{30789F1A-31CD-4686-8537-C4C98B6B1B3C}"/>
               </a:ext>
             </a:extLst>
           </p:cNvPr>
@@ -4706,9 +5053,9 @@
           <p:nvPr/>
         </p:nvSpPr>
         <p:spPr>
-          <a:xfrm>
-            <a:off x="6523733" y="3138020"/>
-            <a:ext cx="577186" cy="387799"/>
+          <a:xfrm flipH="1">
+            <a:off x="5466644" y="3066382"/>
+            <a:ext cx="723712" cy="369332"/>
           </a:xfrm>
           <a:prstGeom prst="rect">
             <a:avLst/>
@@ -4722,19 +5069,18 @@
           <a:lstStyle/>
           <a:p>
             <a:r>
-              <a:rPr lang="en-US" altLang="ja-JP" dirty="0"/>
-              <a:t>I2C</a:t>
-            </a:r>
-            <a:endParaRPr lang="en-US" dirty="0"/>
-          </a:p>
-        </p:txBody>
-      </p:sp>
-      <p:sp>
-        <p:nvSpPr>
-          <p:cNvPr id="63" name="テキスト ボックス 62">
+              <a:rPr lang="en-US" dirty="0"/>
+              <a:t>I2C1</a:t>
+            </a:r>
+          </a:p>
+        </p:txBody>
+      </p:sp>
+      <p:sp>
+        <p:nvSpPr>
+          <p:cNvPr id="120" name="テキスト ボックス 119">
             <a:extLst>
               <a:ext uri="{FF2B5EF4-FFF2-40B4-BE49-F238E27FC236}">
-                <a16:creationId xmlns:a16="http://schemas.microsoft.com/office/drawing/2014/main" id="{16983B06-33F1-4BA2-A5B3-D9A2432EDB10}"/>
+                <a16:creationId xmlns:a16="http://schemas.microsoft.com/office/drawing/2014/main" id="{284DF59F-0571-4249-81A2-9EEB283DA460}"/>
               </a:ext>
             </a:extLst>
           </p:cNvPr>
@@ -4742,9 +5088,9 @@
           <p:nvPr/>
         </p:nvSpPr>
         <p:spPr>
-          <a:xfrm>
-            <a:off x="4782896" y="3753859"/>
-            <a:ext cx="608228" cy="387799"/>
+          <a:xfrm flipH="1">
+            <a:off x="5800734" y="1916454"/>
+            <a:ext cx="637009" cy="369332"/>
           </a:xfrm>
           <a:prstGeom prst="rect">
             <a:avLst/>
@@ -4759,17 +5105,17 @@
           <a:p>
             <a:r>
               <a:rPr lang="en-US" dirty="0"/>
-              <a:t>USB</a:t>
-            </a:r>
-          </a:p>
-        </p:txBody>
-      </p:sp>
-      <p:sp>
-        <p:nvSpPr>
-          <p:cNvPr id="65" name="テキスト ボックス 64">
+              <a:t>I2C2</a:t>
+            </a:r>
+          </a:p>
+        </p:txBody>
+      </p:sp>
+      <p:sp>
+        <p:nvSpPr>
+          <p:cNvPr id="121" name="テキスト ボックス 120">
             <a:extLst>
               <a:ext uri="{FF2B5EF4-FFF2-40B4-BE49-F238E27FC236}">
-                <a16:creationId xmlns:a16="http://schemas.microsoft.com/office/drawing/2014/main" id="{E433EBBC-5A5E-4AE7-A4C5-9187739A5446}"/>
+                <a16:creationId xmlns:a16="http://schemas.microsoft.com/office/drawing/2014/main" id="{BEC4303C-2AAF-457E-9B69-B7736F56CD12}"/>
               </a:ext>
             </a:extLst>
           </p:cNvPr>
@@ -4777,9 +5123,9 @@
           <p:nvPr/>
         </p:nvSpPr>
         <p:spPr>
-          <a:xfrm>
-            <a:off x="7637100" y="3670307"/>
-            <a:ext cx="1404944" cy="387799"/>
+          <a:xfrm flipH="1">
+            <a:off x="3976550" y="2623031"/>
+            <a:ext cx="637009" cy="369332"/>
           </a:xfrm>
           <a:prstGeom prst="rect">
             <a:avLst/>
@@ -4794,17 +5140,17 @@
           <a:p>
             <a:r>
               <a:rPr lang="en-US" dirty="0"/>
-              <a:t>Analog In</a:t>
-            </a:r>
-          </a:p>
-        </p:txBody>
-      </p:sp>
-      <p:sp>
-        <p:nvSpPr>
-          <p:cNvPr id="27" name="テキスト ボックス 26">
+              <a:t>I2C2</a:t>
+            </a:r>
+          </a:p>
+        </p:txBody>
+      </p:sp>
+      <p:sp>
+        <p:nvSpPr>
+          <p:cNvPr id="122" name="テキスト ボックス 121">
             <a:extLst>
               <a:ext uri="{FF2B5EF4-FFF2-40B4-BE49-F238E27FC236}">
-                <a16:creationId xmlns:a16="http://schemas.microsoft.com/office/drawing/2014/main" id="{EF00561B-4BDF-43A3-9536-7B9468F82B06}"/>
+                <a16:creationId xmlns:a16="http://schemas.microsoft.com/office/drawing/2014/main" id="{7F58B893-0EDE-4ECA-8378-4C3CAD1377E3}"/>
               </a:ext>
             </a:extLst>
           </p:cNvPr>
@@ -4812,9 +5158,9 @@
           <p:nvPr/>
         </p:nvSpPr>
         <p:spPr>
-          <a:xfrm>
-            <a:off x="1501984" y="246023"/>
-            <a:ext cx="4159988" cy="461665"/>
+          <a:xfrm flipH="1">
+            <a:off x="3668156" y="3671498"/>
+            <a:ext cx="1084199" cy="369332"/>
           </a:xfrm>
           <a:prstGeom prst="rect">
             <a:avLst/>
@@ -4828,14 +5174,8 @@
           <a:lstStyle/>
           <a:p>
             <a:r>
-              <a:rPr lang="en-US" sz="2400" dirty="0">
-                <a:solidFill>
-                  <a:schemeClr val="bg1">
-                    <a:lumMod val="65000"/>
-                  </a:schemeClr>
-                </a:solidFill>
-              </a:rPr>
-              <a:t>Kawasaki City, Kanagawa, Japan</a:t>
+              <a:rPr lang="en-US" dirty="0"/>
+              <a:t>5V</a:t>
             </a:r>
           </a:p>
         </p:txBody>
@@ -4856,7 +5196,7 @@
 <file path=ppt/theme/theme1.xml><?xml version="1.0" encoding="utf-8"?>
 <a:theme xmlns:a="http://schemas.openxmlformats.org/drawingml/2006/main" name="Office テーマ">
   <a:themeElements>
-    <a:clrScheme name="Office">
+    <a:clrScheme name="Office テーマ">
       <a:dk1>
         <a:sysClr val="windowText" lastClr="000000"/>
       </a:dk1>
@@ -4894,7 +5234,7 @@
         <a:srgbClr val="954F72"/>
       </a:folHlink>
     </a:clrScheme>
-    <a:fontScheme name="Office">
+    <a:fontScheme name="Office テーマ">
       <a:majorFont>
         <a:latin typeface="Calibri Light" panose="020F0302020204030204"/>
         <a:ea typeface=""/>
@@ -4929,23 +5269,6 @@
         <a:font script="Viet" typeface="Times New Roman"/>
         <a:font script="Uigh" typeface="Microsoft Uighur"/>
         <a:font script="Geor" typeface="Sylfaen"/>
-        <a:font script="Armn" typeface="Arial"/>
-        <a:font script="Bugi" typeface="Leelawadee UI"/>
-        <a:font script="Bopo" typeface="Microsoft JhengHei"/>
-        <a:font script="Java" typeface="Javanese Text"/>
-        <a:font script="Lisu" typeface="Segoe UI"/>
-        <a:font script="Mymr" typeface="Myanmar Text"/>
-        <a:font script="Nkoo" typeface="Ebrima"/>
-        <a:font script="Olck" typeface="Nirmala UI"/>
-        <a:font script="Osma" typeface="Ebrima"/>
-        <a:font script="Phag" typeface="Phagspa"/>
-        <a:font script="Syrn" typeface="Estrangelo Edessa"/>
-        <a:font script="Syrj" typeface="Estrangelo Edessa"/>
-        <a:font script="Syre" typeface="Estrangelo Edessa"/>
-        <a:font script="Sora" typeface="Nirmala UI"/>
-        <a:font script="Tale" typeface="Microsoft Tai Le"/>
-        <a:font script="Talu" typeface="Microsoft New Tai Lue"/>
-        <a:font script="Tfng" typeface="Ebrima"/>
       </a:majorFont>
       <a:minorFont>
         <a:latin typeface="Calibri" panose="020F0502020204030204"/>
@@ -4981,26 +5304,9 @@
         <a:font script="Viet" typeface="Arial"/>
         <a:font script="Uigh" typeface="Microsoft Uighur"/>
         <a:font script="Geor" typeface="Sylfaen"/>
-        <a:font script="Armn" typeface="Arial"/>
-        <a:font script="Bugi" typeface="Leelawadee UI"/>
-        <a:font script="Bopo" typeface="Microsoft JhengHei"/>
-        <a:font script="Java" typeface="Javanese Text"/>
-        <a:font script="Lisu" typeface="Segoe UI"/>
-        <a:font script="Mymr" typeface="Myanmar Text"/>
-        <a:font script="Nkoo" typeface="Ebrima"/>
-        <a:font script="Olck" typeface="Nirmala UI"/>
-        <a:font script="Osma" typeface="Ebrima"/>
-        <a:font script="Phag" typeface="Phagspa"/>
-        <a:font script="Syrn" typeface="Estrangelo Edessa"/>
-        <a:font script="Syrj" typeface="Estrangelo Edessa"/>
-        <a:font script="Syre" typeface="Estrangelo Edessa"/>
-        <a:font script="Sora" typeface="Nirmala UI"/>
-        <a:font script="Tale" typeface="Microsoft Tai Le"/>
-        <a:font script="Talu" typeface="Microsoft New Tai Lue"/>
-        <a:font script="Tfng" typeface="Ebrima"/>
       </a:minorFont>
     </a:fontScheme>
-    <a:fmtScheme name="Office">
+    <a:fmtScheme name="Office テーマ">
       <a:fillStyleLst>
         <a:solidFill>
           <a:schemeClr val="phClr"/>

--- a/doc/network.pptx
+++ b/doc/network.pptx
@@ -247,7 +247,7 @@
           <a:p>
             <a:fld id="{0588DB89-F6CE-4EE7-AE23-362350B0A563}" type="datetimeFigureOut">
               <a:rPr lang="en-US" smtClean="0"/>
-              <a:t>7/9/2017</a:t>
+              <a:t>7/10/2017</a:t>
             </a:fld>
             <a:endParaRPr lang="en-US"/>
           </a:p>
@@ -449,7 +449,7 @@
           <a:p>
             <a:fld id="{0588DB89-F6CE-4EE7-AE23-362350B0A563}" type="datetimeFigureOut">
               <a:rPr lang="en-US" smtClean="0"/>
-              <a:t>7/9/2017</a:t>
+              <a:t>7/10/2017</a:t>
             </a:fld>
             <a:endParaRPr lang="en-US"/>
           </a:p>
@@ -661,7 +661,7 @@
           <a:p>
             <a:fld id="{0588DB89-F6CE-4EE7-AE23-362350B0A563}" type="datetimeFigureOut">
               <a:rPr lang="en-US" smtClean="0"/>
-              <a:t>7/9/2017</a:t>
+              <a:t>7/10/2017</a:t>
             </a:fld>
             <a:endParaRPr lang="en-US"/>
           </a:p>
@@ -863,7 +863,7 @@
           <a:p>
             <a:fld id="{0588DB89-F6CE-4EE7-AE23-362350B0A563}" type="datetimeFigureOut">
               <a:rPr lang="en-US" smtClean="0"/>
-              <a:t>7/9/2017</a:t>
+              <a:t>7/10/2017</a:t>
             </a:fld>
             <a:endParaRPr lang="en-US"/>
           </a:p>
@@ -1107,7 +1107,7 @@
           <a:p>
             <a:fld id="{0588DB89-F6CE-4EE7-AE23-362350B0A563}" type="datetimeFigureOut">
               <a:rPr lang="en-US" smtClean="0"/>
-              <a:t>7/9/2017</a:t>
+              <a:t>7/10/2017</a:t>
             </a:fld>
             <a:endParaRPr lang="en-US"/>
           </a:p>
@@ -1403,7 +1403,7 @@
           <a:p>
             <a:fld id="{0588DB89-F6CE-4EE7-AE23-362350B0A563}" type="datetimeFigureOut">
               <a:rPr lang="en-US" smtClean="0"/>
-              <a:t>7/9/2017</a:t>
+              <a:t>7/10/2017</a:t>
             </a:fld>
             <a:endParaRPr lang="en-US"/>
           </a:p>
@@ -1834,7 +1834,7 @@
           <a:p>
             <a:fld id="{0588DB89-F6CE-4EE7-AE23-362350B0A563}" type="datetimeFigureOut">
               <a:rPr lang="en-US" smtClean="0"/>
-              <a:t>7/9/2017</a:t>
+              <a:t>7/10/2017</a:t>
             </a:fld>
             <a:endParaRPr lang="en-US"/>
           </a:p>
@@ -1952,7 +1952,7 @@
           <a:p>
             <a:fld id="{0588DB89-F6CE-4EE7-AE23-362350B0A563}" type="datetimeFigureOut">
               <a:rPr lang="en-US" smtClean="0"/>
-              <a:t>7/9/2017</a:t>
+              <a:t>7/10/2017</a:t>
             </a:fld>
             <a:endParaRPr lang="en-US"/>
           </a:p>
@@ -2047,7 +2047,7 @@
           <a:p>
             <a:fld id="{0588DB89-F6CE-4EE7-AE23-362350B0A563}" type="datetimeFigureOut">
               <a:rPr lang="en-US" smtClean="0"/>
-              <a:t>7/9/2017</a:t>
+              <a:t>7/10/2017</a:t>
             </a:fld>
             <a:endParaRPr lang="en-US"/>
           </a:p>
@@ -2356,7 +2356,7 @@
           <a:p>
             <a:fld id="{0588DB89-F6CE-4EE7-AE23-362350B0A563}" type="datetimeFigureOut">
               <a:rPr lang="en-US" smtClean="0"/>
-              <a:t>7/9/2017</a:t>
+              <a:t>7/10/2017</a:t>
             </a:fld>
             <a:endParaRPr lang="en-US"/>
           </a:p>
@@ -2613,7 +2613,7 @@
           <a:p>
             <a:fld id="{0588DB89-F6CE-4EE7-AE23-362350B0A563}" type="datetimeFigureOut">
               <a:rPr lang="en-US" smtClean="0"/>
-              <a:t>7/9/2017</a:t>
+              <a:t>7/10/2017</a:t>
             </a:fld>
             <a:endParaRPr lang="en-US"/>
           </a:p>
@@ -2858,7 +2858,7 @@
           <a:p>
             <a:fld id="{0588DB89-F6CE-4EE7-AE23-362350B0A563}" type="datetimeFigureOut">
               <a:rPr lang="en-US" smtClean="0"/>
-              <a:t>7/9/2017</a:t>
+              <a:t>7/10/2017</a:t>
             </a:fld>
             <a:endParaRPr lang="en-US"/>
           </a:p>
@@ -3992,7 +3992,7 @@
         </p:nvSpPr>
         <p:spPr>
           <a:xfrm>
-            <a:off x="3083596" y="3964341"/>
+            <a:off x="1613133" y="3821465"/>
             <a:ext cx="933450" cy="448723"/>
           </a:xfrm>
           <a:prstGeom prst="rect">
@@ -4161,7 +4161,7 @@
         </p:nvSpPr>
         <p:spPr>
           <a:xfrm>
-            <a:off x="4279699" y="2943724"/>
+            <a:off x="4030319" y="4393836"/>
             <a:ext cx="933450" cy="448723"/>
           </a:xfrm>
           <a:prstGeom prst="rect">
@@ -4276,7 +4276,7 @@
         </p:nvCxnSpPr>
         <p:spPr>
           <a:xfrm>
-            <a:off x="4173209" y="3050275"/>
+            <a:off x="3905352" y="4269471"/>
             <a:ext cx="0" cy="708852"/>
           </a:xfrm>
           <a:prstGeom prst="line">
@@ -4515,7 +4515,7 @@
         </p:nvCxnSpPr>
         <p:spPr>
           <a:xfrm flipH="1">
-            <a:off x="4173209" y="3168086"/>
+            <a:off x="3923829" y="4618198"/>
             <a:ext cx="106490" cy="21503"/>
           </a:xfrm>
           <a:prstGeom prst="line">
@@ -4558,7 +4558,7 @@
         </p:nvCxnSpPr>
         <p:spPr>
           <a:xfrm flipH="1">
-            <a:off x="4159357" y="3606808"/>
+            <a:off x="3780671" y="4318010"/>
             <a:ext cx="106490" cy="21503"/>
           </a:xfrm>
           <a:prstGeom prst="line">
@@ -4917,13 +4917,15 @@
           </p:cNvPr>
           <p:cNvCxnSpPr>
             <a:cxnSpLocks/>
+            <a:stCxn id="45" idx="2"/>
+            <a:endCxn id="41" idx="3"/>
           </p:cNvCxnSpPr>
           <p:nvPr/>
         </p:nvCxnSpPr>
         <p:spPr>
           <a:xfrm rot="5400000">
-            <a:off x="4233621" y="3689180"/>
-            <a:ext cx="282949" cy="716098"/>
+            <a:off x="4087073" y="3581271"/>
+            <a:ext cx="321589" cy="970555"/>
           </a:xfrm>
           <a:prstGeom prst="curvedConnector2">
             <a:avLst/>
@@ -5006,13 +5008,266 @@
           </p:cNvPr>
           <p:cNvCxnSpPr>
             <a:cxnSpLocks/>
+            <a:stCxn id="59" idx="3"/>
+            <a:endCxn id="41" idx="3"/>
           </p:cNvCxnSpPr>
           <p:nvPr/>
         </p:nvCxnSpPr>
         <p:spPr>
-          <a:xfrm rot="10800000" flipV="1">
-            <a:off x="4022827" y="3869053"/>
-            <a:ext cx="276674" cy="195713"/>
+          <a:xfrm>
+            <a:off x="3735342" y="3703794"/>
+            <a:ext cx="27247" cy="523549"/>
+          </a:xfrm>
+          <a:prstGeom prst="curvedConnector3">
+            <a:avLst>
+              <a:gd name="adj1" fmla="val 938991"/>
+            </a:avLst>
+          </a:prstGeom>
+          <a:ln w="28575">
+            <a:solidFill>
+              <a:srgbClr val="FF0000"/>
+            </a:solidFill>
+          </a:ln>
+        </p:spPr>
+        <p:style>
+          <a:lnRef idx="1">
+            <a:schemeClr val="accent1"/>
+          </a:lnRef>
+          <a:fillRef idx="0">
+            <a:schemeClr val="accent1"/>
+          </a:fillRef>
+          <a:effectRef idx="0">
+            <a:schemeClr val="accent1"/>
+          </a:effectRef>
+          <a:fontRef idx="minor">
+            <a:schemeClr val="tx1"/>
+          </a:fontRef>
+        </p:style>
+      </p:cxnSp>
+      <p:sp>
+        <p:nvSpPr>
+          <p:cNvPr id="119" name="テキスト ボックス 118">
+            <a:extLst>
+              <a:ext uri="{FF2B5EF4-FFF2-40B4-BE49-F238E27FC236}">
+                <a16:creationId xmlns:a16="http://schemas.microsoft.com/office/drawing/2014/main" id="{30789F1A-31CD-4686-8537-C4C98B6B1B3C}"/>
+              </a:ext>
+            </a:extLst>
+          </p:cNvPr>
+          <p:cNvSpPr txBox="1"/>
+          <p:nvPr/>
+        </p:nvSpPr>
+        <p:spPr>
+          <a:xfrm flipH="1">
+            <a:off x="5466644" y="3066382"/>
+            <a:ext cx="723712" cy="369332"/>
+          </a:xfrm>
+          <a:prstGeom prst="rect">
+            <a:avLst/>
+          </a:prstGeom>
+          <a:noFill/>
+        </p:spPr>
+        <p:txBody>
+          <a:bodyPr wrap="square" rtlCol="0">
+            <a:spAutoFit/>
+          </a:bodyPr>
+          <a:lstStyle/>
+          <a:p>
+            <a:r>
+              <a:rPr lang="en-US" dirty="0"/>
+              <a:t>I2C1</a:t>
+            </a:r>
+          </a:p>
+        </p:txBody>
+      </p:sp>
+      <p:sp>
+        <p:nvSpPr>
+          <p:cNvPr id="120" name="テキスト ボックス 119">
+            <a:extLst>
+              <a:ext uri="{FF2B5EF4-FFF2-40B4-BE49-F238E27FC236}">
+                <a16:creationId xmlns:a16="http://schemas.microsoft.com/office/drawing/2014/main" id="{284DF59F-0571-4249-81A2-9EEB283DA460}"/>
+              </a:ext>
+            </a:extLst>
+          </p:cNvPr>
+          <p:cNvSpPr txBox="1"/>
+          <p:nvPr/>
+        </p:nvSpPr>
+        <p:spPr>
+          <a:xfrm flipH="1">
+            <a:off x="5800734" y="1916454"/>
+            <a:ext cx="637009" cy="369332"/>
+          </a:xfrm>
+          <a:prstGeom prst="rect">
+            <a:avLst/>
+          </a:prstGeom>
+          <a:noFill/>
+        </p:spPr>
+        <p:txBody>
+          <a:bodyPr wrap="square" rtlCol="0">
+            <a:spAutoFit/>
+          </a:bodyPr>
+          <a:lstStyle/>
+          <a:p>
+            <a:r>
+              <a:rPr lang="en-US" dirty="0"/>
+              <a:t>I2C2</a:t>
+            </a:r>
+          </a:p>
+        </p:txBody>
+      </p:sp>
+      <p:sp>
+        <p:nvSpPr>
+          <p:cNvPr id="121" name="テキスト ボックス 120">
+            <a:extLst>
+              <a:ext uri="{FF2B5EF4-FFF2-40B4-BE49-F238E27FC236}">
+                <a16:creationId xmlns:a16="http://schemas.microsoft.com/office/drawing/2014/main" id="{BEC4303C-2AAF-457E-9B69-B7736F56CD12}"/>
+              </a:ext>
+            </a:extLst>
+          </p:cNvPr>
+          <p:cNvSpPr txBox="1"/>
+          <p:nvPr/>
+        </p:nvSpPr>
+        <p:spPr>
+          <a:xfrm flipH="1">
+            <a:off x="3976550" y="2623031"/>
+            <a:ext cx="637009" cy="369332"/>
+          </a:xfrm>
+          <a:prstGeom prst="rect">
+            <a:avLst/>
+          </a:prstGeom>
+          <a:noFill/>
+        </p:spPr>
+        <p:txBody>
+          <a:bodyPr wrap="square" rtlCol="0">
+            <a:spAutoFit/>
+          </a:bodyPr>
+          <a:lstStyle/>
+          <a:p>
+            <a:r>
+              <a:rPr lang="en-US" dirty="0"/>
+              <a:t>I2C2</a:t>
+            </a:r>
+          </a:p>
+        </p:txBody>
+      </p:sp>
+      <p:sp>
+        <p:nvSpPr>
+          <p:cNvPr id="122" name="テキスト ボックス 121">
+            <a:extLst>
+              <a:ext uri="{FF2B5EF4-FFF2-40B4-BE49-F238E27FC236}">
+                <a16:creationId xmlns:a16="http://schemas.microsoft.com/office/drawing/2014/main" id="{7F58B893-0EDE-4ECA-8378-4C3CAD1377E3}"/>
+              </a:ext>
+            </a:extLst>
+          </p:cNvPr>
+          <p:cNvSpPr txBox="1"/>
+          <p:nvPr/>
+        </p:nvSpPr>
+        <p:spPr>
+          <a:xfrm flipH="1">
+            <a:off x="3714344" y="3726914"/>
+            <a:ext cx="1084199" cy="369332"/>
+          </a:xfrm>
+          <a:prstGeom prst="rect">
+            <a:avLst/>
+          </a:prstGeom>
+          <a:noFill/>
+        </p:spPr>
+        <p:txBody>
+          <a:bodyPr wrap="square" rtlCol="0">
+            <a:spAutoFit/>
+          </a:bodyPr>
+          <a:lstStyle/>
+          <a:p>
+            <a:r>
+              <a:rPr lang="en-US" dirty="0"/>
+              <a:t>5V</a:t>
+            </a:r>
+          </a:p>
+        </p:txBody>
+      </p:sp>
+      <p:sp>
+        <p:nvSpPr>
+          <p:cNvPr id="41" name="正方形/長方形 40">
+            <a:extLst>
+              <a:ext uri="{FF2B5EF4-FFF2-40B4-BE49-F238E27FC236}">
+                <a16:creationId xmlns:a16="http://schemas.microsoft.com/office/drawing/2014/main" id="{9C48BF72-777E-4990-8C0D-9232935F4513}"/>
+              </a:ext>
+            </a:extLst>
+          </p:cNvPr>
+          <p:cNvSpPr/>
+          <p:nvPr/>
+        </p:nvSpPr>
+        <p:spPr>
+          <a:xfrm>
+            <a:off x="2829139" y="4002981"/>
+            <a:ext cx="933450" cy="448723"/>
+          </a:xfrm>
+          <a:prstGeom prst="rect">
+            <a:avLst/>
+          </a:prstGeom>
+          <a:solidFill>
+            <a:srgbClr val="7030A0"/>
+          </a:solidFill>
+          <a:ln>
+            <a:solidFill>
+              <a:schemeClr val="accent1"/>
+            </a:solidFill>
+          </a:ln>
+          <a:scene3d>
+            <a:camera prst="orthographicFront"/>
+            <a:lightRig rig="threePt" dir="t"/>
+          </a:scene3d>
+          <a:sp3d>
+            <a:bevelT/>
+          </a:sp3d>
+        </p:spPr>
+        <p:style>
+          <a:lnRef idx="2">
+            <a:schemeClr val="accent1">
+              <a:shade val="50000"/>
+            </a:schemeClr>
+          </a:lnRef>
+          <a:fillRef idx="1">
+            <a:schemeClr val="accent1"/>
+          </a:fillRef>
+          <a:effectRef idx="0">
+            <a:schemeClr val="accent1"/>
+          </a:effectRef>
+          <a:fontRef idx="minor">
+            <a:schemeClr val="lt1"/>
+          </a:fontRef>
+        </p:style>
+        <p:txBody>
+          <a:bodyPr rtlCol="0" anchor="ctr"/>
+          <a:lstStyle/>
+          <a:p>
+            <a:pPr algn="ctr"/>
+            <a:r>
+              <a:rPr lang="en-US" sz="900" dirty="0"/>
+              <a:t>Application block</a:t>
+            </a:r>
+          </a:p>
+        </p:txBody>
+      </p:sp>
+      <p:cxnSp>
+        <p:nvCxnSpPr>
+          <p:cNvPr id="48" name="コネクタ: 曲線 47">
+            <a:extLst>
+              <a:ext uri="{FF2B5EF4-FFF2-40B4-BE49-F238E27FC236}">
+                <a16:creationId xmlns:a16="http://schemas.microsoft.com/office/drawing/2014/main" id="{F3A5C59A-EA5A-47A2-BBC4-EE3C4E042923}"/>
+              </a:ext>
+            </a:extLst>
+          </p:cNvPr>
+          <p:cNvCxnSpPr>
+            <a:cxnSpLocks/>
+            <a:stCxn id="41" idx="1"/>
+            <a:endCxn id="58" idx="3"/>
+          </p:cNvCxnSpPr>
+          <p:nvPr/>
+        </p:nvCxnSpPr>
+        <p:spPr>
+          <a:xfrm rot="10800000">
+            <a:off x="2546583" y="4045827"/>
+            <a:ext cx="282556" cy="181516"/>
           </a:xfrm>
           <a:prstGeom prst="curvedConnector3">
             <a:avLst>
@@ -5042,10 +5297,10 @@
       </p:cxnSp>
       <p:sp>
         <p:nvSpPr>
-          <p:cNvPr id="119" name="テキスト ボックス 118">
+          <p:cNvPr id="49" name="テキスト ボックス 48">
             <a:extLst>
               <a:ext uri="{FF2B5EF4-FFF2-40B4-BE49-F238E27FC236}">
-                <a16:creationId xmlns:a16="http://schemas.microsoft.com/office/drawing/2014/main" id="{30789F1A-31CD-4686-8537-C4C98B6B1B3C}"/>
+                <a16:creationId xmlns:a16="http://schemas.microsoft.com/office/drawing/2014/main" id="{62E65BBF-F67E-4035-93D9-2DD181D6DB2A}"/>
               </a:ext>
             </a:extLst>
           </p:cNvPr>
@@ -5054,8 +5309,8 @@
         </p:nvSpPr>
         <p:spPr>
           <a:xfrm flipH="1">
-            <a:off x="5466644" y="3066382"/>
-            <a:ext cx="723712" cy="369332"/>
+            <a:off x="2231909" y="3611462"/>
+            <a:ext cx="1084199" cy="369332"/>
           </a:xfrm>
           <a:prstGeom prst="rect">
             <a:avLst/>
@@ -5070,17 +5325,17 @@
           <a:p>
             <a:r>
               <a:rPr lang="en-US" dirty="0"/>
-              <a:t>I2C1</a:t>
-            </a:r>
-          </a:p>
-        </p:txBody>
-      </p:sp>
-      <p:sp>
-        <p:nvSpPr>
-          <p:cNvPr id="120" name="テキスト ボックス 119">
+              <a:t>3.3V</a:t>
+            </a:r>
+          </a:p>
+        </p:txBody>
+      </p:sp>
+      <p:sp>
+        <p:nvSpPr>
+          <p:cNvPr id="53" name="テキスト ボックス 52">
             <a:extLst>
               <a:ext uri="{FF2B5EF4-FFF2-40B4-BE49-F238E27FC236}">
-                <a16:creationId xmlns:a16="http://schemas.microsoft.com/office/drawing/2014/main" id="{284DF59F-0571-4249-81A2-9EEB283DA460}"/>
+                <a16:creationId xmlns:a16="http://schemas.microsoft.com/office/drawing/2014/main" id="{2E5A79E4-D5F1-403C-84E3-92386CEC7F2D}"/>
               </a:ext>
             </a:extLst>
           </p:cNvPr>
@@ -5089,8 +5344,8 @@
         </p:nvSpPr>
         <p:spPr>
           <a:xfrm flipH="1">
-            <a:off x="5800734" y="1916454"/>
-            <a:ext cx="637009" cy="369332"/>
+            <a:off x="4157187" y="3894473"/>
+            <a:ext cx="1084199" cy="369332"/>
           </a:xfrm>
           <a:prstGeom prst="rect">
             <a:avLst/>
@@ -5105,17 +5360,17 @@
           <a:p>
             <a:r>
               <a:rPr lang="en-US" dirty="0"/>
-              <a:t>I2C2</a:t>
-            </a:r>
-          </a:p>
-        </p:txBody>
-      </p:sp>
-      <p:sp>
-        <p:nvSpPr>
-          <p:cNvPr id="121" name="テキスト ボックス 120">
+              <a:t>UART</a:t>
+            </a:r>
+          </a:p>
+        </p:txBody>
+      </p:sp>
+      <p:sp>
+        <p:nvSpPr>
+          <p:cNvPr id="54" name="テキスト ボックス 53">
             <a:extLst>
               <a:ext uri="{FF2B5EF4-FFF2-40B4-BE49-F238E27FC236}">
-                <a16:creationId xmlns:a16="http://schemas.microsoft.com/office/drawing/2014/main" id="{BEC4303C-2AAF-457E-9B69-B7736F56CD12}"/>
+                <a16:creationId xmlns:a16="http://schemas.microsoft.com/office/drawing/2014/main" id="{DA5B8B8C-0C54-48F8-B104-63B0D0048BCB}"/>
               </a:ext>
             </a:extLst>
           </p:cNvPr>
@@ -5124,8 +5379,8 @@
         </p:nvSpPr>
         <p:spPr>
           <a:xfrm flipH="1">
-            <a:off x="3976550" y="2623031"/>
-            <a:ext cx="637009" cy="369332"/>
+            <a:off x="127895" y="3111541"/>
+            <a:ext cx="2779924" cy="523220"/>
           </a:xfrm>
           <a:prstGeom prst="rect">
             <a:avLst/>
@@ -5139,43 +5394,8 @@
           <a:lstStyle/>
           <a:p>
             <a:r>
-              <a:rPr lang="en-US" dirty="0"/>
-              <a:t>I2C2</a:t>
-            </a:r>
-          </a:p>
-        </p:txBody>
-      </p:sp>
-      <p:sp>
-        <p:nvSpPr>
-          <p:cNvPr id="122" name="テキスト ボックス 121">
-            <a:extLst>
-              <a:ext uri="{FF2B5EF4-FFF2-40B4-BE49-F238E27FC236}">
-                <a16:creationId xmlns:a16="http://schemas.microsoft.com/office/drawing/2014/main" id="{7F58B893-0EDE-4ECA-8378-4C3CAD1377E3}"/>
-              </a:ext>
-            </a:extLst>
-          </p:cNvPr>
-          <p:cNvSpPr txBox="1"/>
-          <p:nvPr/>
-        </p:nvSpPr>
-        <p:spPr>
-          <a:xfrm flipH="1">
-            <a:off x="3668156" y="3671498"/>
-            <a:ext cx="1084199" cy="369332"/>
-          </a:xfrm>
-          <a:prstGeom prst="rect">
-            <a:avLst/>
-          </a:prstGeom>
-          <a:noFill/>
-        </p:spPr>
-        <p:txBody>
-          <a:bodyPr wrap="square" rtlCol="0">
-            <a:spAutoFit/>
-          </a:bodyPr>
-          <a:lstStyle/>
-          <a:p>
-            <a:r>
-              <a:rPr lang="en-US" dirty="0"/>
-              <a:t>5V</a:t>
+              <a:rPr lang="en-US" sz="1400" dirty="0"/>
+              <a:t>ESP-WROOM-02 is in sleep mode while running</a:t>
             </a:r>
           </a:p>
         </p:txBody>

--- a/doc/network.pptx
+++ b/doc/network.pptx
@@ -247,7 +247,7 @@
           <a:p>
             <a:fld id="{0588DB89-F6CE-4EE7-AE23-362350B0A563}" type="datetimeFigureOut">
               <a:rPr lang="en-US" smtClean="0"/>
-              <a:t>7/10/2017</a:t>
+              <a:t>7/11/2017</a:t>
             </a:fld>
             <a:endParaRPr lang="en-US"/>
           </a:p>
@@ -449,7 +449,7 @@
           <a:p>
             <a:fld id="{0588DB89-F6CE-4EE7-AE23-362350B0A563}" type="datetimeFigureOut">
               <a:rPr lang="en-US" smtClean="0"/>
-              <a:t>7/10/2017</a:t>
+              <a:t>7/11/2017</a:t>
             </a:fld>
             <a:endParaRPr lang="en-US"/>
           </a:p>
@@ -661,7 +661,7 @@
           <a:p>
             <a:fld id="{0588DB89-F6CE-4EE7-AE23-362350B0A563}" type="datetimeFigureOut">
               <a:rPr lang="en-US" smtClean="0"/>
-              <a:t>7/10/2017</a:t>
+              <a:t>7/11/2017</a:t>
             </a:fld>
             <a:endParaRPr lang="en-US"/>
           </a:p>
@@ -863,7 +863,7 @@
           <a:p>
             <a:fld id="{0588DB89-F6CE-4EE7-AE23-362350B0A563}" type="datetimeFigureOut">
               <a:rPr lang="en-US" smtClean="0"/>
-              <a:t>7/10/2017</a:t>
+              <a:t>7/11/2017</a:t>
             </a:fld>
             <a:endParaRPr lang="en-US"/>
           </a:p>
@@ -1107,7 +1107,7 @@
           <a:p>
             <a:fld id="{0588DB89-F6CE-4EE7-AE23-362350B0A563}" type="datetimeFigureOut">
               <a:rPr lang="en-US" smtClean="0"/>
-              <a:t>7/10/2017</a:t>
+              <a:t>7/11/2017</a:t>
             </a:fld>
             <a:endParaRPr lang="en-US"/>
           </a:p>
@@ -1403,7 +1403,7 @@
           <a:p>
             <a:fld id="{0588DB89-F6CE-4EE7-AE23-362350B0A563}" type="datetimeFigureOut">
               <a:rPr lang="en-US" smtClean="0"/>
-              <a:t>7/10/2017</a:t>
+              <a:t>7/11/2017</a:t>
             </a:fld>
             <a:endParaRPr lang="en-US"/>
           </a:p>
@@ -1834,7 +1834,7 @@
           <a:p>
             <a:fld id="{0588DB89-F6CE-4EE7-AE23-362350B0A563}" type="datetimeFigureOut">
               <a:rPr lang="en-US" smtClean="0"/>
-              <a:t>7/10/2017</a:t>
+              <a:t>7/11/2017</a:t>
             </a:fld>
             <a:endParaRPr lang="en-US"/>
           </a:p>
@@ -1952,7 +1952,7 @@
           <a:p>
             <a:fld id="{0588DB89-F6CE-4EE7-AE23-362350B0A563}" type="datetimeFigureOut">
               <a:rPr lang="en-US" smtClean="0"/>
-              <a:t>7/10/2017</a:t>
+              <a:t>7/11/2017</a:t>
             </a:fld>
             <a:endParaRPr lang="en-US"/>
           </a:p>
@@ -2047,7 +2047,7 @@
           <a:p>
             <a:fld id="{0588DB89-F6CE-4EE7-AE23-362350B0A563}" type="datetimeFigureOut">
               <a:rPr lang="en-US" smtClean="0"/>
-              <a:t>7/10/2017</a:t>
+              <a:t>7/11/2017</a:t>
             </a:fld>
             <a:endParaRPr lang="en-US"/>
           </a:p>
@@ -2356,7 +2356,7 @@
           <a:p>
             <a:fld id="{0588DB89-F6CE-4EE7-AE23-362350B0A563}" type="datetimeFigureOut">
               <a:rPr lang="en-US" smtClean="0"/>
-              <a:t>7/10/2017</a:t>
+              <a:t>7/11/2017</a:t>
             </a:fld>
             <a:endParaRPr lang="en-US"/>
           </a:p>
@@ -2613,7 +2613,7 @@
           <a:p>
             <a:fld id="{0588DB89-F6CE-4EE7-AE23-362350B0A563}" type="datetimeFigureOut">
               <a:rPr lang="en-US" smtClean="0"/>
-              <a:t>7/10/2017</a:t>
+              <a:t>7/11/2017</a:t>
             </a:fld>
             <a:endParaRPr lang="en-US"/>
           </a:p>
@@ -2858,7 +2858,7 @@
           <a:p>
             <a:fld id="{0588DB89-F6CE-4EE7-AE23-362350B0A563}" type="datetimeFigureOut">
               <a:rPr lang="en-US" smtClean="0"/>
-              <a:t>7/10/2017</a:t>
+              <a:t>7/11/2017</a:t>
             </a:fld>
             <a:endParaRPr lang="en-US"/>
           </a:p>
@@ -3992,7 +3992,7 @@
         </p:nvSpPr>
         <p:spPr>
           <a:xfrm>
-            <a:off x="1613133" y="3821465"/>
+            <a:off x="1714363" y="3791411"/>
             <a:ext cx="933450" cy="448723"/>
           </a:xfrm>
           <a:prstGeom prst="rect">
@@ -4161,7 +4161,7 @@
         </p:nvSpPr>
         <p:spPr>
           <a:xfrm>
-            <a:off x="4030319" y="4393836"/>
+            <a:off x="1693514" y="3303945"/>
             <a:ext cx="933450" cy="448723"/>
           </a:xfrm>
           <a:prstGeom prst="rect">
@@ -4213,7 +4213,7 @@
             <a:pPr algn="ctr"/>
             <a:r>
               <a:rPr lang="en-US" sz="900" dirty="0"/>
-              <a:t>128KB</a:t>
+              <a:t>1Mbits</a:t>
             </a:r>
           </a:p>
           <a:p>
@@ -4276,7 +4276,7 @@
         </p:nvCxnSpPr>
         <p:spPr>
           <a:xfrm>
-            <a:off x="3905352" y="4269471"/>
+            <a:off x="1540839" y="3419730"/>
             <a:ext cx="0" cy="708852"/>
           </a:xfrm>
           <a:prstGeom prst="line">
@@ -4509,13 +4509,12 @@
           </p:cNvPr>
           <p:cNvCxnSpPr>
             <a:cxnSpLocks/>
-            <a:stCxn id="62" idx="1"/>
           </p:cNvCxnSpPr>
           <p:nvPr/>
         </p:nvCxnSpPr>
         <p:spPr>
           <a:xfrm flipH="1">
-            <a:off x="3923829" y="4618198"/>
+            <a:off x="1559317" y="3620670"/>
             <a:ext cx="106490" cy="21503"/>
           </a:xfrm>
           <a:prstGeom prst="line">
@@ -4558,7 +4557,7 @@
         </p:nvCxnSpPr>
         <p:spPr>
           <a:xfrm flipH="1">
-            <a:off x="3780671" y="4318010"/>
+            <a:off x="1573175" y="3976268"/>
             <a:ext cx="106490" cy="21503"/>
           </a:xfrm>
           <a:prstGeom prst="line">
@@ -4924,8 +4923,8 @@
         </p:nvCxnSpPr>
         <p:spPr>
           <a:xfrm rot="5400000">
-            <a:off x="4087073" y="3581271"/>
-            <a:ext cx="321589" cy="970555"/>
+            <a:off x="4087072" y="3581270"/>
+            <a:ext cx="321589" cy="970556"/>
           </a:xfrm>
           <a:prstGeom prst="curvedConnector2">
             <a:avLst/>
@@ -5016,11 +5015,11 @@
         <p:spPr>
           <a:xfrm>
             <a:off x="3735342" y="3703794"/>
-            <a:ext cx="27247" cy="523549"/>
+            <a:ext cx="27246" cy="523549"/>
           </a:xfrm>
           <a:prstGeom prst="curvedConnector3">
             <a:avLst>
-              <a:gd name="adj1" fmla="val 938991"/>
+              <a:gd name="adj1" fmla="val 939022"/>
             </a:avLst>
           </a:prstGeom>
           <a:ln w="28575">
@@ -5198,8 +5197,8 @@
         </p:nvSpPr>
         <p:spPr>
           <a:xfrm>
-            <a:off x="2829139" y="4002981"/>
-            <a:ext cx="933450" cy="448723"/>
+            <a:off x="3079527" y="4002981"/>
+            <a:ext cx="683061" cy="448723"/>
           </a:xfrm>
           <a:prstGeom prst="rect">
             <a:avLst/>
@@ -5243,7 +5242,7 @@
             <a:pPr algn="ctr"/>
             <a:r>
               <a:rPr lang="en-US" sz="900" dirty="0"/>
-              <a:t>Application block</a:t>
+              <a:t>Logic level shifter</a:t>
             </a:r>
           </a:p>
         </p:txBody>
@@ -5266,8 +5265,8 @@
         </p:nvCxnSpPr>
         <p:spPr>
           <a:xfrm rot="10800000">
-            <a:off x="2546583" y="4045827"/>
-            <a:ext cx="282556" cy="181516"/>
+            <a:off x="2647813" y="4015773"/>
+            <a:ext cx="431714" cy="211570"/>
           </a:xfrm>
           <a:prstGeom prst="curvedConnector3">
             <a:avLst>
@@ -5309,7 +5308,7 @@
         </p:nvSpPr>
         <p:spPr>
           <a:xfrm flipH="1">
-            <a:off x="2231909" y="3611462"/>
+            <a:off x="2585642" y="3823829"/>
             <a:ext cx="1084199" cy="369332"/>
           </a:xfrm>
           <a:prstGeom prst="rect">
@@ -5344,7 +5343,7 @@
         </p:nvSpPr>
         <p:spPr>
           <a:xfrm flipH="1">
-            <a:off x="4157187" y="3894473"/>
+            <a:off x="4157187" y="3895759"/>
             <a:ext cx="1084199" cy="369332"/>
           </a:xfrm>
           <a:prstGeom prst="rect">
@@ -5365,12 +5364,57 @@
           </a:p>
         </p:txBody>
       </p:sp>
-      <p:sp>
-        <p:nvSpPr>
-          <p:cNvPr id="54" name="テキスト ボックス 53">
+      <p:cxnSp>
+        <p:nvCxnSpPr>
+          <p:cNvPr id="60" name="コネクタ: 曲線 59">
             <a:extLst>
               <a:ext uri="{FF2B5EF4-FFF2-40B4-BE49-F238E27FC236}">
-                <a16:creationId xmlns:a16="http://schemas.microsoft.com/office/drawing/2014/main" id="{DA5B8B8C-0C54-48F8-B104-63B0D0048BCB}"/>
+                <a16:creationId xmlns:a16="http://schemas.microsoft.com/office/drawing/2014/main" id="{18B9A855-5C5F-440D-BFC9-DAA04337FE61}"/>
+              </a:ext>
+            </a:extLst>
+          </p:cNvPr>
+          <p:cNvCxnSpPr>
+            <a:cxnSpLocks/>
+          </p:cNvCxnSpPr>
+          <p:nvPr/>
+        </p:nvCxnSpPr>
+        <p:spPr>
+          <a:xfrm rot="10800000">
+            <a:off x="2647813" y="4080425"/>
+            <a:ext cx="431714" cy="211570"/>
+          </a:xfrm>
+          <a:prstGeom prst="curvedConnector3">
+            <a:avLst>
+              <a:gd name="adj1" fmla="val 50000"/>
+            </a:avLst>
+          </a:prstGeom>
+          <a:ln w="28575">
+            <a:solidFill>
+              <a:srgbClr val="00B0F0"/>
+            </a:solidFill>
+          </a:ln>
+        </p:spPr>
+        <p:style>
+          <a:lnRef idx="1">
+            <a:schemeClr val="accent1"/>
+          </a:lnRef>
+          <a:fillRef idx="0">
+            <a:schemeClr val="accent1"/>
+          </a:fillRef>
+          <a:effectRef idx="0">
+            <a:schemeClr val="accent1"/>
+          </a:effectRef>
+          <a:fontRef idx="minor">
+            <a:schemeClr val="tx1"/>
+          </a:fontRef>
+        </p:style>
+      </p:cxnSp>
+      <p:sp>
+        <p:nvSpPr>
+          <p:cNvPr id="71" name="テキスト ボックス 70">
+            <a:extLst>
+              <a:ext uri="{FF2B5EF4-FFF2-40B4-BE49-F238E27FC236}">
+                <a16:creationId xmlns:a16="http://schemas.microsoft.com/office/drawing/2014/main" id="{49BB6EBF-9D5E-4F65-8BB9-B23E98C89048}"/>
               </a:ext>
             </a:extLst>
           </p:cNvPr>
@@ -5379,8 +5423,8 @@
         </p:nvSpPr>
         <p:spPr>
           <a:xfrm flipH="1">
-            <a:off x="127895" y="3111541"/>
-            <a:ext cx="2779924" cy="523220"/>
+            <a:off x="2425368" y="4186700"/>
+            <a:ext cx="1084199" cy="369332"/>
           </a:xfrm>
           <a:prstGeom prst="rect">
             <a:avLst/>
@@ -5394,8 +5438,8 @@
           <a:lstStyle/>
           <a:p>
             <a:r>
-              <a:rPr lang="en-US" sz="1400" dirty="0"/>
-              <a:t>ESP-WROOM-02 is in sleep mode while running</a:t>
+              <a:rPr lang="en-US" dirty="0"/>
+              <a:t>UART</a:t>
             </a:r>
           </a:p>
         </p:txBody>

--- a/doc/network.pptx
+++ b/doc/network.pptx
@@ -247,7 +247,7 @@
           <a:p>
             <a:fld id="{0588DB89-F6CE-4EE7-AE23-362350B0A563}" type="datetimeFigureOut">
               <a:rPr lang="en-US" smtClean="0"/>
-              <a:t>7/11/2017</a:t>
+              <a:t>7/13/2017</a:t>
             </a:fld>
             <a:endParaRPr lang="en-US"/>
           </a:p>
@@ -449,7 +449,7 @@
           <a:p>
             <a:fld id="{0588DB89-F6CE-4EE7-AE23-362350B0A563}" type="datetimeFigureOut">
               <a:rPr lang="en-US" smtClean="0"/>
-              <a:t>7/11/2017</a:t>
+              <a:t>7/13/2017</a:t>
             </a:fld>
             <a:endParaRPr lang="en-US"/>
           </a:p>
@@ -661,7 +661,7 @@
           <a:p>
             <a:fld id="{0588DB89-F6CE-4EE7-AE23-362350B0A563}" type="datetimeFigureOut">
               <a:rPr lang="en-US" smtClean="0"/>
-              <a:t>7/11/2017</a:t>
+              <a:t>7/13/2017</a:t>
             </a:fld>
             <a:endParaRPr lang="en-US"/>
           </a:p>
@@ -863,7 +863,7 @@
           <a:p>
             <a:fld id="{0588DB89-F6CE-4EE7-AE23-362350B0A563}" type="datetimeFigureOut">
               <a:rPr lang="en-US" smtClean="0"/>
-              <a:t>7/11/2017</a:t>
+              <a:t>7/13/2017</a:t>
             </a:fld>
             <a:endParaRPr lang="en-US"/>
           </a:p>
@@ -1107,7 +1107,7 @@
           <a:p>
             <a:fld id="{0588DB89-F6CE-4EE7-AE23-362350B0A563}" type="datetimeFigureOut">
               <a:rPr lang="en-US" smtClean="0"/>
-              <a:t>7/11/2017</a:t>
+              <a:t>7/13/2017</a:t>
             </a:fld>
             <a:endParaRPr lang="en-US"/>
           </a:p>
@@ -1403,7 +1403,7 @@
           <a:p>
             <a:fld id="{0588DB89-F6CE-4EE7-AE23-362350B0A563}" type="datetimeFigureOut">
               <a:rPr lang="en-US" smtClean="0"/>
-              <a:t>7/11/2017</a:t>
+              <a:t>7/13/2017</a:t>
             </a:fld>
             <a:endParaRPr lang="en-US"/>
           </a:p>
@@ -1834,7 +1834,7 @@
           <a:p>
             <a:fld id="{0588DB89-F6CE-4EE7-AE23-362350B0A563}" type="datetimeFigureOut">
               <a:rPr lang="en-US" smtClean="0"/>
-              <a:t>7/11/2017</a:t>
+              <a:t>7/13/2017</a:t>
             </a:fld>
             <a:endParaRPr lang="en-US"/>
           </a:p>
@@ -1952,7 +1952,7 @@
           <a:p>
             <a:fld id="{0588DB89-F6CE-4EE7-AE23-362350B0A563}" type="datetimeFigureOut">
               <a:rPr lang="en-US" smtClean="0"/>
-              <a:t>7/11/2017</a:t>
+              <a:t>7/13/2017</a:t>
             </a:fld>
             <a:endParaRPr lang="en-US"/>
           </a:p>
@@ -2047,7 +2047,7 @@
           <a:p>
             <a:fld id="{0588DB89-F6CE-4EE7-AE23-362350B0A563}" type="datetimeFigureOut">
               <a:rPr lang="en-US" smtClean="0"/>
-              <a:t>7/11/2017</a:t>
+              <a:t>7/13/2017</a:t>
             </a:fld>
             <a:endParaRPr lang="en-US"/>
           </a:p>
@@ -2356,7 +2356,7 @@
           <a:p>
             <a:fld id="{0588DB89-F6CE-4EE7-AE23-362350B0A563}" type="datetimeFigureOut">
               <a:rPr lang="en-US" smtClean="0"/>
-              <a:t>7/11/2017</a:t>
+              <a:t>7/13/2017</a:t>
             </a:fld>
             <a:endParaRPr lang="en-US"/>
           </a:p>
@@ -2613,7 +2613,7 @@
           <a:p>
             <a:fld id="{0588DB89-F6CE-4EE7-AE23-362350B0A563}" type="datetimeFigureOut">
               <a:rPr lang="en-US" smtClean="0"/>
-              <a:t>7/11/2017</a:t>
+              <a:t>7/13/2017</a:t>
             </a:fld>
             <a:endParaRPr lang="en-US"/>
           </a:p>
@@ -2858,7 +2858,7 @@
           <a:p>
             <a:fld id="{0588DB89-F6CE-4EE7-AE23-362350B0A563}" type="datetimeFigureOut">
               <a:rPr lang="en-US" smtClean="0"/>
-              <a:t>7/11/2017</a:t>
+              <a:t>7/13/2017</a:t>
             </a:fld>
             <a:endParaRPr lang="en-US"/>
           </a:p>
@@ -4206,21 +4206,14 @@
             <a:pPr algn="ctr"/>
             <a:r>
               <a:rPr lang="en-US" sz="900" dirty="0"/>
-              <a:t>EEPROM</a:t>
+              <a:t>SD memory</a:t>
             </a:r>
           </a:p>
           <a:p>
             <a:pPr algn="ctr"/>
             <a:r>
               <a:rPr lang="en-US" sz="900" dirty="0"/>
-              <a:t>1Mbits</a:t>
-            </a:r>
-          </a:p>
-          <a:p>
-            <a:pPr algn="ctr"/>
-            <a:r>
-              <a:rPr lang="en-US" sz="900" dirty="0"/>
-              <a:t>(I2C)</a:t>
+              <a:t>8GB</a:t>
             </a:r>
           </a:p>
         </p:txBody>
@@ -4284,7 +4277,10 @@
           </a:prstGeom>
           <a:ln w="57150">
             <a:solidFill>
-              <a:srgbClr val="92D050"/>
+              <a:schemeClr val="accent2">
+                <a:lumMod val="60000"/>
+                <a:lumOff val="40000"/>
+              </a:schemeClr>
             </a:solidFill>
           </a:ln>
         </p:spPr>
@@ -4522,7 +4518,10 @@
           </a:prstGeom>
           <a:ln w="57150">
             <a:solidFill>
-              <a:srgbClr val="92D050"/>
+              <a:schemeClr val="accent2">
+                <a:lumMod val="60000"/>
+                <a:lumOff val="40000"/>
+              </a:schemeClr>
             </a:solidFill>
           </a:ln>
         </p:spPr>
@@ -4557,7 +4556,7 @@
         </p:nvCxnSpPr>
         <p:spPr>
           <a:xfrm flipH="1">
-            <a:off x="1573175" y="3976268"/>
+            <a:off x="1582411" y="3976268"/>
             <a:ext cx="106490" cy="21503"/>
           </a:xfrm>
           <a:prstGeom prst="line">
@@ -4565,7 +4564,10 @@
           </a:prstGeom>
           <a:ln w="57150">
             <a:solidFill>
-              <a:srgbClr val="92D050"/>
+              <a:schemeClr val="accent2">
+                <a:lumMod val="60000"/>
+                <a:lumOff val="40000"/>
+              </a:schemeClr>
             </a:solidFill>
           </a:ln>
         </p:spPr>
@@ -5440,6 +5442,41 @@
             <a:r>
               <a:rPr lang="en-US" dirty="0"/>
               <a:t>UART</a:t>
+            </a:r>
+          </a:p>
+        </p:txBody>
+      </p:sp>
+      <p:sp>
+        <p:nvSpPr>
+          <p:cNvPr id="54" name="テキスト ボックス 53">
+            <a:extLst>
+              <a:ext uri="{FF2B5EF4-FFF2-40B4-BE49-F238E27FC236}">
+                <a16:creationId xmlns:a16="http://schemas.microsoft.com/office/drawing/2014/main" id="{1F398B89-274C-4F4D-9776-0D8938A9BB9D}"/>
+              </a:ext>
+            </a:extLst>
+          </p:cNvPr>
+          <p:cNvSpPr txBox="1"/>
+          <p:nvPr/>
+        </p:nvSpPr>
+        <p:spPr>
+          <a:xfrm flipH="1">
+            <a:off x="1200081" y="3101909"/>
+            <a:ext cx="637009" cy="369332"/>
+          </a:xfrm>
+          <a:prstGeom prst="rect">
+            <a:avLst/>
+          </a:prstGeom>
+          <a:noFill/>
+        </p:spPr>
+        <p:txBody>
+          <a:bodyPr wrap="square" rtlCol="0">
+            <a:spAutoFit/>
+          </a:bodyPr>
+          <a:lstStyle/>
+          <a:p>
+            <a:r>
+              <a:rPr lang="en-US" dirty="0"/>
+              <a:t>SPI</a:t>
             </a:r>
           </a:p>
         </p:txBody>

--- a/doc/network.pptx
+++ b/doc/network.pptx
@@ -247,7 +247,7 @@
           <a:p>
             <a:fld id="{0588DB89-F6CE-4EE7-AE23-362350B0A563}" type="datetimeFigureOut">
               <a:rPr lang="en-US" smtClean="0"/>
-              <a:t>7/13/2017</a:t>
+              <a:t>7/16/2017</a:t>
             </a:fld>
             <a:endParaRPr lang="en-US"/>
           </a:p>
@@ -449,7 +449,7 @@
           <a:p>
             <a:fld id="{0588DB89-F6CE-4EE7-AE23-362350B0A563}" type="datetimeFigureOut">
               <a:rPr lang="en-US" smtClean="0"/>
-              <a:t>7/13/2017</a:t>
+              <a:t>7/16/2017</a:t>
             </a:fld>
             <a:endParaRPr lang="en-US"/>
           </a:p>
@@ -661,7 +661,7 @@
           <a:p>
             <a:fld id="{0588DB89-F6CE-4EE7-AE23-362350B0A563}" type="datetimeFigureOut">
               <a:rPr lang="en-US" smtClean="0"/>
-              <a:t>7/13/2017</a:t>
+              <a:t>7/16/2017</a:t>
             </a:fld>
             <a:endParaRPr lang="en-US"/>
           </a:p>
@@ -863,7 +863,7 @@
           <a:p>
             <a:fld id="{0588DB89-F6CE-4EE7-AE23-362350B0A563}" type="datetimeFigureOut">
               <a:rPr lang="en-US" smtClean="0"/>
-              <a:t>7/13/2017</a:t>
+              <a:t>7/16/2017</a:t>
             </a:fld>
             <a:endParaRPr lang="en-US"/>
           </a:p>
@@ -1107,7 +1107,7 @@
           <a:p>
             <a:fld id="{0588DB89-F6CE-4EE7-AE23-362350B0A563}" type="datetimeFigureOut">
               <a:rPr lang="en-US" smtClean="0"/>
-              <a:t>7/13/2017</a:t>
+              <a:t>7/16/2017</a:t>
             </a:fld>
             <a:endParaRPr lang="en-US"/>
           </a:p>
@@ -1403,7 +1403,7 @@
           <a:p>
             <a:fld id="{0588DB89-F6CE-4EE7-AE23-362350B0A563}" type="datetimeFigureOut">
               <a:rPr lang="en-US" smtClean="0"/>
-              <a:t>7/13/2017</a:t>
+              <a:t>7/16/2017</a:t>
             </a:fld>
             <a:endParaRPr lang="en-US"/>
           </a:p>
@@ -1834,7 +1834,7 @@
           <a:p>
             <a:fld id="{0588DB89-F6CE-4EE7-AE23-362350B0A563}" type="datetimeFigureOut">
               <a:rPr lang="en-US" smtClean="0"/>
-              <a:t>7/13/2017</a:t>
+              <a:t>7/16/2017</a:t>
             </a:fld>
             <a:endParaRPr lang="en-US"/>
           </a:p>
@@ -1952,7 +1952,7 @@
           <a:p>
             <a:fld id="{0588DB89-F6CE-4EE7-AE23-362350B0A563}" type="datetimeFigureOut">
               <a:rPr lang="en-US" smtClean="0"/>
-              <a:t>7/13/2017</a:t>
+              <a:t>7/16/2017</a:t>
             </a:fld>
             <a:endParaRPr lang="en-US"/>
           </a:p>
@@ -2047,7 +2047,7 @@
           <a:p>
             <a:fld id="{0588DB89-F6CE-4EE7-AE23-362350B0A563}" type="datetimeFigureOut">
               <a:rPr lang="en-US" smtClean="0"/>
-              <a:t>7/13/2017</a:t>
+              <a:t>7/16/2017</a:t>
             </a:fld>
             <a:endParaRPr lang="en-US"/>
           </a:p>
@@ -2356,7 +2356,7 @@
           <a:p>
             <a:fld id="{0588DB89-F6CE-4EE7-AE23-362350B0A563}" type="datetimeFigureOut">
               <a:rPr lang="en-US" smtClean="0"/>
-              <a:t>7/13/2017</a:t>
+              <a:t>7/16/2017</a:t>
             </a:fld>
             <a:endParaRPr lang="en-US"/>
           </a:p>
@@ -2613,7 +2613,7 @@
           <a:p>
             <a:fld id="{0588DB89-F6CE-4EE7-AE23-362350B0A563}" type="datetimeFigureOut">
               <a:rPr lang="en-US" smtClean="0"/>
-              <a:t>7/13/2017</a:t>
+              <a:t>7/16/2017</a:t>
             </a:fld>
             <a:endParaRPr lang="en-US"/>
           </a:p>
@@ -2858,7 +2858,7 @@
           <a:p>
             <a:fld id="{0588DB89-F6CE-4EE7-AE23-362350B0A563}" type="datetimeFigureOut">
               <a:rPr lang="en-US" smtClean="0"/>
-              <a:t>7/13/2017</a:t>
+              <a:t>7/16/2017</a:t>
             </a:fld>
             <a:endParaRPr lang="en-US"/>
           </a:p>
@@ -3323,7 +3323,7 @@
         </p:nvSpPr>
         <p:spPr>
           <a:xfrm>
-            <a:off x="2724229" y="2498887"/>
+            <a:off x="3979027" y="3653129"/>
             <a:ext cx="933450" cy="448723"/>
           </a:xfrm>
           <a:prstGeom prst="rect">
@@ -3389,7 +3389,7 @@
         </p:nvSpPr>
         <p:spPr>
           <a:xfrm>
-            <a:off x="2726541" y="2954891"/>
+            <a:off x="5196990" y="3446238"/>
             <a:ext cx="933450" cy="448723"/>
           </a:xfrm>
           <a:prstGeom prst="rect">
@@ -3455,7 +3455,7 @@
         </p:nvSpPr>
         <p:spPr>
           <a:xfrm>
-            <a:off x="4266419" y="3457031"/>
+            <a:off x="6676533" y="2710745"/>
             <a:ext cx="933450" cy="448723"/>
           </a:xfrm>
           <a:prstGeom prst="rect">
@@ -3582,7 +3582,7 @@
         </p:nvSpPr>
         <p:spPr>
           <a:xfrm>
-            <a:off x="6267460" y="3250047"/>
+            <a:off x="6330293" y="2168547"/>
             <a:ext cx="933450" cy="448723"/>
           </a:xfrm>
           <a:prstGeom prst="rect">
@@ -3652,13 +3652,13 @@
         </p:nvCxnSpPr>
         <p:spPr>
           <a:xfrm rot="16200000" flipV="1">
-            <a:off x="7078769" y="4045762"/>
-            <a:ext cx="580446" cy="336147"/>
+            <a:off x="6916063" y="3883056"/>
+            <a:ext cx="1014547" cy="227459"/>
           </a:xfrm>
           <a:prstGeom prst="curvedConnector2">
             <a:avLst/>
           </a:prstGeom>
-          <a:ln w="28575">
+          <a:ln w="38100">
             <a:solidFill>
               <a:srgbClr val="FFC000"/>
             </a:solidFill>
@@ -3693,7 +3693,7 @@
         </p:nvSpPr>
         <p:spPr>
           <a:xfrm>
-            <a:off x="6267468" y="3699251"/>
+            <a:off x="6376156" y="3265150"/>
             <a:ext cx="933450" cy="448723"/>
           </a:xfrm>
           <a:prstGeom prst="rect">
@@ -3860,65 +3860,6 @@
       </p:sp>
       <p:sp>
         <p:nvSpPr>
-          <p:cNvPr id="29" name="正方形/長方形 28">
-            <a:extLst>
-              <a:ext uri="{FF2B5EF4-FFF2-40B4-BE49-F238E27FC236}">
-                <a16:creationId xmlns:a16="http://schemas.microsoft.com/office/drawing/2014/main" id="{50A542D5-5CE0-4D55-AF12-6EC96A0E22D1}"/>
-              </a:ext>
-            </a:extLst>
-          </p:cNvPr>
-          <p:cNvSpPr/>
-          <p:nvPr/>
-        </p:nvSpPr>
-        <p:spPr>
-          <a:xfrm>
-            <a:off x="6640288" y="2473332"/>
-            <a:ext cx="933450" cy="448723"/>
-          </a:xfrm>
-          <a:prstGeom prst="rect">
-            <a:avLst/>
-          </a:prstGeom>
-          <a:solidFill>
-            <a:srgbClr val="00B050"/>
-          </a:solidFill>
-          <a:scene3d>
-            <a:camera prst="orthographicFront"/>
-            <a:lightRig rig="threePt" dir="t"/>
-          </a:scene3d>
-          <a:sp3d>
-            <a:bevelT/>
-          </a:sp3d>
-        </p:spPr>
-        <p:style>
-          <a:lnRef idx="2">
-            <a:schemeClr val="accent1">
-              <a:shade val="50000"/>
-            </a:schemeClr>
-          </a:lnRef>
-          <a:fillRef idx="1">
-            <a:schemeClr val="accent1"/>
-          </a:fillRef>
-          <a:effectRef idx="0">
-            <a:schemeClr val="accent1"/>
-          </a:effectRef>
-          <a:fontRef idx="minor">
-            <a:schemeClr val="lt1"/>
-          </a:fontRef>
-        </p:style>
-        <p:txBody>
-          <a:bodyPr rtlCol="0" anchor="ctr"/>
-          <a:lstStyle/>
-          <a:p>
-            <a:pPr algn="ctr"/>
-            <a:r>
-              <a:rPr lang="en-US" sz="1600" dirty="0"/>
-              <a:t>GPS</a:t>
-            </a:r>
-          </a:p>
-        </p:txBody>
-      </p:sp>
-      <p:sp>
-        <p:nvSpPr>
           <p:cNvPr id="56" name="正方形/長方形 55">
             <a:extLst>
               <a:ext uri="{FF2B5EF4-FFF2-40B4-BE49-F238E27FC236}">
@@ -3931,7 +3872,7 @@
         </p:nvSpPr>
         <p:spPr>
           <a:xfrm>
-            <a:off x="5994543" y="1369979"/>
+            <a:off x="5784922" y="892549"/>
             <a:ext cx="637413" cy="448723"/>
           </a:xfrm>
           <a:prstGeom prst="rect">
@@ -3980,72 +3921,6 @@
       </p:sp>
       <p:sp>
         <p:nvSpPr>
-          <p:cNvPr id="58" name="正方形/長方形 57">
-            <a:extLst>
-              <a:ext uri="{FF2B5EF4-FFF2-40B4-BE49-F238E27FC236}">
-                <a16:creationId xmlns:a16="http://schemas.microsoft.com/office/drawing/2014/main" id="{D654580A-A945-468E-A65F-1DC4E25DA9FA}"/>
-              </a:ext>
-            </a:extLst>
-          </p:cNvPr>
-          <p:cNvSpPr/>
-          <p:nvPr/>
-        </p:nvSpPr>
-        <p:spPr>
-          <a:xfrm>
-            <a:off x="1714363" y="3791411"/>
-            <a:ext cx="933450" cy="448723"/>
-          </a:xfrm>
-          <a:prstGeom prst="rect">
-            <a:avLst/>
-          </a:prstGeom>
-          <a:solidFill>
-            <a:schemeClr val="accent2">
-              <a:lumMod val="75000"/>
-            </a:schemeClr>
-          </a:solidFill>
-          <a:ln>
-            <a:solidFill>
-              <a:schemeClr val="accent1"/>
-            </a:solidFill>
-          </a:ln>
-          <a:scene3d>
-            <a:camera prst="orthographicFront"/>
-            <a:lightRig rig="threePt" dir="t"/>
-          </a:scene3d>
-          <a:sp3d>
-            <a:bevelT/>
-          </a:sp3d>
-        </p:spPr>
-        <p:style>
-          <a:lnRef idx="2">
-            <a:schemeClr val="accent1">
-              <a:shade val="50000"/>
-            </a:schemeClr>
-          </a:lnRef>
-          <a:fillRef idx="1">
-            <a:schemeClr val="accent1"/>
-          </a:fillRef>
-          <a:effectRef idx="0">
-            <a:schemeClr val="accent1"/>
-          </a:effectRef>
-          <a:fontRef idx="minor">
-            <a:schemeClr val="lt1"/>
-          </a:fontRef>
-        </p:style>
-        <p:txBody>
-          <a:bodyPr rtlCol="0" anchor="ctr"/>
-          <a:lstStyle/>
-          <a:p>
-            <a:pPr algn="ctr"/>
-            <a:r>
-              <a:rPr lang="en-US" sz="900" dirty="0"/>
-              <a:t>ESP-WROOM-02</a:t>
-            </a:r>
-          </a:p>
-        </p:txBody>
-      </p:sp>
-      <p:sp>
-        <p:nvSpPr>
           <p:cNvPr id="59" name="正方形/長方形 58">
             <a:extLst>
               <a:ext uri="{FF2B5EF4-FFF2-40B4-BE49-F238E27FC236}">
@@ -4058,7 +3933,7 @@
         </p:nvSpPr>
         <p:spPr>
           <a:xfrm>
-            <a:off x="2801892" y="3479432"/>
+            <a:off x="6583790" y="1453261"/>
             <a:ext cx="933450" cy="448723"/>
           </a:xfrm>
           <a:prstGeom prst="rect">
@@ -4104,762 +3979,12 @@
           <a:p>
             <a:pPr algn="ctr"/>
             <a:r>
-              <a:rPr lang="en-US" sz="1100" dirty="0"/>
-              <a:t>Battery</a:t>
-            </a:r>
-          </a:p>
-        </p:txBody>
-      </p:sp>
-      <p:cxnSp>
-        <p:nvCxnSpPr>
-          <p:cNvPr id="57" name="直線コネクタ 56">
-            <a:extLst>
-              <a:ext uri="{FF2B5EF4-FFF2-40B4-BE49-F238E27FC236}">
-                <a16:creationId xmlns:a16="http://schemas.microsoft.com/office/drawing/2014/main" id="{EE87F5A6-675B-4D32-840C-EC0B8BBA6335}"/>
-              </a:ext>
-            </a:extLst>
-          </p:cNvPr>
-          <p:cNvCxnSpPr/>
-          <p:nvPr/>
-        </p:nvCxnSpPr>
-        <p:spPr>
-          <a:xfrm>
-            <a:off x="3814620" y="2595418"/>
-            <a:ext cx="0" cy="708852"/>
-          </a:xfrm>
-          <a:prstGeom prst="line">
-            <a:avLst/>
-          </a:prstGeom>
-          <a:ln w="57150"/>
-        </p:spPr>
-        <p:style>
-          <a:lnRef idx="1">
-            <a:schemeClr val="accent1"/>
-          </a:lnRef>
-          <a:fillRef idx="0">
-            <a:schemeClr val="accent1"/>
-          </a:fillRef>
-          <a:effectRef idx="0">
-            <a:schemeClr val="accent1"/>
-          </a:effectRef>
-          <a:fontRef idx="minor">
-            <a:schemeClr val="tx1"/>
-          </a:fontRef>
-        </p:style>
-      </p:cxnSp>
-      <p:sp>
-        <p:nvSpPr>
-          <p:cNvPr id="62" name="正方形/長方形 61">
-            <a:extLst>
-              <a:ext uri="{FF2B5EF4-FFF2-40B4-BE49-F238E27FC236}">
-                <a16:creationId xmlns:a16="http://schemas.microsoft.com/office/drawing/2014/main" id="{B648D1FD-ED5E-4913-8191-F943F815491A}"/>
-              </a:ext>
-            </a:extLst>
-          </p:cNvPr>
-          <p:cNvSpPr/>
-          <p:nvPr/>
-        </p:nvSpPr>
-        <p:spPr>
-          <a:xfrm>
-            <a:off x="1693514" y="3303945"/>
-            <a:ext cx="933450" cy="448723"/>
-          </a:xfrm>
-          <a:prstGeom prst="rect">
-            <a:avLst/>
-          </a:prstGeom>
-          <a:solidFill>
-            <a:srgbClr val="00B0F0"/>
-          </a:solidFill>
-          <a:ln>
-            <a:solidFill>
-              <a:schemeClr val="accent1"/>
-            </a:solidFill>
-          </a:ln>
-          <a:scene3d>
-            <a:camera prst="orthographicFront"/>
-            <a:lightRig rig="threePt" dir="t"/>
-          </a:scene3d>
-          <a:sp3d>
-            <a:bevelT/>
-          </a:sp3d>
-        </p:spPr>
-        <p:style>
-          <a:lnRef idx="2">
-            <a:schemeClr val="accent1">
-              <a:shade val="50000"/>
-            </a:schemeClr>
-          </a:lnRef>
-          <a:fillRef idx="1">
-            <a:schemeClr val="accent1"/>
-          </a:fillRef>
-          <a:effectRef idx="0">
-            <a:schemeClr val="accent1"/>
-          </a:effectRef>
-          <a:fontRef idx="minor">
-            <a:schemeClr val="lt1"/>
-          </a:fontRef>
-        </p:style>
-        <p:txBody>
-          <a:bodyPr rtlCol="0" anchor="ctr"/>
-          <a:lstStyle/>
-          <a:p>
-            <a:pPr algn="ctr"/>
-            <a:r>
-              <a:rPr lang="en-US" sz="900" dirty="0"/>
-              <a:t>SD memory</a:t>
-            </a:r>
-          </a:p>
-          <a:p>
-            <a:pPr algn="ctr"/>
-            <a:r>
-              <a:rPr lang="en-US" sz="900" dirty="0"/>
-              <a:t>8GB</a:t>
-            </a:r>
-          </a:p>
-        </p:txBody>
-      </p:sp>
-      <p:cxnSp>
-        <p:nvCxnSpPr>
-          <p:cNvPr id="64" name="直線コネクタ 63">
-            <a:extLst>
-              <a:ext uri="{FF2B5EF4-FFF2-40B4-BE49-F238E27FC236}">
-                <a16:creationId xmlns:a16="http://schemas.microsoft.com/office/drawing/2014/main" id="{B7304011-9B87-4113-8A35-A7D936BBEF6F}"/>
-              </a:ext>
-            </a:extLst>
-          </p:cNvPr>
-          <p:cNvCxnSpPr/>
-          <p:nvPr/>
-        </p:nvCxnSpPr>
-        <p:spPr>
-          <a:xfrm>
-            <a:off x="6117466" y="3331978"/>
-            <a:ext cx="0" cy="708852"/>
-          </a:xfrm>
-          <a:prstGeom prst="line">
-            <a:avLst/>
-          </a:prstGeom>
-          <a:ln w="57150"/>
-        </p:spPr>
-        <p:style>
-          <a:lnRef idx="1">
-            <a:schemeClr val="accent1"/>
-          </a:lnRef>
-          <a:fillRef idx="0">
-            <a:schemeClr val="accent1"/>
-          </a:fillRef>
-          <a:effectRef idx="0">
-            <a:schemeClr val="accent1"/>
-          </a:effectRef>
-          <a:fontRef idx="minor">
-            <a:schemeClr val="tx1"/>
-          </a:fontRef>
-        </p:style>
-      </p:cxnSp>
-      <p:cxnSp>
-        <p:nvCxnSpPr>
-          <p:cNvPr id="66" name="直線コネクタ 65">
-            <a:extLst>
-              <a:ext uri="{FF2B5EF4-FFF2-40B4-BE49-F238E27FC236}">
-                <a16:creationId xmlns:a16="http://schemas.microsoft.com/office/drawing/2014/main" id="{C11C988D-BC58-4752-953A-A7D090B593DD}"/>
-              </a:ext>
-            </a:extLst>
-          </p:cNvPr>
-          <p:cNvCxnSpPr/>
-          <p:nvPr/>
-        </p:nvCxnSpPr>
-        <p:spPr>
-          <a:xfrm>
-            <a:off x="1540839" y="3419730"/>
-            <a:ext cx="0" cy="708852"/>
-          </a:xfrm>
-          <a:prstGeom prst="line">
-            <a:avLst/>
-          </a:prstGeom>
-          <a:ln w="57150">
-            <a:solidFill>
-              <a:schemeClr val="accent2">
-                <a:lumMod val="60000"/>
-                <a:lumOff val="40000"/>
-              </a:schemeClr>
-            </a:solidFill>
-          </a:ln>
-        </p:spPr>
-        <p:style>
-          <a:lnRef idx="1">
-            <a:schemeClr val="accent1"/>
-          </a:lnRef>
-          <a:fillRef idx="0">
-            <a:schemeClr val="accent1"/>
-          </a:fillRef>
-          <a:effectRef idx="0">
-            <a:schemeClr val="accent1"/>
-          </a:effectRef>
-          <a:fontRef idx="minor">
-            <a:schemeClr val="tx1"/>
-          </a:fontRef>
-        </p:style>
-      </p:cxnSp>
-      <p:sp>
-        <p:nvSpPr>
-          <p:cNvPr id="68" name="フリーフォーム: 図形 67">
-            <a:extLst>
-              <a:ext uri="{FF2B5EF4-FFF2-40B4-BE49-F238E27FC236}">
-                <a16:creationId xmlns:a16="http://schemas.microsoft.com/office/drawing/2014/main" id="{C2CCA2B0-70D8-4C55-BBB2-854C7CEFA7F6}"/>
-              </a:ext>
-            </a:extLst>
-          </p:cNvPr>
-          <p:cNvSpPr/>
-          <p:nvPr/>
-        </p:nvSpPr>
-        <p:spPr>
-          <a:xfrm>
-            <a:off x="3937515" y="2835564"/>
-            <a:ext cx="3257612" cy="1482151"/>
-          </a:xfrm>
-          <a:custGeom>
-            <a:avLst/>
-            <a:gdLst>
-              <a:gd name="connsiteX0" fmla="*/ 24885 w 3257612"/>
-              <a:gd name="connsiteY0" fmla="*/ 0 h 1482151"/>
-              <a:gd name="connsiteX1" fmla="*/ 24885 w 3257612"/>
-              <a:gd name="connsiteY1" fmla="*/ 600363 h 1482151"/>
-              <a:gd name="connsiteX2" fmla="*/ 283503 w 3257612"/>
-              <a:gd name="connsiteY2" fmla="*/ 1339272 h 1482151"/>
-              <a:gd name="connsiteX3" fmla="*/ 477467 w 3257612"/>
-              <a:gd name="connsiteY3" fmla="*/ 1477818 h 1482151"/>
-              <a:gd name="connsiteX4" fmla="*/ 791503 w 3257612"/>
-              <a:gd name="connsiteY4" fmla="*/ 1394691 h 1482151"/>
-              <a:gd name="connsiteX5" fmla="*/ 1742849 w 3257612"/>
-              <a:gd name="connsiteY5" fmla="*/ 905163 h 1482151"/>
-              <a:gd name="connsiteX6" fmla="*/ 1982994 w 3257612"/>
-              <a:gd name="connsiteY6" fmla="*/ 563418 h 1482151"/>
-              <a:gd name="connsiteX7" fmla="*/ 2509467 w 3257612"/>
-              <a:gd name="connsiteY7" fmla="*/ 304800 h 1482151"/>
-              <a:gd name="connsiteX8" fmla="*/ 3063649 w 3257612"/>
-              <a:gd name="connsiteY8" fmla="*/ 249381 h 1482151"/>
-              <a:gd name="connsiteX9" fmla="*/ 3257612 w 3257612"/>
-              <a:gd name="connsiteY9" fmla="*/ 249381 h 1482151"/>
-            </a:gdLst>
-            <a:ahLst/>
-            <a:cxnLst>
-              <a:cxn ang="0">
-                <a:pos x="connsiteX0" y="connsiteY0"/>
-              </a:cxn>
-              <a:cxn ang="0">
-                <a:pos x="connsiteX1" y="connsiteY1"/>
-              </a:cxn>
-              <a:cxn ang="0">
-                <a:pos x="connsiteX2" y="connsiteY2"/>
-              </a:cxn>
-              <a:cxn ang="0">
-                <a:pos x="connsiteX3" y="connsiteY3"/>
-              </a:cxn>
-              <a:cxn ang="0">
-                <a:pos x="connsiteX4" y="connsiteY4"/>
-              </a:cxn>
-              <a:cxn ang="0">
-                <a:pos x="connsiteX5" y="connsiteY5"/>
-              </a:cxn>
-              <a:cxn ang="0">
-                <a:pos x="connsiteX6" y="connsiteY6"/>
-              </a:cxn>
-              <a:cxn ang="0">
-                <a:pos x="connsiteX7" y="connsiteY7"/>
-              </a:cxn>
-              <a:cxn ang="0">
-                <a:pos x="connsiteX8" y="connsiteY8"/>
-              </a:cxn>
-              <a:cxn ang="0">
-                <a:pos x="connsiteX9" y="connsiteY9"/>
-              </a:cxn>
-            </a:cxnLst>
-            <a:rect l="l" t="t" r="r" b="b"/>
-            <a:pathLst>
-              <a:path w="3257612" h="1482151">
-                <a:moveTo>
-                  <a:pt x="24885" y="0"/>
-                </a:moveTo>
-                <a:cubicBezTo>
-                  <a:pt x="3333" y="188575"/>
-                  <a:pt x="-18218" y="377151"/>
-                  <a:pt x="24885" y="600363"/>
-                </a:cubicBezTo>
-                <a:cubicBezTo>
-                  <a:pt x="67988" y="823575"/>
-                  <a:pt x="208073" y="1193030"/>
-                  <a:pt x="283503" y="1339272"/>
-                </a:cubicBezTo>
-                <a:cubicBezTo>
-                  <a:pt x="358933" y="1485514"/>
-                  <a:pt x="392800" y="1468582"/>
-                  <a:pt x="477467" y="1477818"/>
-                </a:cubicBezTo>
-                <a:cubicBezTo>
-                  <a:pt x="562134" y="1487054"/>
-                  <a:pt x="580606" y="1490134"/>
-                  <a:pt x="791503" y="1394691"/>
-                </a:cubicBezTo>
-                <a:cubicBezTo>
-                  <a:pt x="1002400" y="1299249"/>
-                  <a:pt x="1544267" y="1043708"/>
-                  <a:pt x="1742849" y="905163"/>
-                </a:cubicBezTo>
-                <a:cubicBezTo>
-                  <a:pt x="1941431" y="766618"/>
-                  <a:pt x="1855224" y="663478"/>
-                  <a:pt x="1982994" y="563418"/>
-                </a:cubicBezTo>
-                <a:cubicBezTo>
-                  <a:pt x="2110764" y="463358"/>
-                  <a:pt x="2329358" y="357139"/>
-                  <a:pt x="2509467" y="304800"/>
-                </a:cubicBezTo>
-                <a:cubicBezTo>
-                  <a:pt x="2689576" y="252461"/>
-                  <a:pt x="2938958" y="258618"/>
-                  <a:pt x="3063649" y="249381"/>
-                </a:cubicBezTo>
-                <a:cubicBezTo>
-                  <a:pt x="3188340" y="240144"/>
-                  <a:pt x="3222976" y="244762"/>
-                  <a:pt x="3257612" y="249381"/>
-                </a:cubicBezTo>
-              </a:path>
-            </a:pathLst>
-          </a:custGeom>
-          <a:noFill/>
-          <a:ln w="57150"/>
-        </p:spPr>
-        <p:style>
-          <a:lnRef idx="2">
-            <a:schemeClr val="accent1">
-              <a:shade val="50000"/>
-            </a:schemeClr>
-          </a:lnRef>
-          <a:fillRef idx="1">
-            <a:schemeClr val="accent1"/>
-          </a:fillRef>
-          <a:effectRef idx="0">
-            <a:schemeClr val="accent1"/>
-          </a:effectRef>
-          <a:fontRef idx="minor">
-            <a:schemeClr val="lt1"/>
-          </a:fontRef>
-        </p:style>
-        <p:txBody>
-          <a:bodyPr rtlCol="0" anchor="ctr"/>
-          <a:lstStyle/>
-          <a:p>
-            <a:pPr algn="ctr"/>
-            <a:endParaRPr lang="en-US"/>
-          </a:p>
-        </p:txBody>
-      </p:sp>
-      <p:cxnSp>
-        <p:nvCxnSpPr>
-          <p:cNvPr id="70" name="直線コネクタ 69">
-            <a:extLst>
-              <a:ext uri="{FF2B5EF4-FFF2-40B4-BE49-F238E27FC236}">
-                <a16:creationId xmlns:a16="http://schemas.microsoft.com/office/drawing/2014/main" id="{A30BC63C-D34F-44B2-8F98-20B7D5354E0D}"/>
-              </a:ext>
-            </a:extLst>
-          </p:cNvPr>
-          <p:cNvCxnSpPr>
-            <a:cxnSpLocks/>
-          </p:cNvCxnSpPr>
-          <p:nvPr/>
-        </p:nvCxnSpPr>
-        <p:spPr>
-          <a:xfrm>
-            <a:off x="3805859" y="2943724"/>
-            <a:ext cx="131656" cy="11168"/>
-          </a:xfrm>
-          <a:prstGeom prst="line">
-            <a:avLst/>
-          </a:prstGeom>
-          <a:ln w="57150"/>
-        </p:spPr>
-        <p:style>
-          <a:lnRef idx="1">
-            <a:schemeClr val="accent1"/>
-          </a:lnRef>
-          <a:fillRef idx="0">
-            <a:schemeClr val="accent1"/>
-          </a:fillRef>
-          <a:effectRef idx="0">
-            <a:schemeClr val="accent1"/>
-          </a:effectRef>
-          <a:fontRef idx="minor">
-            <a:schemeClr val="tx1"/>
-          </a:fontRef>
-        </p:style>
-      </p:cxnSp>
-      <p:cxnSp>
-        <p:nvCxnSpPr>
-          <p:cNvPr id="74" name="直線コネクタ 73">
-            <a:extLst>
-              <a:ext uri="{FF2B5EF4-FFF2-40B4-BE49-F238E27FC236}">
-                <a16:creationId xmlns:a16="http://schemas.microsoft.com/office/drawing/2014/main" id="{1E3DF6D5-4CB3-4E80-B074-8979F777AFF2}"/>
-              </a:ext>
-            </a:extLst>
-          </p:cNvPr>
-          <p:cNvCxnSpPr>
-            <a:cxnSpLocks/>
-          </p:cNvCxnSpPr>
-          <p:nvPr/>
-        </p:nvCxnSpPr>
-        <p:spPr>
-          <a:xfrm flipH="1">
-            <a:off x="1559317" y="3620670"/>
-            <a:ext cx="106490" cy="21503"/>
-          </a:xfrm>
-          <a:prstGeom prst="line">
-            <a:avLst/>
-          </a:prstGeom>
-          <a:ln w="57150">
-            <a:solidFill>
-              <a:schemeClr val="accent2">
-                <a:lumMod val="60000"/>
-                <a:lumOff val="40000"/>
-              </a:schemeClr>
-            </a:solidFill>
-          </a:ln>
-        </p:spPr>
-        <p:style>
-          <a:lnRef idx="1">
-            <a:schemeClr val="accent1"/>
-          </a:lnRef>
-          <a:fillRef idx="0">
-            <a:schemeClr val="accent1"/>
-          </a:fillRef>
-          <a:effectRef idx="0">
-            <a:schemeClr val="accent1"/>
-          </a:effectRef>
-          <a:fontRef idx="minor">
-            <a:schemeClr val="tx1"/>
-          </a:fontRef>
-        </p:style>
-      </p:cxnSp>
-      <p:cxnSp>
-        <p:nvCxnSpPr>
-          <p:cNvPr id="77" name="直線コネクタ 76">
-            <a:extLst>
-              <a:ext uri="{FF2B5EF4-FFF2-40B4-BE49-F238E27FC236}">
-                <a16:creationId xmlns:a16="http://schemas.microsoft.com/office/drawing/2014/main" id="{5CF7FEC3-3C5A-426D-9A2C-1D57E682B9E3}"/>
-              </a:ext>
-            </a:extLst>
-          </p:cNvPr>
-          <p:cNvCxnSpPr>
-            <a:cxnSpLocks/>
-          </p:cNvCxnSpPr>
-          <p:nvPr/>
-        </p:nvCxnSpPr>
-        <p:spPr>
-          <a:xfrm flipH="1">
-            <a:off x="1582411" y="3976268"/>
-            <a:ext cx="106490" cy="21503"/>
-          </a:xfrm>
-          <a:prstGeom prst="line">
-            <a:avLst/>
-          </a:prstGeom>
-          <a:ln w="57150">
-            <a:solidFill>
-              <a:schemeClr val="accent2">
-                <a:lumMod val="60000"/>
-                <a:lumOff val="40000"/>
-              </a:schemeClr>
-            </a:solidFill>
-          </a:ln>
-        </p:spPr>
-        <p:style>
-          <a:lnRef idx="1">
-            <a:schemeClr val="accent1"/>
-          </a:lnRef>
-          <a:fillRef idx="0">
-            <a:schemeClr val="accent1"/>
-          </a:fillRef>
-          <a:effectRef idx="0">
-            <a:schemeClr val="accent1"/>
-          </a:effectRef>
-          <a:fontRef idx="minor">
-            <a:schemeClr val="tx1"/>
-          </a:fontRef>
-        </p:style>
-      </p:cxnSp>
-      <p:cxnSp>
-        <p:nvCxnSpPr>
-          <p:cNvPr id="78" name="直線コネクタ 77">
-            <a:extLst>
-              <a:ext uri="{FF2B5EF4-FFF2-40B4-BE49-F238E27FC236}">
-                <a16:creationId xmlns:a16="http://schemas.microsoft.com/office/drawing/2014/main" id="{33CA93CA-A919-4FED-9956-D1617BD227B4}"/>
-              </a:ext>
-            </a:extLst>
-          </p:cNvPr>
-          <p:cNvCxnSpPr>
-            <a:cxnSpLocks/>
-            <a:stCxn id="45" idx="3"/>
-          </p:cNvCxnSpPr>
-          <p:nvPr/>
-        </p:nvCxnSpPr>
-        <p:spPr>
-          <a:xfrm>
-            <a:off x="5199869" y="3681393"/>
-            <a:ext cx="291700" cy="168004"/>
-          </a:xfrm>
-          <a:prstGeom prst="line">
-            <a:avLst/>
-          </a:prstGeom>
-          <a:ln w="57150"/>
-        </p:spPr>
-        <p:style>
-          <a:lnRef idx="1">
-            <a:schemeClr val="accent1"/>
-          </a:lnRef>
-          <a:fillRef idx="0">
-            <a:schemeClr val="accent1"/>
-          </a:fillRef>
-          <a:effectRef idx="0">
-            <a:schemeClr val="accent1"/>
-          </a:effectRef>
-          <a:fontRef idx="minor">
-            <a:schemeClr val="tx1"/>
-          </a:fontRef>
-        </p:style>
-      </p:cxnSp>
-      <p:cxnSp>
-        <p:nvCxnSpPr>
-          <p:cNvPr id="80" name="直線コネクタ 79">
-            <a:extLst>
-              <a:ext uri="{FF2B5EF4-FFF2-40B4-BE49-F238E27FC236}">
-                <a16:creationId xmlns:a16="http://schemas.microsoft.com/office/drawing/2014/main" id="{5EAF7D64-E0B9-466F-98B6-78AC5748C84D}"/>
-              </a:ext>
-            </a:extLst>
-          </p:cNvPr>
-          <p:cNvCxnSpPr>
-            <a:cxnSpLocks/>
-          </p:cNvCxnSpPr>
-          <p:nvPr/>
-        </p:nvCxnSpPr>
-        <p:spPr>
-          <a:xfrm>
-            <a:off x="5836891" y="3568630"/>
-            <a:ext cx="267295" cy="0"/>
-          </a:xfrm>
-          <a:prstGeom prst="line">
-            <a:avLst/>
-          </a:prstGeom>
-          <a:ln w="57150"/>
-        </p:spPr>
-        <p:style>
-          <a:lnRef idx="1">
-            <a:schemeClr val="accent1"/>
-          </a:lnRef>
-          <a:fillRef idx="0">
-            <a:schemeClr val="accent1"/>
-          </a:fillRef>
-          <a:effectRef idx="0">
-            <a:schemeClr val="accent1"/>
-          </a:effectRef>
-          <a:fontRef idx="minor">
-            <a:schemeClr val="tx1"/>
-          </a:fontRef>
-        </p:style>
-      </p:cxnSp>
-      <p:cxnSp>
-        <p:nvCxnSpPr>
-          <p:cNvPr id="82" name="直線コネクタ 81">
-            <a:extLst>
-              <a:ext uri="{FF2B5EF4-FFF2-40B4-BE49-F238E27FC236}">
-                <a16:creationId xmlns:a16="http://schemas.microsoft.com/office/drawing/2014/main" id="{75F525B7-296E-4F7A-BECB-EB201F22E902}"/>
-              </a:ext>
-            </a:extLst>
-          </p:cNvPr>
-          <p:cNvCxnSpPr>
-            <a:cxnSpLocks/>
-          </p:cNvCxnSpPr>
-          <p:nvPr/>
-        </p:nvCxnSpPr>
-        <p:spPr>
-          <a:xfrm>
-            <a:off x="7107013" y="2894347"/>
-            <a:ext cx="0" cy="186462"/>
-          </a:xfrm>
-          <a:prstGeom prst="line">
-            <a:avLst/>
-          </a:prstGeom>
-          <a:ln w="57150"/>
-        </p:spPr>
-        <p:style>
-          <a:lnRef idx="1">
-            <a:schemeClr val="accent1"/>
-          </a:lnRef>
-          <a:fillRef idx="0">
-            <a:schemeClr val="accent1"/>
-          </a:fillRef>
-          <a:effectRef idx="0">
-            <a:schemeClr val="accent1"/>
-          </a:effectRef>
-          <a:fontRef idx="minor">
-            <a:schemeClr val="tx1"/>
-          </a:fontRef>
-        </p:style>
-      </p:cxnSp>
-      <p:cxnSp>
-        <p:nvCxnSpPr>
-          <p:cNvPr id="85" name="直線コネクタ 84">
-            <a:extLst>
-              <a:ext uri="{FF2B5EF4-FFF2-40B4-BE49-F238E27FC236}">
-                <a16:creationId xmlns:a16="http://schemas.microsoft.com/office/drawing/2014/main" id="{452EC882-F7B3-407A-96E7-66A5ED3AB534}"/>
-              </a:ext>
-            </a:extLst>
-          </p:cNvPr>
-          <p:cNvCxnSpPr>
-            <a:cxnSpLocks/>
-          </p:cNvCxnSpPr>
-          <p:nvPr/>
-        </p:nvCxnSpPr>
-        <p:spPr>
-          <a:xfrm>
-            <a:off x="6117466" y="3490123"/>
-            <a:ext cx="139120" cy="0"/>
-          </a:xfrm>
-          <a:prstGeom prst="line">
-            <a:avLst/>
-          </a:prstGeom>
-          <a:ln w="57150"/>
-        </p:spPr>
-        <p:style>
-          <a:lnRef idx="1">
-            <a:schemeClr val="accent1"/>
-          </a:lnRef>
-          <a:fillRef idx="0">
-            <a:schemeClr val="accent1"/>
-          </a:fillRef>
-          <a:effectRef idx="0">
-            <a:schemeClr val="accent1"/>
-          </a:effectRef>
-          <a:fontRef idx="minor">
-            <a:schemeClr val="tx1"/>
-          </a:fontRef>
-        </p:style>
-      </p:cxnSp>
-      <p:cxnSp>
-        <p:nvCxnSpPr>
-          <p:cNvPr id="87" name="直線コネクタ 86">
-            <a:extLst>
-              <a:ext uri="{FF2B5EF4-FFF2-40B4-BE49-F238E27FC236}">
-                <a16:creationId xmlns:a16="http://schemas.microsoft.com/office/drawing/2014/main" id="{7E5623D7-2562-4C23-8F19-5A06E3EA23FC}"/>
-              </a:ext>
-            </a:extLst>
-          </p:cNvPr>
-          <p:cNvCxnSpPr>
-            <a:cxnSpLocks/>
-          </p:cNvCxnSpPr>
-          <p:nvPr/>
-        </p:nvCxnSpPr>
-        <p:spPr>
-          <a:xfrm>
-            <a:off x="6131322" y="3928850"/>
-            <a:ext cx="139120" cy="0"/>
-          </a:xfrm>
-          <a:prstGeom prst="line">
-            <a:avLst/>
-          </a:prstGeom>
-          <a:ln w="57150"/>
-        </p:spPr>
-        <p:style>
-          <a:lnRef idx="1">
-            <a:schemeClr val="accent1"/>
-          </a:lnRef>
-          <a:fillRef idx="0">
-            <a:schemeClr val="accent1"/>
-          </a:fillRef>
-          <a:effectRef idx="0">
-            <a:schemeClr val="accent1"/>
-          </a:effectRef>
-          <a:fontRef idx="minor">
-            <a:schemeClr val="tx1"/>
-          </a:fontRef>
-        </p:style>
-      </p:cxnSp>
-      <p:cxnSp>
-        <p:nvCxnSpPr>
-          <p:cNvPr id="88" name="直線コネクタ 87">
-            <a:extLst>
-              <a:ext uri="{FF2B5EF4-FFF2-40B4-BE49-F238E27FC236}">
-                <a16:creationId xmlns:a16="http://schemas.microsoft.com/office/drawing/2014/main" id="{D6770F3B-091A-4499-B720-CD33ED4C7DF1}"/>
-              </a:ext>
-            </a:extLst>
-          </p:cNvPr>
-          <p:cNvCxnSpPr>
-            <a:cxnSpLocks/>
-          </p:cNvCxnSpPr>
-          <p:nvPr/>
-        </p:nvCxnSpPr>
-        <p:spPr>
-          <a:xfrm>
-            <a:off x="3646734" y="2737364"/>
-            <a:ext cx="139120" cy="0"/>
-          </a:xfrm>
-          <a:prstGeom prst="line">
-            <a:avLst/>
-          </a:prstGeom>
-          <a:ln w="57150"/>
-        </p:spPr>
-        <p:style>
-          <a:lnRef idx="1">
-            <a:schemeClr val="accent1"/>
-          </a:lnRef>
-          <a:fillRef idx="0">
-            <a:schemeClr val="accent1"/>
-          </a:fillRef>
-          <a:effectRef idx="0">
-            <a:schemeClr val="accent1"/>
-          </a:effectRef>
-          <a:fontRef idx="minor">
-            <a:schemeClr val="tx1"/>
-          </a:fontRef>
-        </p:style>
-      </p:cxnSp>
-      <p:cxnSp>
-        <p:nvCxnSpPr>
-          <p:cNvPr id="89" name="直線コネクタ 88">
-            <a:extLst>
-              <a:ext uri="{FF2B5EF4-FFF2-40B4-BE49-F238E27FC236}">
-                <a16:creationId xmlns:a16="http://schemas.microsoft.com/office/drawing/2014/main" id="{3208DE7F-87C6-4D93-BF91-5850FA29F291}"/>
-              </a:ext>
-            </a:extLst>
-          </p:cNvPr>
-          <p:cNvCxnSpPr>
-            <a:cxnSpLocks/>
-          </p:cNvCxnSpPr>
-          <p:nvPr/>
-        </p:nvCxnSpPr>
-        <p:spPr>
-          <a:xfrm>
-            <a:off x="3651356" y="3120672"/>
-            <a:ext cx="139120" cy="0"/>
-          </a:xfrm>
-          <a:prstGeom prst="line">
-            <a:avLst/>
-          </a:prstGeom>
-          <a:ln w="57150"/>
-        </p:spPr>
-        <p:style>
-          <a:lnRef idx="1">
-            <a:schemeClr val="accent1"/>
-          </a:lnRef>
-          <a:fillRef idx="0">
-            <a:schemeClr val="accent1"/>
-          </a:fillRef>
-          <a:effectRef idx="0">
-            <a:schemeClr val="accent1"/>
-          </a:effectRef>
-          <a:fontRef idx="minor">
-            <a:schemeClr val="tx1"/>
-          </a:fontRef>
-        </p:style>
-      </p:cxnSp>
+              <a:rPr lang="en-US" sz="1200" dirty="0"/>
+              <a:t>Android</a:t>
+            </a:r>
+          </a:p>
+        </p:txBody>
+      </p:sp>
       <p:cxnSp>
         <p:nvCxnSpPr>
           <p:cNvPr id="92" name="コネクタ: 曲線 91">
@@ -4872,21 +3997,19 @@
           <p:cNvCxnSpPr>
             <a:cxnSpLocks/>
             <a:stCxn id="56" idx="2"/>
-            <a:endCxn id="47" idx="0"/>
+            <a:endCxn id="47" idx="1"/>
           </p:cNvCxnSpPr>
           <p:nvPr/>
         </p:nvCxnSpPr>
         <p:spPr>
           <a:xfrm rot="16200000" flipH="1">
-            <a:off x="5808045" y="2323906"/>
-            <a:ext cx="1431345" cy="420935"/>
+            <a:off x="5691143" y="1753758"/>
+            <a:ext cx="1051637" cy="226664"/>
           </a:xfrm>
-          <a:prstGeom prst="curvedConnector3">
-            <a:avLst>
-              <a:gd name="adj1" fmla="val 50000"/>
-            </a:avLst>
+          <a:prstGeom prst="curvedConnector2">
+            <a:avLst/>
           </a:prstGeom>
-          <a:ln w="28575">
+          <a:ln w="38100">
             <a:solidFill>
               <a:srgbClr val="92D050"/>
             </a:solidFill>
@@ -4907,35 +4030,68 @@
           </a:fontRef>
         </p:style>
       </p:cxnSp>
+      <p:sp>
+        <p:nvSpPr>
+          <p:cNvPr id="120" name="テキスト ボックス 119">
+            <a:extLst>
+              <a:ext uri="{FF2B5EF4-FFF2-40B4-BE49-F238E27FC236}">
+                <a16:creationId xmlns:a16="http://schemas.microsoft.com/office/drawing/2014/main" id="{284DF59F-0571-4249-81A2-9EEB283DA460}"/>
+              </a:ext>
+            </a:extLst>
+          </p:cNvPr>
+          <p:cNvSpPr txBox="1"/>
+          <p:nvPr/>
+        </p:nvSpPr>
+        <p:spPr>
+          <a:xfrm flipH="1">
+            <a:off x="5598076" y="1486192"/>
+            <a:ext cx="637009" cy="369332"/>
+          </a:xfrm>
+          <a:prstGeom prst="rect">
+            <a:avLst/>
+          </a:prstGeom>
+          <a:noFill/>
+        </p:spPr>
+        <p:txBody>
+          <a:bodyPr wrap="square" rtlCol="0">
+            <a:spAutoFit/>
+          </a:bodyPr>
+          <a:lstStyle/>
+          <a:p>
+            <a:r>
+              <a:rPr lang="en-US" dirty="0"/>
+              <a:t>I2C2</a:t>
+            </a:r>
+          </a:p>
+        </p:txBody>
+      </p:sp>
       <p:cxnSp>
         <p:nvCxnSpPr>
-          <p:cNvPr id="99" name="コネクタ: 曲線 98">
+          <p:cNvPr id="17" name="コネクタ: 曲線 16">
             <a:extLst>
               <a:ext uri="{FF2B5EF4-FFF2-40B4-BE49-F238E27FC236}">
-                <a16:creationId xmlns:a16="http://schemas.microsoft.com/office/drawing/2014/main" id="{56F410F5-623B-4537-B7A6-3D4D12BEA7FE}"/>
+                <a16:creationId xmlns:a16="http://schemas.microsoft.com/office/drawing/2014/main" id="{BE3AD6EB-CCEA-41E0-94FC-DF96C664F664}"/>
               </a:ext>
             </a:extLst>
           </p:cNvPr>
           <p:cNvCxnSpPr>
             <a:cxnSpLocks/>
-            <a:stCxn id="45" idx="2"/>
-            <a:endCxn id="41" idx="3"/>
+            <a:stCxn id="45" idx="0"/>
+            <a:endCxn id="47" idx="2"/>
           </p:cNvCxnSpPr>
           <p:nvPr/>
         </p:nvCxnSpPr>
         <p:spPr>
-          <a:xfrm rot="5400000">
-            <a:off x="4087072" y="3581270"/>
-            <a:ext cx="321589" cy="970556"/>
+          <a:xfrm rot="16200000" flipV="1">
+            <a:off x="6923401" y="2490888"/>
+            <a:ext cx="93475" cy="346240"/>
           </a:xfrm>
-          <a:prstGeom prst="curvedConnector2">
-            <a:avLst/>
+          <a:prstGeom prst="curvedConnector3">
+            <a:avLst>
+              <a:gd name="adj1" fmla="val 50000"/>
+            </a:avLst>
           </a:prstGeom>
-          <a:ln w="28575">
-            <a:solidFill>
-              <a:srgbClr val="00B0F0"/>
-            </a:solidFill>
-          </a:ln>
+          <a:ln w="38100"/>
         </p:spPr>
         <p:style>
           <a:lnRef idx="1">
@@ -4954,30 +4110,160 @@
       </p:cxnSp>
       <p:cxnSp>
         <p:nvCxnSpPr>
-          <p:cNvPr id="108" name="コネクタ: 曲線 107">
+          <p:cNvPr id="48" name="コネクタ: 曲線 47">
             <a:extLst>
               <a:ext uri="{FF2B5EF4-FFF2-40B4-BE49-F238E27FC236}">
-                <a16:creationId xmlns:a16="http://schemas.microsoft.com/office/drawing/2014/main" id="{D8DD7BF7-CDA0-4861-BB30-13267ED9A0EA}"/>
+                <a16:creationId xmlns:a16="http://schemas.microsoft.com/office/drawing/2014/main" id="{85CBADF7-CE52-45DE-A87C-B8EEDFC346AE}"/>
               </a:ext>
             </a:extLst>
           </p:cNvPr>
           <p:cNvCxnSpPr>
             <a:cxnSpLocks/>
-            <a:endCxn id="59" idx="3"/>
+            <a:stCxn id="51" idx="0"/>
+            <a:endCxn id="45" idx="2"/>
           </p:cNvCxnSpPr>
           <p:nvPr/>
         </p:nvCxnSpPr>
         <p:spPr>
-          <a:xfrm rot="10800000">
-            <a:off x="3735343" y="3703794"/>
-            <a:ext cx="569499" cy="140352"/>
+          <a:xfrm rot="5400000" flipH="1" flipV="1">
+            <a:off x="6940228" y="3062121"/>
+            <a:ext cx="105682" cy="300377"/>
           </a:xfrm>
           <a:prstGeom prst="curvedConnector3">
             <a:avLst>
               <a:gd name="adj1" fmla="val 50000"/>
             </a:avLst>
           </a:prstGeom>
-          <a:ln w="28575">
+          <a:ln w="38100"/>
+        </p:spPr>
+        <p:style>
+          <a:lnRef idx="1">
+            <a:schemeClr val="accent1"/>
+          </a:lnRef>
+          <a:fillRef idx="0">
+            <a:schemeClr val="accent1"/>
+          </a:fillRef>
+          <a:effectRef idx="0">
+            <a:schemeClr val="accent1"/>
+          </a:effectRef>
+          <a:fontRef idx="minor">
+            <a:schemeClr val="tx1"/>
+          </a:fontRef>
+        </p:style>
+      </p:cxnSp>
+      <p:cxnSp>
+        <p:nvCxnSpPr>
+          <p:cNvPr id="49" name="コネクタ: 曲線 48">
+            <a:extLst>
+              <a:ext uri="{FF2B5EF4-FFF2-40B4-BE49-F238E27FC236}">
+                <a16:creationId xmlns:a16="http://schemas.microsoft.com/office/drawing/2014/main" id="{BA37B4CD-699D-41FA-82C4-0DCFF619A456}"/>
+              </a:ext>
+            </a:extLst>
+          </p:cNvPr>
+          <p:cNvCxnSpPr>
+            <a:cxnSpLocks/>
+            <a:stCxn id="44" idx="1"/>
+            <a:endCxn id="42" idx="3"/>
+          </p:cNvCxnSpPr>
+          <p:nvPr/>
+        </p:nvCxnSpPr>
+        <p:spPr>
+          <a:xfrm rot="10800000" flipV="1">
+            <a:off x="4912478" y="3670599"/>
+            <a:ext cx="284513" cy="206891"/>
+          </a:xfrm>
+          <a:prstGeom prst="curvedConnector3">
+            <a:avLst>
+              <a:gd name="adj1" fmla="val 50000"/>
+            </a:avLst>
+          </a:prstGeom>
+          <a:ln w="38100"/>
+        </p:spPr>
+        <p:style>
+          <a:lnRef idx="1">
+            <a:schemeClr val="accent1"/>
+          </a:lnRef>
+          <a:fillRef idx="0">
+            <a:schemeClr val="accent1"/>
+          </a:fillRef>
+          <a:effectRef idx="0">
+            <a:schemeClr val="accent1"/>
+          </a:effectRef>
+          <a:fontRef idx="minor">
+            <a:schemeClr val="tx1"/>
+          </a:fontRef>
+        </p:style>
+      </p:cxnSp>
+      <p:cxnSp>
+        <p:nvCxnSpPr>
+          <p:cNvPr id="53" name="コネクタ: 曲線 52">
+            <a:extLst>
+              <a:ext uri="{FF2B5EF4-FFF2-40B4-BE49-F238E27FC236}">
+                <a16:creationId xmlns:a16="http://schemas.microsoft.com/office/drawing/2014/main" id="{CF6FBD99-8FF9-418A-8D51-E4DAB989F7DA}"/>
+              </a:ext>
+            </a:extLst>
+          </p:cNvPr>
+          <p:cNvCxnSpPr>
+            <a:cxnSpLocks/>
+            <a:stCxn id="44" idx="3"/>
+            <a:endCxn id="51" idx="1"/>
+          </p:cNvCxnSpPr>
+          <p:nvPr/>
+        </p:nvCxnSpPr>
+        <p:spPr>
+          <a:xfrm flipV="1">
+            <a:off x="6130440" y="3489512"/>
+            <a:ext cx="245716" cy="181088"/>
+          </a:xfrm>
+          <a:prstGeom prst="curvedConnector3">
+            <a:avLst>
+              <a:gd name="adj1" fmla="val 50000"/>
+            </a:avLst>
+          </a:prstGeom>
+          <a:ln w="38100"/>
+        </p:spPr>
+        <p:style>
+          <a:lnRef idx="1">
+            <a:schemeClr val="accent1"/>
+          </a:lnRef>
+          <a:fillRef idx="0">
+            <a:schemeClr val="accent1"/>
+          </a:fillRef>
+          <a:effectRef idx="0">
+            <a:schemeClr val="accent1"/>
+          </a:effectRef>
+          <a:fontRef idx="minor">
+            <a:schemeClr val="tx1"/>
+          </a:fontRef>
+        </p:style>
+      </p:cxnSp>
+      <p:cxnSp>
+        <p:nvCxnSpPr>
+          <p:cNvPr id="90" name="コネクタ: 曲線 89">
+            <a:extLst>
+              <a:ext uri="{FF2B5EF4-FFF2-40B4-BE49-F238E27FC236}">
+                <a16:creationId xmlns:a16="http://schemas.microsoft.com/office/drawing/2014/main" id="{CE3F5766-6257-4A9C-84FF-7FCCF466F631}"/>
+              </a:ext>
+            </a:extLst>
+          </p:cNvPr>
+          <p:cNvCxnSpPr>
+            <a:cxnSpLocks/>
+            <a:stCxn id="59" idx="3"/>
+            <a:endCxn id="45" idx="3"/>
+          </p:cNvCxnSpPr>
+          <p:nvPr/>
+        </p:nvCxnSpPr>
+        <p:spPr>
+          <a:xfrm>
+            <a:off x="7517240" y="1677623"/>
+            <a:ext cx="92743" cy="1257484"/>
+          </a:xfrm>
+          <a:prstGeom prst="curvedConnector3">
+            <a:avLst>
+              <a:gd name="adj1" fmla="val 346488"/>
+            </a:avLst>
+          </a:prstGeom>
+          <a:ln w="38100">
             <a:solidFill>
               <a:srgbClr val="FF0000"/>
             </a:solidFill>
@@ -4998,59 +4284,12 @@
           </a:fontRef>
         </p:style>
       </p:cxnSp>
-      <p:cxnSp>
-        <p:nvCxnSpPr>
-          <p:cNvPr id="111" name="コネクタ: 曲線 110">
+      <p:sp>
+        <p:nvSpPr>
+          <p:cNvPr id="95" name="テキスト ボックス 94">
             <a:extLst>
               <a:ext uri="{FF2B5EF4-FFF2-40B4-BE49-F238E27FC236}">
-                <a16:creationId xmlns:a16="http://schemas.microsoft.com/office/drawing/2014/main" id="{F4DC4260-2E83-488A-958A-1127D7F42D1C}"/>
-              </a:ext>
-            </a:extLst>
-          </p:cNvPr>
-          <p:cNvCxnSpPr>
-            <a:cxnSpLocks/>
-            <a:stCxn id="59" idx="3"/>
-            <a:endCxn id="41" idx="3"/>
-          </p:cNvCxnSpPr>
-          <p:nvPr/>
-        </p:nvCxnSpPr>
-        <p:spPr>
-          <a:xfrm>
-            <a:off x="3735342" y="3703794"/>
-            <a:ext cx="27246" cy="523549"/>
-          </a:xfrm>
-          <a:prstGeom prst="curvedConnector3">
-            <a:avLst>
-              <a:gd name="adj1" fmla="val 939022"/>
-            </a:avLst>
-          </a:prstGeom>
-          <a:ln w="28575">
-            <a:solidFill>
-              <a:srgbClr val="FF0000"/>
-            </a:solidFill>
-          </a:ln>
-        </p:spPr>
-        <p:style>
-          <a:lnRef idx="1">
-            <a:schemeClr val="accent1"/>
-          </a:lnRef>
-          <a:fillRef idx="0">
-            <a:schemeClr val="accent1"/>
-          </a:fillRef>
-          <a:effectRef idx="0">
-            <a:schemeClr val="accent1"/>
-          </a:effectRef>
-          <a:fontRef idx="minor">
-            <a:schemeClr val="tx1"/>
-          </a:fontRef>
-        </p:style>
-      </p:cxnSp>
-      <p:sp>
-        <p:nvSpPr>
-          <p:cNvPr id="119" name="テキスト ボックス 118">
-            <a:extLst>
-              <a:ext uri="{FF2B5EF4-FFF2-40B4-BE49-F238E27FC236}">
-                <a16:creationId xmlns:a16="http://schemas.microsoft.com/office/drawing/2014/main" id="{30789F1A-31CD-4686-8537-C4C98B6B1B3C}"/>
+                <a16:creationId xmlns:a16="http://schemas.microsoft.com/office/drawing/2014/main" id="{F2AF01F6-44E7-4FEB-AA67-38E4DC4487FA}"/>
               </a:ext>
             </a:extLst>
           </p:cNvPr>
@@ -5059,42 +4298,7 @@
         </p:nvSpPr>
         <p:spPr>
           <a:xfrm flipH="1">
-            <a:off x="5466644" y="3066382"/>
-            <a:ext cx="723712" cy="369332"/>
-          </a:xfrm>
-          <a:prstGeom prst="rect">
-            <a:avLst/>
-          </a:prstGeom>
-          <a:noFill/>
-        </p:spPr>
-        <p:txBody>
-          <a:bodyPr wrap="square" rtlCol="0">
-            <a:spAutoFit/>
-          </a:bodyPr>
-          <a:lstStyle/>
-          <a:p>
-            <a:r>
-              <a:rPr lang="en-US" dirty="0"/>
-              <a:t>I2C1</a:t>
-            </a:r>
-          </a:p>
-        </p:txBody>
-      </p:sp>
-      <p:sp>
-        <p:nvSpPr>
-          <p:cNvPr id="120" name="テキスト ボックス 119">
-            <a:extLst>
-              <a:ext uri="{FF2B5EF4-FFF2-40B4-BE49-F238E27FC236}">
-                <a16:creationId xmlns:a16="http://schemas.microsoft.com/office/drawing/2014/main" id="{284DF59F-0571-4249-81A2-9EEB283DA460}"/>
-              </a:ext>
-            </a:extLst>
-          </p:cNvPr>
-          <p:cNvSpPr txBox="1"/>
-          <p:nvPr/>
-        </p:nvSpPr>
-        <p:spPr>
-          <a:xfrm flipH="1">
-            <a:off x="5800734" y="1916454"/>
+            <a:off x="7717823" y="1924920"/>
             <a:ext cx="637009" cy="369332"/>
           </a:xfrm>
           <a:prstGeom prst="rect">
@@ -5110,17 +4314,17 @@
           <a:p>
             <a:r>
               <a:rPr lang="en-US" dirty="0"/>
-              <a:t>I2C2</a:t>
-            </a:r>
-          </a:p>
-        </p:txBody>
-      </p:sp>
-      <p:sp>
-        <p:nvSpPr>
-          <p:cNvPr id="121" name="テキスト ボックス 120">
+              <a:t>USB</a:t>
+            </a:r>
+          </a:p>
+        </p:txBody>
+      </p:sp>
+      <p:sp>
+        <p:nvSpPr>
+          <p:cNvPr id="133" name="テキスト ボックス 132">
             <a:extLst>
               <a:ext uri="{FF2B5EF4-FFF2-40B4-BE49-F238E27FC236}">
-                <a16:creationId xmlns:a16="http://schemas.microsoft.com/office/drawing/2014/main" id="{BEC4303C-2AAF-457E-9B69-B7736F56CD12}"/>
+                <a16:creationId xmlns:a16="http://schemas.microsoft.com/office/drawing/2014/main" id="{A80B85E1-C96C-4D69-A923-56BC2F6F988C}"/>
               </a:ext>
             </a:extLst>
           </p:cNvPr>
@@ -5129,7 +4333,7 @@
         </p:nvSpPr>
         <p:spPr>
           <a:xfrm flipH="1">
-            <a:off x="3976550" y="2623031"/>
+            <a:off x="6130440" y="2929108"/>
             <a:ext cx="637009" cy="369332"/>
           </a:xfrm>
           <a:prstGeom prst="rect">
@@ -5145,338 +4349,7 @@
           <a:p>
             <a:r>
               <a:rPr lang="en-US" dirty="0"/>
-              <a:t>I2C2</a:t>
-            </a:r>
-          </a:p>
-        </p:txBody>
-      </p:sp>
-      <p:sp>
-        <p:nvSpPr>
-          <p:cNvPr id="122" name="テキスト ボックス 121">
-            <a:extLst>
-              <a:ext uri="{FF2B5EF4-FFF2-40B4-BE49-F238E27FC236}">
-                <a16:creationId xmlns:a16="http://schemas.microsoft.com/office/drawing/2014/main" id="{7F58B893-0EDE-4ECA-8378-4C3CAD1377E3}"/>
-              </a:ext>
-            </a:extLst>
-          </p:cNvPr>
-          <p:cNvSpPr txBox="1"/>
-          <p:nvPr/>
-        </p:nvSpPr>
-        <p:spPr>
-          <a:xfrm flipH="1">
-            <a:off x="3714344" y="3726914"/>
-            <a:ext cx="1084199" cy="369332"/>
-          </a:xfrm>
-          <a:prstGeom prst="rect">
-            <a:avLst/>
-          </a:prstGeom>
-          <a:noFill/>
-        </p:spPr>
-        <p:txBody>
-          <a:bodyPr wrap="square" rtlCol="0">
-            <a:spAutoFit/>
-          </a:bodyPr>
-          <a:lstStyle/>
-          <a:p>
-            <a:r>
-              <a:rPr lang="en-US" dirty="0"/>
-              <a:t>5V</a:t>
-            </a:r>
-          </a:p>
-        </p:txBody>
-      </p:sp>
-      <p:sp>
-        <p:nvSpPr>
-          <p:cNvPr id="41" name="正方形/長方形 40">
-            <a:extLst>
-              <a:ext uri="{FF2B5EF4-FFF2-40B4-BE49-F238E27FC236}">
-                <a16:creationId xmlns:a16="http://schemas.microsoft.com/office/drawing/2014/main" id="{9C48BF72-777E-4990-8C0D-9232935F4513}"/>
-              </a:ext>
-            </a:extLst>
-          </p:cNvPr>
-          <p:cNvSpPr/>
-          <p:nvPr/>
-        </p:nvSpPr>
-        <p:spPr>
-          <a:xfrm>
-            <a:off x="3079527" y="4002981"/>
-            <a:ext cx="683061" cy="448723"/>
-          </a:xfrm>
-          <a:prstGeom prst="rect">
-            <a:avLst/>
-          </a:prstGeom>
-          <a:solidFill>
-            <a:srgbClr val="7030A0"/>
-          </a:solidFill>
-          <a:ln>
-            <a:solidFill>
-              <a:schemeClr val="accent1"/>
-            </a:solidFill>
-          </a:ln>
-          <a:scene3d>
-            <a:camera prst="orthographicFront"/>
-            <a:lightRig rig="threePt" dir="t"/>
-          </a:scene3d>
-          <a:sp3d>
-            <a:bevelT/>
-          </a:sp3d>
-        </p:spPr>
-        <p:style>
-          <a:lnRef idx="2">
-            <a:schemeClr val="accent1">
-              <a:shade val="50000"/>
-            </a:schemeClr>
-          </a:lnRef>
-          <a:fillRef idx="1">
-            <a:schemeClr val="accent1"/>
-          </a:fillRef>
-          <a:effectRef idx="0">
-            <a:schemeClr val="accent1"/>
-          </a:effectRef>
-          <a:fontRef idx="minor">
-            <a:schemeClr val="lt1"/>
-          </a:fontRef>
-        </p:style>
-        <p:txBody>
-          <a:bodyPr rtlCol="0" anchor="ctr"/>
-          <a:lstStyle/>
-          <a:p>
-            <a:pPr algn="ctr"/>
-            <a:r>
-              <a:rPr lang="en-US" sz="900" dirty="0"/>
-              <a:t>Logic level shifter</a:t>
-            </a:r>
-          </a:p>
-        </p:txBody>
-      </p:sp>
-      <p:cxnSp>
-        <p:nvCxnSpPr>
-          <p:cNvPr id="48" name="コネクタ: 曲線 47">
-            <a:extLst>
-              <a:ext uri="{FF2B5EF4-FFF2-40B4-BE49-F238E27FC236}">
-                <a16:creationId xmlns:a16="http://schemas.microsoft.com/office/drawing/2014/main" id="{F3A5C59A-EA5A-47A2-BBC4-EE3C4E042923}"/>
-              </a:ext>
-            </a:extLst>
-          </p:cNvPr>
-          <p:cNvCxnSpPr>
-            <a:cxnSpLocks/>
-            <a:stCxn id="41" idx="1"/>
-            <a:endCxn id="58" idx="3"/>
-          </p:cNvCxnSpPr>
-          <p:nvPr/>
-        </p:nvCxnSpPr>
-        <p:spPr>
-          <a:xfrm rot="10800000">
-            <a:off x="2647813" y="4015773"/>
-            <a:ext cx="431714" cy="211570"/>
-          </a:xfrm>
-          <a:prstGeom prst="curvedConnector3">
-            <a:avLst>
-              <a:gd name="adj1" fmla="val 50000"/>
-            </a:avLst>
-          </a:prstGeom>
-          <a:ln w="28575">
-            <a:solidFill>
-              <a:srgbClr val="FF0000"/>
-            </a:solidFill>
-          </a:ln>
-        </p:spPr>
-        <p:style>
-          <a:lnRef idx="1">
-            <a:schemeClr val="accent1"/>
-          </a:lnRef>
-          <a:fillRef idx="0">
-            <a:schemeClr val="accent1"/>
-          </a:fillRef>
-          <a:effectRef idx="0">
-            <a:schemeClr val="accent1"/>
-          </a:effectRef>
-          <a:fontRef idx="minor">
-            <a:schemeClr val="tx1"/>
-          </a:fontRef>
-        </p:style>
-      </p:cxnSp>
-      <p:sp>
-        <p:nvSpPr>
-          <p:cNvPr id="49" name="テキスト ボックス 48">
-            <a:extLst>
-              <a:ext uri="{FF2B5EF4-FFF2-40B4-BE49-F238E27FC236}">
-                <a16:creationId xmlns:a16="http://schemas.microsoft.com/office/drawing/2014/main" id="{62E65BBF-F67E-4035-93D9-2DD181D6DB2A}"/>
-              </a:ext>
-            </a:extLst>
-          </p:cNvPr>
-          <p:cNvSpPr txBox="1"/>
-          <p:nvPr/>
-        </p:nvSpPr>
-        <p:spPr>
-          <a:xfrm flipH="1">
-            <a:off x="2585642" y="3823829"/>
-            <a:ext cx="1084199" cy="369332"/>
-          </a:xfrm>
-          <a:prstGeom prst="rect">
-            <a:avLst/>
-          </a:prstGeom>
-          <a:noFill/>
-        </p:spPr>
-        <p:txBody>
-          <a:bodyPr wrap="square" rtlCol="0">
-            <a:spAutoFit/>
-          </a:bodyPr>
-          <a:lstStyle/>
-          <a:p>
-            <a:r>
-              <a:rPr lang="en-US" dirty="0"/>
-              <a:t>3.3V</a:t>
-            </a:r>
-          </a:p>
-        </p:txBody>
-      </p:sp>
-      <p:sp>
-        <p:nvSpPr>
-          <p:cNvPr id="53" name="テキスト ボックス 52">
-            <a:extLst>
-              <a:ext uri="{FF2B5EF4-FFF2-40B4-BE49-F238E27FC236}">
-                <a16:creationId xmlns:a16="http://schemas.microsoft.com/office/drawing/2014/main" id="{2E5A79E4-D5F1-403C-84E3-92386CEC7F2D}"/>
-              </a:ext>
-            </a:extLst>
-          </p:cNvPr>
-          <p:cNvSpPr txBox="1"/>
-          <p:nvPr/>
-        </p:nvSpPr>
-        <p:spPr>
-          <a:xfrm flipH="1">
-            <a:off x="4157187" y="3895759"/>
-            <a:ext cx="1084199" cy="369332"/>
-          </a:xfrm>
-          <a:prstGeom prst="rect">
-            <a:avLst/>
-          </a:prstGeom>
-          <a:noFill/>
-        </p:spPr>
-        <p:txBody>
-          <a:bodyPr wrap="square" rtlCol="0">
-            <a:spAutoFit/>
-          </a:bodyPr>
-          <a:lstStyle/>
-          <a:p>
-            <a:r>
-              <a:rPr lang="en-US" dirty="0"/>
-              <a:t>UART</a:t>
-            </a:r>
-          </a:p>
-        </p:txBody>
-      </p:sp>
-      <p:cxnSp>
-        <p:nvCxnSpPr>
-          <p:cNvPr id="60" name="コネクタ: 曲線 59">
-            <a:extLst>
-              <a:ext uri="{FF2B5EF4-FFF2-40B4-BE49-F238E27FC236}">
-                <a16:creationId xmlns:a16="http://schemas.microsoft.com/office/drawing/2014/main" id="{18B9A855-5C5F-440D-BFC9-DAA04337FE61}"/>
-              </a:ext>
-            </a:extLst>
-          </p:cNvPr>
-          <p:cNvCxnSpPr>
-            <a:cxnSpLocks/>
-          </p:cNvCxnSpPr>
-          <p:nvPr/>
-        </p:nvCxnSpPr>
-        <p:spPr>
-          <a:xfrm rot="10800000">
-            <a:off x="2647813" y="4080425"/>
-            <a:ext cx="431714" cy="211570"/>
-          </a:xfrm>
-          <a:prstGeom prst="curvedConnector3">
-            <a:avLst>
-              <a:gd name="adj1" fmla="val 50000"/>
-            </a:avLst>
-          </a:prstGeom>
-          <a:ln w="28575">
-            <a:solidFill>
-              <a:srgbClr val="00B0F0"/>
-            </a:solidFill>
-          </a:ln>
-        </p:spPr>
-        <p:style>
-          <a:lnRef idx="1">
-            <a:schemeClr val="accent1"/>
-          </a:lnRef>
-          <a:fillRef idx="0">
-            <a:schemeClr val="accent1"/>
-          </a:fillRef>
-          <a:effectRef idx="0">
-            <a:schemeClr val="accent1"/>
-          </a:effectRef>
-          <a:fontRef idx="minor">
-            <a:schemeClr val="tx1"/>
-          </a:fontRef>
-        </p:style>
-      </p:cxnSp>
-      <p:sp>
-        <p:nvSpPr>
-          <p:cNvPr id="71" name="テキスト ボックス 70">
-            <a:extLst>
-              <a:ext uri="{FF2B5EF4-FFF2-40B4-BE49-F238E27FC236}">
-                <a16:creationId xmlns:a16="http://schemas.microsoft.com/office/drawing/2014/main" id="{49BB6EBF-9D5E-4F65-8BB9-B23E98C89048}"/>
-              </a:ext>
-            </a:extLst>
-          </p:cNvPr>
-          <p:cNvSpPr txBox="1"/>
-          <p:nvPr/>
-        </p:nvSpPr>
-        <p:spPr>
-          <a:xfrm flipH="1">
-            <a:off x="2425368" y="4186700"/>
-            <a:ext cx="1084199" cy="369332"/>
-          </a:xfrm>
-          <a:prstGeom prst="rect">
-            <a:avLst/>
-          </a:prstGeom>
-          <a:noFill/>
-        </p:spPr>
-        <p:txBody>
-          <a:bodyPr wrap="square" rtlCol="0">
-            <a:spAutoFit/>
-          </a:bodyPr>
-          <a:lstStyle/>
-          <a:p>
-            <a:r>
-              <a:rPr lang="en-US" dirty="0"/>
-              <a:t>UART</a:t>
-            </a:r>
-          </a:p>
-        </p:txBody>
-      </p:sp>
-      <p:sp>
-        <p:nvSpPr>
-          <p:cNvPr id="54" name="テキスト ボックス 53">
-            <a:extLst>
-              <a:ext uri="{FF2B5EF4-FFF2-40B4-BE49-F238E27FC236}">
-                <a16:creationId xmlns:a16="http://schemas.microsoft.com/office/drawing/2014/main" id="{1F398B89-274C-4F4D-9776-0D8938A9BB9D}"/>
-              </a:ext>
-            </a:extLst>
-          </p:cNvPr>
-          <p:cNvSpPr txBox="1"/>
-          <p:nvPr/>
-        </p:nvSpPr>
-        <p:spPr>
-          <a:xfrm flipH="1">
-            <a:off x="1200081" y="3101909"/>
-            <a:ext cx="637009" cy="369332"/>
-          </a:xfrm>
-          <a:prstGeom prst="rect">
-            <a:avLst/>
-          </a:prstGeom>
-          <a:noFill/>
-        </p:spPr>
-        <p:txBody>
-          <a:bodyPr wrap="square" rtlCol="0">
-            <a:spAutoFit/>
-          </a:bodyPr>
-          <a:lstStyle/>
-          <a:p>
-            <a:r>
-              <a:rPr lang="en-US" dirty="0"/>
-              <a:t>SPI</a:t>
+              <a:t>I2C1</a:t>
             </a:r>
           </a:p>
         </p:txBody>

--- a/doc/network.pptx
+++ b/doc/network.pptx
@@ -6,6 +6,7 @@
   </p:sldMasterIdLst>
   <p:sldIdLst>
     <p:sldId id="256" r:id="rId2"/>
+    <p:sldId id="257" r:id="rId3"/>
   </p:sldIdLst>
   <p:sldSz cx="9144000" cy="6858000" type="screen4x3"/>
   <p:notesSz cx="6858000" cy="9144000"/>
@@ -247,7 +248,7 @@
           <a:p>
             <a:fld id="{0588DB89-F6CE-4EE7-AE23-362350B0A563}" type="datetimeFigureOut">
               <a:rPr lang="en-US" smtClean="0"/>
-              <a:t>7/16/2017</a:t>
+              <a:t>8/10/2017</a:t>
             </a:fld>
             <a:endParaRPr lang="en-US"/>
           </a:p>
@@ -449,7 +450,7 @@
           <a:p>
             <a:fld id="{0588DB89-F6CE-4EE7-AE23-362350B0A563}" type="datetimeFigureOut">
               <a:rPr lang="en-US" smtClean="0"/>
-              <a:t>7/16/2017</a:t>
+              <a:t>8/10/2017</a:t>
             </a:fld>
             <a:endParaRPr lang="en-US"/>
           </a:p>
@@ -661,7 +662,7 @@
           <a:p>
             <a:fld id="{0588DB89-F6CE-4EE7-AE23-362350B0A563}" type="datetimeFigureOut">
               <a:rPr lang="en-US" smtClean="0"/>
-              <a:t>7/16/2017</a:t>
+              <a:t>8/10/2017</a:t>
             </a:fld>
             <a:endParaRPr lang="en-US"/>
           </a:p>
@@ -863,7 +864,7 @@
           <a:p>
             <a:fld id="{0588DB89-F6CE-4EE7-AE23-362350B0A563}" type="datetimeFigureOut">
               <a:rPr lang="en-US" smtClean="0"/>
-              <a:t>7/16/2017</a:t>
+              <a:t>8/10/2017</a:t>
             </a:fld>
             <a:endParaRPr lang="en-US"/>
           </a:p>
@@ -1107,7 +1108,7 @@
           <a:p>
             <a:fld id="{0588DB89-F6CE-4EE7-AE23-362350B0A563}" type="datetimeFigureOut">
               <a:rPr lang="en-US" smtClean="0"/>
-              <a:t>7/16/2017</a:t>
+              <a:t>8/10/2017</a:t>
             </a:fld>
             <a:endParaRPr lang="en-US"/>
           </a:p>
@@ -1403,7 +1404,7 @@
           <a:p>
             <a:fld id="{0588DB89-F6CE-4EE7-AE23-362350B0A563}" type="datetimeFigureOut">
               <a:rPr lang="en-US" smtClean="0"/>
-              <a:t>7/16/2017</a:t>
+              <a:t>8/10/2017</a:t>
             </a:fld>
             <a:endParaRPr lang="en-US"/>
           </a:p>
@@ -1834,7 +1835,7 @@
           <a:p>
             <a:fld id="{0588DB89-F6CE-4EE7-AE23-362350B0A563}" type="datetimeFigureOut">
               <a:rPr lang="en-US" smtClean="0"/>
-              <a:t>7/16/2017</a:t>
+              <a:t>8/10/2017</a:t>
             </a:fld>
             <a:endParaRPr lang="en-US"/>
           </a:p>
@@ -1952,7 +1953,7 @@
           <a:p>
             <a:fld id="{0588DB89-F6CE-4EE7-AE23-362350B0A563}" type="datetimeFigureOut">
               <a:rPr lang="en-US" smtClean="0"/>
-              <a:t>7/16/2017</a:t>
+              <a:t>8/10/2017</a:t>
             </a:fld>
             <a:endParaRPr lang="en-US"/>
           </a:p>
@@ -2047,7 +2048,7 @@
           <a:p>
             <a:fld id="{0588DB89-F6CE-4EE7-AE23-362350B0A563}" type="datetimeFigureOut">
               <a:rPr lang="en-US" smtClean="0"/>
-              <a:t>7/16/2017</a:t>
+              <a:t>8/10/2017</a:t>
             </a:fld>
             <a:endParaRPr lang="en-US"/>
           </a:p>
@@ -2356,7 +2357,7 @@
           <a:p>
             <a:fld id="{0588DB89-F6CE-4EE7-AE23-362350B0A563}" type="datetimeFigureOut">
               <a:rPr lang="en-US" smtClean="0"/>
-              <a:t>7/16/2017</a:t>
+              <a:t>8/10/2017</a:t>
             </a:fld>
             <a:endParaRPr lang="en-US"/>
           </a:p>
@@ -2613,7 +2614,7 @@
           <a:p>
             <a:fld id="{0588DB89-F6CE-4EE7-AE23-362350B0A563}" type="datetimeFigureOut">
               <a:rPr lang="en-US" smtClean="0"/>
-              <a:t>7/16/2017</a:t>
+              <a:t>8/10/2017</a:t>
             </a:fld>
             <a:endParaRPr lang="en-US"/>
           </a:p>
@@ -2858,7 +2859,7 @@
           <a:p>
             <a:fld id="{0588DB89-F6CE-4EE7-AE23-362350B0A563}" type="datetimeFigureOut">
               <a:rPr lang="en-US" smtClean="0"/>
-              <a:t>7/16/2017</a:t>
+              <a:t>8/10/2017</a:t>
             </a:fld>
             <a:endParaRPr lang="en-US"/>
           </a:p>
@@ -4367,6 +4368,308 @@
 </p:sld>
 </file>
 
+<file path=ppt/slides/slide2.xml><?xml version="1.0" encoding="utf-8"?>
+<p:sld xmlns:a="http://schemas.openxmlformats.org/drawingml/2006/main" xmlns:r="http://schemas.openxmlformats.org/officeDocument/2006/relationships" xmlns:p="http://schemas.openxmlformats.org/presentationml/2006/main">
+  <p:cSld>
+    <p:spTree>
+      <p:nvGrpSpPr>
+        <p:cNvPr id="1" name=""/>
+        <p:cNvGrpSpPr/>
+        <p:nvPr/>
+      </p:nvGrpSpPr>
+      <p:grpSpPr>
+        <a:xfrm>
+          <a:off x="0" y="0"/>
+          <a:ext cx="0" cy="0"/>
+          <a:chOff x="0" y="0"/>
+          <a:chExt cx="0" cy="0"/>
+        </a:xfrm>
+      </p:grpSpPr>
+      <p:pic>
+        <p:nvPicPr>
+          <p:cNvPr id="4" name="図 3">
+            <a:extLst>
+              <a:ext uri="{FF2B5EF4-FFF2-40B4-BE49-F238E27FC236}">
+                <a16:creationId xmlns:a16="http://schemas.microsoft.com/office/drawing/2014/main" id="{BE7883A4-844F-451F-9BA6-02620FF49496}"/>
+              </a:ext>
+            </a:extLst>
+          </p:cNvPr>
+          <p:cNvPicPr>
+            <a:picLocks noChangeAspect="1"/>
+          </p:cNvPicPr>
+          <p:nvPr/>
+        </p:nvPicPr>
+        <p:blipFill>
+          <a:blip r:embed="rId2">
+            <a:grayscl/>
+            <a:extLst>
+              <a:ext uri="{BEBA8EAE-BF5A-486C-A8C5-ECC9F3942E4B}">
+                <a14:imgProps xmlns:a14="http://schemas.microsoft.com/office/drawing/2010/main">
+                  <a14:imgLayer r:embed="rId3">
+                    <a14:imgEffect>
+                      <a14:brightnessContrast bright="30000"/>
+                    </a14:imgEffect>
+                  </a14:imgLayer>
+                </a14:imgProps>
+              </a:ext>
+              <a:ext uri="{28A0092B-C50C-407E-A947-70E740481C1C}">
+                <a14:useLocalDpi xmlns:a14="http://schemas.microsoft.com/office/drawing/2010/main" val="0"/>
+              </a:ext>
+            </a:extLst>
+          </a:blip>
+          <a:stretch>
+            <a:fillRect/>
+          </a:stretch>
+        </p:blipFill>
+        <p:spPr>
+          <a:xfrm>
+            <a:off x="1005960" y="2573730"/>
+            <a:ext cx="5865895" cy="4132790"/>
+          </a:xfrm>
+          <a:prstGeom prst="rect">
+            <a:avLst/>
+          </a:prstGeom>
+        </p:spPr>
+      </p:pic>
+      <p:sp>
+        <p:nvSpPr>
+          <p:cNvPr id="6" name="テキスト ボックス 5">
+            <a:extLst>
+              <a:ext uri="{FF2B5EF4-FFF2-40B4-BE49-F238E27FC236}">
+                <a16:creationId xmlns:a16="http://schemas.microsoft.com/office/drawing/2014/main" id="{7514450E-A2A5-446D-830A-4E7C6CE40C94}"/>
+              </a:ext>
+            </a:extLst>
+          </p:cNvPr>
+          <p:cNvSpPr txBox="1"/>
+          <p:nvPr/>
+        </p:nvSpPr>
+        <p:spPr>
+          <a:xfrm>
+            <a:off x="775857" y="452584"/>
+            <a:ext cx="5624945" cy="2062103"/>
+          </a:xfrm>
+          <a:prstGeom prst="rect">
+            <a:avLst/>
+          </a:prstGeom>
+          <a:noFill/>
+        </p:spPr>
+        <p:txBody>
+          <a:bodyPr wrap="square" rtlCol="0">
+            <a:spAutoFit/>
+          </a:bodyPr>
+          <a:lstStyle/>
+          <a:p>
+            <a:r>
+              <a:rPr lang="en-US" sz="3200" dirty="0"/>
+              <a:t>Speed calculation</a:t>
+            </a:r>
+          </a:p>
+          <a:p>
+            <a:r>
+              <a:rPr lang="en-US" sz="3200" dirty="0"/>
+              <a:t>r(rpm) = </a:t>
+            </a:r>
+            <a:r>
+              <a:rPr lang="en-US" altLang="ja-JP" sz="3200" dirty="0"/>
+              <a:t>c(5sec) * 60/5</a:t>
+            </a:r>
+          </a:p>
+          <a:p>
+            <a:r>
+              <a:rPr lang="en-US" altLang="ja-JP" sz="3200" dirty="0"/>
+              <a:t>s(km/h) = πl * r * 60</a:t>
+            </a:r>
+          </a:p>
+          <a:p>
+            <a:endParaRPr lang="en-US" sz="3200" dirty="0"/>
+          </a:p>
+        </p:txBody>
+      </p:sp>
+      <p:cxnSp>
+        <p:nvCxnSpPr>
+          <p:cNvPr id="8" name="直線矢印コネクタ 7">
+            <a:extLst>
+              <a:ext uri="{FF2B5EF4-FFF2-40B4-BE49-F238E27FC236}">
+                <a16:creationId xmlns:a16="http://schemas.microsoft.com/office/drawing/2014/main" id="{C15B70E9-1608-43AF-B6AA-4BDAE10DA6CE}"/>
+              </a:ext>
+            </a:extLst>
+          </p:cNvPr>
+          <p:cNvCxnSpPr/>
+          <p:nvPr/>
+        </p:nvCxnSpPr>
+        <p:spPr>
+          <a:xfrm flipV="1">
+            <a:off x="5781965" y="4756728"/>
+            <a:ext cx="378691" cy="1690254"/>
+          </a:xfrm>
+          <a:prstGeom prst="straightConnector1">
+            <a:avLst/>
+          </a:prstGeom>
+          <a:ln w="57150">
+            <a:solidFill>
+              <a:srgbClr val="FF0000"/>
+            </a:solidFill>
+            <a:headEnd type="triangle" w="med" len="med"/>
+            <a:tailEnd type="triangle" w="med" len="med"/>
+          </a:ln>
+        </p:spPr>
+        <p:style>
+          <a:lnRef idx="1">
+            <a:schemeClr val="accent1"/>
+          </a:lnRef>
+          <a:fillRef idx="0">
+            <a:schemeClr val="accent1"/>
+          </a:fillRef>
+          <a:effectRef idx="0">
+            <a:schemeClr val="accent1"/>
+          </a:effectRef>
+          <a:fontRef idx="minor">
+            <a:schemeClr val="tx1"/>
+          </a:fontRef>
+        </p:style>
+      </p:cxnSp>
+      <p:sp>
+        <p:nvSpPr>
+          <p:cNvPr id="11" name="テキスト ボックス 10">
+            <a:extLst>
+              <a:ext uri="{FF2B5EF4-FFF2-40B4-BE49-F238E27FC236}">
+                <a16:creationId xmlns:a16="http://schemas.microsoft.com/office/drawing/2014/main" id="{65E8D779-8DD9-4313-9023-63E79E4726A3}"/>
+              </a:ext>
+            </a:extLst>
+          </p:cNvPr>
+          <p:cNvSpPr txBox="1"/>
+          <p:nvPr/>
+        </p:nvSpPr>
+        <p:spPr>
+          <a:xfrm>
+            <a:off x="5768113" y="4946145"/>
+            <a:ext cx="498762" cy="523220"/>
+          </a:xfrm>
+          <a:prstGeom prst="rect">
+            <a:avLst/>
+          </a:prstGeom>
+          <a:noFill/>
+        </p:spPr>
+        <p:txBody>
+          <a:bodyPr wrap="square" rtlCol="0">
+            <a:spAutoFit/>
+          </a:bodyPr>
+          <a:lstStyle/>
+          <a:p>
+            <a:r>
+              <a:rPr lang="en-US" sz="2800" dirty="0">
+                <a:solidFill>
+                  <a:srgbClr val="FF0000"/>
+                </a:solidFill>
+              </a:rPr>
+              <a:t>l</a:t>
+            </a:r>
+          </a:p>
+        </p:txBody>
+      </p:sp>
+      <p:sp>
+        <p:nvSpPr>
+          <p:cNvPr id="12" name="円弧 11">
+            <a:extLst>
+              <a:ext uri="{FF2B5EF4-FFF2-40B4-BE49-F238E27FC236}">
+                <a16:creationId xmlns:a16="http://schemas.microsoft.com/office/drawing/2014/main" id="{729D9A25-D7E2-429F-9FC0-A21054DB5E60}"/>
+              </a:ext>
+            </a:extLst>
+          </p:cNvPr>
+          <p:cNvSpPr/>
+          <p:nvPr/>
+        </p:nvSpPr>
+        <p:spPr>
+          <a:xfrm>
+            <a:off x="5781965" y="5343237"/>
+            <a:ext cx="554183" cy="517236"/>
+          </a:xfrm>
+          <a:prstGeom prst="arc">
+            <a:avLst>
+              <a:gd name="adj1" fmla="val 11418289"/>
+              <a:gd name="adj2" fmla="val 9601878"/>
+            </a:avLst>
+          </a:prstGeom>
+          <a:ln w="57150">
+            <a:headEnd type="none" w="med" len="med"/>
+            <a:tailEnd type="triangle" w="med" len="med"/>
+          </a:ln>
+        </p:spPr>
+        <p:style>
+          <a:lnRef idx="1">
+            <a:schemeClr val="accent1"/>
+          </a:lnRef>
+          <a:fillRef idx="0">
+            <a:schemeClr val="accent1"/>
+          </a:fillRef>
+          <a:effectRef idx="0">
+            <a:schemeClr val="accent1"/>
+          </a:effectRef>
+          <a:fontRef idx="minor">
+            <a:schemeClr val="tx1"/>
+          </a:fontRef>
+        </p:style>
+        <p:txBody>
+          <a:bodyPr rtlCol="0" anchor="ctr"/>
+          <a:lstStyle/>
+          <a:p>
+            <a:pPr algn="ctr"/>
+            <a:endParaRPr lang="en-US"/>
+          </a:p>
+        </p:txBody>
+      </p:sp>
+      <p:sp>
+        <p:nvSpPr>
+          <p:cNvPr id="13" name="テキスト ボックス 12">
+            <a:extLst>
+              <a:ext uri="{FF2B5EF4-FFF2-40B4-BE49-F238E27FC236}">
+                <a16:creationId xmlns:a16="http://schemas.microsoft.com/office/drawing/2014/main" id="{B152921A-6709-46D2-A2C3-EA38AA9E64B5}"/>
+              </a:ext>
+            </a:extLst>
+          </p:cNvPr>
+          <p:cNvSpPr txBox="1"/>
+          <p:nvPr/>
+        </p:nvSpPr>
+        <p:spPr>
+          <a:xfrm>
+            <a:off x="6033659" y="5300309"/>
+            <a:ext cx="498762" cy="523220"/>
+          </a:xfrm>
+          <a:prstGeom prst="rect">
+            <a:avLst/>
+          </a:prstGeom>
+          <a:noFill/>
+        </p:spPr>
+        <p:txBody>
+          <a:bodyPr wrap="square" rtlCol="0">
+            <a:spAutoFit/>
+          </a:bodyPr>
+          <a:lstStyle/>
+          <a:p>
+            <a:r>
+              <a:rPr lang="en-US" sz="2800" dirty="0">
+                <a:solidFill>
+                  <a:srgbClr val="0070C0"/>
+                </a:solidFill>
+              </a:rPr>
+              <a:t>c</a:t>
+            </a:r>
+          </a:p>
+        </p:txBody>
+      </p:sp>
+    </p:spTree>
+    <p:extLst>
+      <p:ext uri="{BB962C8B-B14F-4D97-AF65-F5344CB8AC3E}">
+        <p14:creationId xmlns:p14="http://schemas.microsoft.com/office/powerpoint/2010/main" val="2488282898"/>
+      </p:ext>
+    </p:extLst>
+  </p:cSld>
+  <p:clrMapOvr>
+    <a:masterClrMapping/>
+  </p:clrMapOvr>
+</p:sld>
+</file>
+
 <file path=ppt/theme/theme1.xml><?xml version="1.0" encoding="utf-8"?>
 <a:theme xmlns:a="http://schemas.openxmlformats.org/drawingml/2006/main" name="Office テーマ">
   <a:themeElements>

--- a/doc/network.pptx
+++ b/doc/network.pptx
@@ -248,7 +248,7 @@
           <a:p>
             <a:fld id="{0588DB89-F6CE-4EE7-AE23-362350B0A563}" type="datetimeFigureOut">
               <a:rPr lang="en-US" smtClean="0"/>
-              <a:t>8/10/2017</a:t>
+              <a:t>8/31/2017</a:t>
             </a:fld>
             <a:endParaRPr lang="en-US"/>
           </a:p>
@@ -450,7 +450,7 @@
           <a:p>
             <a:fld id="{0588DB89-F6CE-4EE7-AE23-362350B0A563}" type="datetimeFigureOut">
               <a:rPr lang="en-US" smtClean="0"/>
-              <a:t>8/10/2017</a:t>
+              <a:t>8/31/2017</a:t>
             </a:fld>
             <a:endParaRPr lang="en-US"/>
           </a:p>
@@ -662,7 +662,7 @@
           <a:p>
             <a:fld id="{0588DB89-F6CE-4EE7-AE23-362350B0A563}" type="datetimeFigureOut">
               <a:rPr lang="en-US" smtClean="0"/>
-              <a:t>8/10/2017</a:t>
+              <a:t>8/31/2017</a:t>
             </a:fld>
             <a:endParaRPr lang="en-US"/>
           </a:p>
@@ -864,7 +864,7 @@
           <a:p>
             <a:fld id="{0588DB89-F6CE-4EE7-AE23-362350B0A563}" type="datetimeFigureOut">
               <a:rPr lang="en-US" smtClean="0"/>
-              <a:t>8/10/2017</a:t>
+              <a:t>8/31/2017</a:t>
             </a:fld>
             <a:endParaRPr lang="en-US"/>
           </a:p>
@@ -1108,7 +1108,7 @@
           <a:p>
             <a:fld id="{0588DB89-F6CE-4EE7-AE23-362350B0A563}" type="datetimeFigureOut">
               <a:rPr lang="en-US" smtClean="0"/>
-              <a:t>8/10/2017</a:t>
+              <a:t>8/31/2017</a:t>
             </a:fld>
             <a:endParaRPr lang="en-US"/>
           </a:p>
@@ -1404,7 +1404,7 @@
           <a:p>
             <a:fld id="{0588DB89-F6CE-4EE7-AE23-362350B0A563}" type="datetimeFigureOut">
               <a:rPr lang="en-US" smtClean="0"/>
-              <a:t>8/10/2017</a:t>
+              <a:t>8/31/2017</a:t>
             </a:fld>
             <a:endParaRPr lang="en-US"/>
           </a:p>
@@ -1835,7 +1835,7 @@
           <a:p>
             <a:fld id="{0588DB89-F6CE-4EE7-AE23-362350B0A563}" type="datetimeFigureOut">
               <a:rPr lang="en-US" smtClean="0"/>
-              <a:t>8/10/2017</a:t>
+              <a:t>8/31/2017</a:t>
             </a:fld>
             <a:endParaRPr lang="en-US"/>
           </a:p>
@@ -1953,7 +1953,7 @@
           <a:p>
             <a:fld id="{0588DB89-F6CE-4EE7-AE23-362350B0A563}" type="datetimeFigureOut">
               <a:rPr lang="en-US" smtClean="0"/>
-              <a:t>8/10/2017</a:t>
+              <a:t>8/31/2017</a:t>
             </a:fld>
             <a:endParaRPr lang="en-US"/>
           </a:p>
@@ -2048,7 +2048,7 @@
           <a:p>
             <a:fld id="{0588DB89-F6CE-4EE7-AE23-362350B0A563}" type="datetimeFigureOut">
               <a:rPr lang="en-US" smtClean="0"/>
-              <a:t>8/10/2017</a:t>
+              <a:t>8/31/2017</a:t>
             </a:fld>
             <a:endParaRPr lang="en-US"/>
           </a:p>
@@ -2357,7 +2357,7 @@
           <a:p>
             <a:fld id="{0588DB89-F6CE-4EE7-AE23-362350B0A563}" type="datetimeFigureOut">
               <a:rPr lang="en-US" smtClean="0"/>
-              <a:t>8/10/2017</a:t>
+              <a:t>8/31/2017</a:t>
             </a:fld>
             <a:endParaRPr lang="en-US"/>
           </a:p>
@@ -2614,7 +2614,7 @@
           <a:p>
             <a:fld id="{0588DB89-F6CE-4EE7-AE23-362350B0A563}" type="datetimeFigureOut">
               <a:rPr lang="en-US" smtClean="0"/>
-              <a:t>8/10/2017</a:t>
+              <a:t>8/31/2017</a:t>
             </a:fld>
             <a:endParaRPr lang="en-US"/>
           </a:p>
@@ -2859,7 +2859,7 @@
           <a:p>
             <a:fld id="{0588DB89-F6CE-4EE7-AE23-362350B0A563}" type="datetimeFigureOut">
               <a:rPr lang="en-US" smtClean="0"/>
-              <a:t>8/10/2017</a:t>
+              <a:t>8/31/2017</a:t>
             </a:fld>
             <a:endParaRPr lang="en-US"/>
           </a:p>
